--- a/documents/[편돌이]졸업작품 제안서(짧은버전).pptx
+++ b/documents/[편돌이]졸업작품 제안서(짧은버전).pptx
@@ -13,8 +13,8 @@
   <p:sldIdLst>
     <p:sldId id="264" r:id="rId2"/>
     <p:sldId id="304" r:id="rId3"/>
-    <p:sldId id="322" r:id="rId4"/>
-    <p:sldId id="352" r:id="rId5"/>
+    <p:sldId id="352" r:id="rId4"/>
+    <p:sldId id="322" r:id="rId5"/>
     <p:sldId id="355" r:id="rId6"/>
     <p:sldId id="359" r:id="rId7"/>
     <p:sldId id="338" r:id="rId8"/>
@@ -24,18 +24,18 @@
     <p:sldId id="391" r:id="rId12"/>
     <p:sldId id="394" r:id="rId13"/>
     <p:sldId id="395" r:id="rId14"/>
-    <p:sldId id="396" r:id="rId15"/>
-    <p:sldId id="397" r:id="rId16"/>
-    <p:sldId id="398" r:id="rId17"/>
+    <p:sldId id="402" r:id="rId15"/>
+    <p:sldId id="403" r:id="rId16"/>
+    <p:sldId id="404" r:id="rId17"/>
     <p:sldId id="399" r:id="rId18"/>
     <p:sldId id="400" r:id="rId19"/>
     <p:sldId id="401" r:id="rId20"/>
     <p:sldId id="357" r:id="rId21"/>
     <p:sldId id="345" r:id="rId22"/>
-    <p:sldId id="346" r:id="rId23"/>
-    <p:sldId id="382" r:id="rId24"/>
-    <p:sldId id="383" r:id="rId25"/>
-    <p:sldId id="384" r:id="rId26"/>
+    <p:sldId id="384" r:id="rId23"/>
+    <p:sldId id="405" r:id="rId24"/>
+    <p:sldId id="346" r:id="rId25"/>
+    <p:sldId id="382" r:id="rId26"/>
     <p:sldId id="347" r:id="rId27"/>
   </p:sldIdLst>
   <p:sldSz cx="12192000" cy="6858000"/>
@@ -4148,17 +4148,7 @@
                   </a:schemeClr>
                 </a:solidFill>
               </a:rPr>
-              <a:t> </a:t>
-            </a:r>
-            <a:r>
-              <a:rPr lang="ko-KR" altLang="en-US" sz="2400" dirty="0" smtClean="0">
-                <a:solidFill>
-                  <a:schemeClr val="bg1">
-                    <a:lumMod val="50000"/>
-                  </a:schemeClr>
-                </a:solidFill>
-              </a:rPr>
-              <a:t>게임공학과 </a:t>
+              <a:t> 게임공학과 </a:t>
             </a:r>
             <a:r>
               <a:rPr lang="en-US" altLang="ko-KR" sz="2400" dirty="0" smtClean="0">
@@ -4288,17 +4278,7 @@
                   </a:schemeClr>
                 </a:solidFill>
               </a:rPr>
-              <a:t> </a:t>
-            </a:r>
-            <a:r>
-              <a:rPr lang="ko-KR" altLang="en-US" sz="2400" dirty="0" smtClean="0">
-                <a:solidFill>
-                  <a:schemeClr val="bg1">
-                    <a:lumMod val="50000"/>
-                  </a:schemeClr>
-                </a:solidFill>
-              </a:rPr>
-              <a:t>게임공학과 </a:t>
+              <a:t> 게임공학과 </a:t>
             </a:r>
             <a:r>
               <a:rPr lang="en-US" altLang="ko-KR" sz="2400" dirty="0" smtClean="0">
@@ -6249,14 +6229,14 @@
           <a:p>
             <a:pPr algn="ctr"/>
             <a:r>
-              <a:rPr kumimoji="1" lang="ko-KR" altLang="en-US" sz="5400" b="1" dirty="0" smtClean="0">
+              <a:rPr kumimoji="1" lang="ko-KR" altLang="en-US" sz="5400" b="1" dirty="0">
                 <a:solidFill>
                   <a:schemeClr val="bg1"/>
                 </a:solidFill>
               </a:rPr>
               <a:t>개발목표</a:t>
             </a:r>
-            <a:endParaRPr kumimoji="1" lang="en-US" altLang="ko-KR" sz="5400" b="1" dirty="0" smtClean="0">
+            <a:endParaRPr kumimoji="1" lang="en-US" altLang="ko-KR" sz="5400" b="1" dirty="0">
               <a:solidFill>
                 <a:schemeClr val="bg1"/>
               </a:solidFill>
@@ -6265,7 +6245,7 @@
           <a:p>
             <a:pPr algn="ctr"/>
             <a:r>
-              <a:rPr kumimoji="1" lang="ko-KR" altLang="en-US" sz="5400" b="1" dirty="0" smtClean="0">
+              <a:rPr kumimoji="1" lang="ko-KR" altLang="en-US" sz="5400" b="1" dirty="0">
                 <a:solidFill>
                   <a:schemeClr val="bg1"/>
                 </a:solidFill>
@@ -6303,22 +6283,38 @@
           <a:p>
             <a:pPr algn="ctr"/>
             <a:r>
+              <a:rPr kumimoji="1" lang="en-US" altLang="ko-KR" sz="3600" b="1" dirty="0">
+                <a:solidFill>
+                  <a:schemeClr val="bg1"/>
+                </a:solidFill>
+              </a:rPr>
+              <a:t>Boost </a:t>
+            </a:r>
+            <a:r>
+              <a:rPr kumimoji="1" lang="en-US" altLang="ko-KR" sz="3600" b="1" dirty="0" err="1">
+                <a:solidFill>
+                  <a:schemeClr val="bg1"/>
+                </a:solidFill>
+              </a:rPr>
+              <a:t>Asio</a:t>
+            </a:r>
+            <a:r>
+              <a:rPr kumimoji="1" lang="en-US" altLang="ko-KR" sz="3600" b="1" dirty="0">
+                <a:solidFill>
+                  <a:schemeClr val="bg1"/>
+                </a:solidFill>
+              </a:rPr>
+              <a:t> </a:t>
+            </a:r>
+            <a:r>
               <a:rPr kumimoji="1" lang="ko-KR" altLang="en-US" sz="3600" b="1" dirty="0">
                 <a:solidFill>
                   <a:schemeClr val="bg1"/>
                 </a:solidFill>
               </a:rPr>
-              <a:t>게임 </a:t>
-            </a:r>
-            <a:r>
-              <a:rPr kumimoji="1" lang="ko-KR" altLang="en-US" sz="3600" b="1" dirty="0" smtClean="0">
-                <a:solidFill>
-                  <a:schemeClr val="bg1"/>
-                </a:solidFill>
-              </a:rPr>
-              <a:t>오브젝트의 스키닝 애니메이션</a:t>
-            </a:r>
-            <a:endParaRPr kumimoji="1" lang="en-US" altLang="ko-KR" sz="3600" b="1" dirty="0" smtClean="0">
+              <a:t>라이브러리를 활용한 서버</a:t>
+            </a:r>
+            <a:endParaRPr kumimoji="1" lang="en-US" altLang="ko-KR" sz="3600" b="1" dirty="0">
               <a:solidFill>
                 <a:schemeClr val="bg1"/>
               </a:solidFill>
@@ -6334,7 +6330,7 @@
                   </a:schemeClr>
                 </a:solidFill>
               </a:rPr>
-              <a:t>Mesh</a:t>
+              <a:t>Boost </a:t>
             </a:r>
             <a:r>
               <a:rPr kumimoji="1" lang="ko-KR" altLang="en-US" sz="3200" b="1" dirty="0">
@@ -6344,38 +6340,48 @@
                   </a:schemeClr>
                 </a:solidFill>
               </a:rPr>
-              <a:t>와 </a:t>
-            </a:r>
-            <a:r>
-              <a:rPr kumimoji="1" lang="en-US" altLang="ko-KR" sz="3200" b="1" dirty="0">
+              <a:t>의 </a:t>
+            </a:r>
+            <a:r>
+              <a:rPr kumimoji="1" lang="en-US" altLang="ko-KR" sz="3200" b="1" dirty="0" err="1">
                 <a:solidFill>
                   <a:schemeClr val="bg1">
                     <a:lumMod val="50000"/>
                   </a:schemeClr>
                 </a:solidFill>
               </a:rPr>
-              <a:t>bone</a:t>
-            </a:r>
-            <a:r>
-              <a:rPr kumimoji="1" lang="ko-KR" altLang="en-US" sz="3200" b="1" dirty="0">
+              <a:t>Asio</a:t>
+            </a:r>
+            <a:r>
+              <a:rPr kumimoji="1" lang="en-US" altLang="ko-KR" sz="3200" b="1" dirty="0">
                 <a:solidFill>
                   <a:schemeClr val="bg1">
                     <a:lumMod val="50000"/>
                   </a:schemeClr>
                 </a:solidFill>
               </a:rPr>
-              <a:t>으로 이루어진 </a:t>
-            </a:r>
-            <a:r>
-              <a:rPr kumimoji="1" lang="en-US" altLang="ko-KR" sz="3200" b="1" dirty="0">
+              <a:t> </a:t>
+            </a:r>
+            <a:r>
+              <a:rPr kumimoji="1" lang="ko-KR" altLang="en-US" sz="3200" b="1" dirty="0">
                 <a:solidFill>
                   <a:schemeClr val="bg1">
                     <a:lumMod val="50000"/>
                   </a:schemeClr>
                 </a:solidFill>
               </a:rPr>
-              <a:t>FBX </a:t>
-            </a:r>
+              <a:t>외부 라이브러리를 활용하여</a:t>
+            </a:r>
+            <a:endParaRPr kumimoji="1" lang="en-US" altLang="ko-KR" sz="3200" b="1" dirty="0">
+              <a:solidFill>
+                <a:schemeClr val="bg1">
+                  <a:lumMod val="50000"/>
+                </a:schemeClr>
+              </a:solidFill>
+            </a:endParaRPr>
+          </a:p>
+          <a:p>
+            <a:pPr algn="ctr"/>
             <a:r>
               <a:rPr kumimoji="1" lang="ko-KR" altLang="en-US" sz="3200" b="1" dirty="0">
                 <a:solidFill>
@@ -6384,20 +6390,17 @@
                   </a:schemeClr>
                 </a:solidFill>
               </a:rPr>
-              <a:t>파일을 활용하여</a:t>
-            </a:r>
-          </a:p>
-          <a:p>
-            <a:pPr algn="ctr"/>
-            <a:r>
-              <a:rPr kumimoji="1" lang="ko-KR" altLang="en-US" sz="3200" b="1" dirty="0" smtClean="0">
+              <a:t>최신 개발 트렌드에 맞춰</a:t>
+            </a:r>
+            <a:r>
+              <a:rPr kumimoji="1" lang="en-US" altLang="ko-KR" sz="3200" b="1" dirty="0">
                 <a:solidFill>
                   <a:schemeClr val="bg1">
                     <a:lumMod val="50000"/>
                   </a:schemeClr>
                 </a:solidFill>
               </a:rPr>
-              <a:t>움직일 </a:t>
+              <a:t>,</a:t>
             </a:r>
             <a:r>
               <a:rPr kumimoji="1" lang="ko-KR" altLang="en-US" sz="3200" b="1" dirty="0">
@@ -6407,8 +6410,35 @@
                   </a:schemeClr>
                 </a:solidFill>
               </a:rPr>
-              <a:t>때의 시간에 따른 보간을 하여 애니메이션 출력</a:t>
-            </a:r>
+              <a:t> </a:t>
+            </a:r>
+            <a:r>
+              <a:rPr kumimoji="1" lang="en-US" altLang="ko-KR" sz="3200" b="1" dirty="0">
+                <a:solidFill>
+                  <a:schemeClr val="bg1">
+                    <a:lumMod val="50000"/>
+                  </a:schemeClr>
+                </a:solidFill>
+              </a:rPr>
+              <a:t>OS </a:t>
+            </a:r>
+            <a:r>
+              <a:rPr kumimoji="1" lang="ko-KR" altLang="en-US" sz="3200" b="1" dirty="0">
+                <a:solidFill>
+                  <a:schemeClr val="bg1">
+                    <a:lumMod val="50000"/>
+                  </a:schemeClr>
+                </a:solidFill>
+              </a:rPr>
+              <a:t>와 상관없이 작동하는 서버</a:t>
+            </a:r>
+            <a:endParaRPr kumimoji="1" lang="en-US" altLang="ko-KR" sz="3200" b="1" dirty="0">
+              <a:solidFill>
+                <a:schemeClr val="bg1">
+                  <a:lumMod val="50000"/>
+                </a:schemeClr>
+              </a:solidFill>
+            </a:endParaRPr>
           </a:p>
         </p:txBody>
       </p:sp>
@@ -6436,7 +6466,7 @@
           <a:p>
             <a:pPr algn="ctr"/>
             <a:r>
-              <a:rPr kumimoji="1" lang="ko-KR" altLang="en-US" sz="4800" b="1" dirty="0" smtClean="0">
+              <a:rPr kumimoji="1" lang="ko-KR" altLang="en-US" sz="4800" b="1" dirty="0">
                 <a:solidFill>
                   <a:srgbClr val="EEBAF5"/>
                 </a:solidFill>
@@ -6452,7 +6482,7 @@
           <a:p>
             <a:pPr algn="ctr"/>
             <a:r>
-              <a:rPr kumimoji="1" lang="ko-KR" altLang="en-US" sz="7200" b="1" dirty="0" smtClean="0">
+              <a:rPr kumimoji="1" lang="ko-KR" altLang="en-US" sz="7200" b="1" dirty="0">
                 <a:solidFill>
                   <a:schemeClr val="bg1"/>
                 </a:solidFill>
@@ -6491,25 +6521,20 @@
           <a:p>
             <a:pPr algn="ctr"/>
             <a:r>
-              <a:rPr kumimoji="1" lang="en-US" altLang="ko-KR" sz="16600" b="1" dirty="0" smtClean="0">
+              <a:rPr kumimoji="1" lang="en-US" altLang="ko-KR" sz="16600" b="1" dirty="0">
                 <a:solidFill>
                   <a:schemeClr val="bg1"/>
                 </a:solidFill>
               </a:rPr>
               <a:t>1</a:t>
             </a:r>
-            <a:endParaRPr kumimoji="1" lang="en-US" altLang="ko-KR" sz="16600" b="1" dirty="0">
-              <a:solidFill>
-                <a:schemeClr val="bg1"/>
-              </a:solidFill>
-            </a:endParaRPr>
           </a:p>
         </p:txBody>
       </p:sp>
     </p:spTree>
     <p:extLst>
       <p:ext uri="{BB962C8B-B14F-4D97-AF65-F5344CB8AC3E}">
-        <p14:creationId xmlns:p14="http://schemas.microsoft.com/office/powerpoint/2010/main" val="832840579"/>
+        <p14:creationId xmlns:p14="http://schemas.microsoft.com/office/powerpoint/2010/main" val="587038784"/>
       </p:ext>
     </p:extLst>
   </p:cSld>
@@ -6613,14 +6638,14 @@
           <a:p>
             <a:pPr algn="ctr"/>
             <a:r>
-              <a:rPr kumimoji="1" lang="ko-KR" altLang="en-US" sz="5400" b="1" dirty="0" smtClean="0">
+              <a:rPr kumimoji="1" lang="ko-KR" altLang="en-US" sz="5400" b="1" dirty="0">
                 <a:solidFill>
                   <a:schemeClr val="bg1"/>
                 </a:solidFill>
               </a:rPr>
               <a:t>개발목표</a:t>
             </a:r>
-            <a:endParaRPr kumimoji="1" lang="en-US" altLang="ko-KR" sz="5400" b="1" dirty="0" smtClean="0">
+            <a:endParaRPr kumimoji="1" lang="en-US" altLang="ko-KR" sz="5400" b="1" dirty="0">
               <a:solidFill>
                 <a:schemeClr val="bg1"/>
               </a:solidFill>
@@ -6629,7 +6654,7 @@
           <a:p>
             <a:pPr algn="ctr"/>
             <a:r>
-              <a:rPr kumimoji="1" lang="ko-KR" altLang="en-US" sz="5400" b="1" dirty="0" smtClean="0">
+              <a:rPr kumimoji="1" lang="ko-KR" altLang="en-US" sz="5400" b="1" dirty="0">
                 <a:solidFill>
                   <a:schemeClr val="bg1"/>
                 </a:solidFill>
@@ -6672,17 +6697,25 @@
                   <a:schemeClr val="bg1"/>
                 </a:solidFill>
               </a:rPr>
-              <a:t>게임 </a:t>
-            </a:r>
-            <a:r>
-              <a:rPr kumimoji="1" lang="ko-KR" altLang="en-US" sz="3600" b="1" dirty="0" smtClean="0">
-                <a:solidFill>
-                  <a:schemeClr val="bg1"/>
-                </a:solidFill>
-              </a:rPr>
-              <a:t>오브젝트의 스키닝 애니메이션</a:t>
-            </a:r>
-            <a:endParaRPr kumimoji="1" lang="en-US" altLang="ko-KR" sz="3600" b="1" dirty="0" smtClean="0">
+              <a:t>협업을 손 쉽게 하기 위한 </a:t>
+            </a:r>
+            <a:r>
+              <a:rPr kumimoji="1" lang="en-US" altLang="ko-KR" sz="3600" b="1" dirty="0">
+                <a:solidFill>
+                  <a:schemeClr val="bg1"/>
+                </a:solidFill>
+              </a:rPr>
+              <a:t>C++ Class </a:t>
+            </a:r>
+            <a:r>
+              <a:rPr kumimoji="1" lang="ko-KR" altLang="en-US" sz="3600" b="1" dirty="0" err="1">
+                <a:solidFill>
+                  <a:schemeClr val="bg1"/>
+                </a:solidFill>
+              </a:rPr>
+              <a:t>리팩토링</a:t>
+            </a:r>
+            <a:endParaRPr kumimoji="1" lang="en-US" altLang="ko-KR" sz="3600" b="1" dirty="0">
               <a:solidFill>
                 <a:schemeClr val="bg1"/>
               </a:solidFill>
@@ -6691,35 +6724,45 @@
           <a:p>
             <a:pPr algn="ctr"/>
             <a:r>
-              <a:rPr kumimoji="1" lang="en-US" altLang="ko-KR" sz="3200" b="1" dirty="0">
+              <a:rPr kumimoji="1" lang="ko-KR" altLang="en-US" sz="3200" b="1" dirty="0">
                 <a:solidFill>
                   <a:schemeClr val="bg1">
                     <a:lumMod val="50000"/>
                   </a:schemeClr>
                 </a:solidFill>
               </a:rPr>
-              <a:t>Mesh</a:t>
-            </a:r>
-            <a:r>
-              <a:rPr kumimoji="1" lang="ko-KR" altLang="en-US" sz="3200" b="1" dirty="0">
+              <a:t>기존 </a:t>
+            </a:r>
+            <a:r>
+              <a:rPr kumimoji="1" lang="en-US" altLang="ko-KR" sz="3200" b="1" dirty="0">
                 <a:solidFill>
                   <a:schemeClr val="bg1">
                     <a:lumMod val="50000"/>
                   </a:schemeClr>
                 </a:solidFill>
               </a:rPr>
-              <a:t>와 </a:t>
-            </a:r>
-            <a:r>
-              <a:rPr kumimoji="1" lang="en-US" altLang="ko-KR" sz="3200" b="1" dirty="0">
+              <a:t>C style </a:t>
+            </a:r>
+            <a:r>
+              <a:rPr kumimoji="1" lang="ko-KR" altLang="en-US" sz="3200" b="1" dirty="0">
                 <a:solidFill>
                   <a:schemeClr val="bg1">
                     <a:lumMod val="50000"/>
                   </a:schemeClr>
                 </a:solidFill>
               </a:rPr>
-              <a:t>bone</a:t>
-            </a:r>
+              <a:t>로 작성하던 코드 습관을 팀 협업과</a:t>
+            </a:r>
+            <a:endParaRPr kumimoji="1" lang="en-US" altLang="ko-KR" sz="3200" b="1" dirty="0">
+              <a:solidFill>
+                <a:schemeClr val="bg1">
+                  <a:lumMod val="50000"/>
+                </a:schemeClr>
+              </a:solidFill>
+            </a:endParaRPr>
+          </a:p>
+          <a:p>
+            <a:pPr algn="ctr"/>
             <a:r>
               <a:rPr kumimoji="1" lang="ko-KR" altLang="en-US" sz="3200" b="1" dirty="0">
                 <a:solidFill>
@@ -6728,7 +6771,7 @@
                   </a:schemeClr>
                 </a:solidFill>
               </a:rPr>
-              <a:t>으로 이루어진 </a:t>
+              <a:t>능률 증진을 위하여</a:t>
             </a:r>
             <a:r>
               <a:rPr kumimoji="1" lang="en-US" altLang="ko-KR" sz="3200" b="1" dirty="0">
@@ -6738,7 +6781,7 @@
                   </a:schemeClr>
                 </a:solidFill>
               </a:rPr>
-              <a:t>FBX </a:t>
+              <a:t>, </a:t>
             </a:r>
             <a:r>
               <a:rPr kumimoji="1" lang="ko-KR" altLang="en-US" sz="3200" b="1" dirty="0">
@@ -6748,31 +6791,25 @@
                   </a:schemeClr>
                 </a:solidFill>
               </a:rPr>
-              <a:t>파일을 활용하여</a:t>
-            </a:r>
-          </a:p>
-          <a:p>
-            <a:pPr algn="ctr"/>
-            <a:r>
-              <a:rPr kumimoji="1" lang="ko-KR" altLang="en-US" sz="3200" b="1" dirty="0" smtClean="0">
+              <a:t>배운 지식을 활용한 코드 </a:t>
+            </a:r>
+            <a:r>
+              <a:rPr kumimoji="1" lang="ko-KR" altLang="en-US" sz="3200" b="1" dirty="0" err="1">
                 <a:solidFill>
                   <a:schemeClr val="bg1">
                     <a:lumMod val="50000"/>
                   </a:schemeClr>
                 </a:solidFill>
               </a:rPr>
-              <a:t>움직일 </a:t>
-            </a:r>
-            <a:r>
-              <a:rPr kumimoji="1" lang="ko-KR" altLang="en-US" sz="3200" b="1" dirty="0">
-                <a:solidFill>
-                  <a:schemeClr val="bg1">
-                    <a:lumMod val="50000"/>
-                  </a:schemeClr>
-                </a:solidFill>
-              </a:rPr>
-              <a:t>때의 시간에 따른 보간을 하여 애니메이션 출력</a:t>
-            </a:r>
+              <a:t>리팩토링</a:t>
+            </a:r>
+            <a:endParaRPr kumimoji="1" lang="ko-KR" altLang="en-US" sz="3200" b="1" dirty="0">
+              <a:solidFill>
+                <a:schemeClr val="bg1">
+                  <a:lumMod val="50000"/>
+                </a:schemeClr>
+              </a:solidFill>
+            </a:endParaRPr>
           </a:p>
         </p:txBody>
       </p:sp>
@@ -6855,25 +6892,20 @@
           <a:p>
             <a:pPr algn="ctr"/>
             <a:r>
-              <a:rPr kumimoji="1" lang="en-US" altLang="ko-KR" sz="16600" b="1" dirty="0" smtClean="0">
+              <a:rPr kumimoji="1" lang="en-US" altLang="ko-KR" sz="16600" b="1" dirty="0">
                 <a:solidFill>
                   <a:schemeClr val="bg1"/>
                 </a:solidFill>
               </a:rPr>
               <a:t>2</a:t>
             </a:r>
-            <a:endParaRPr kumimoji="1" lang="en-US" altLang="ko-KR" sz="16600" b="1" dirty="0">
-              <a:solidFill>
-                <a:schemeClr val="bg1"/>
-              </a:solidFill>
-            </a:endParaRPr>
           </a:p>
         </p:txBody>
       </p:sp>
     </p:spTree>
     <p:extLst>
       <p:ext uri="{BB962C8B-B14F-4D97-AF65-F5344CB8AC3E}">
-        <p14:creationId xmlns:p14="http://schemas.microsoft.com/office/powerpoint/2010/main" val="2039214100"/>
+        <p14:creationId xmlns:p14="http://schemas.microsoft.com/office/powerpoint/2010/main" val="820968370"/>
       </p:ext>
     </p:extLst>
   </p:cSld>
@@ -6977,14 +7009,14 @@
           <a:p>
             <a:pPr algn="ctr"/>
             <a:r>
-              <a:rPr kumimoji="1" lang="ko-KR" altLang="en-US" sz="5400" b="1" dirty="0" smtClean="0">
+              <a:rPr kumimoji="1" lang="ko-KR" altLang="en-US" sz="5400" b="1" dirty="0">
                 <a:solidFill>
                   <a:schemeClr val="bg1"/>
                 </a:solidFill>
               </a:rPr>
               <a:t>개발목표</a:t>
             </a:r>
-            <a:endParaRPr kumimoji="1" lang="en-US" altLang="ko-KR" sz="5400" b="1" dirty="0" smtClean="0">
+            <a:endParaRPr kumimoji="1" lang="en-US" altLang="ko-KR" sz="5400" b="1" dirty="0">
               <a:solidFill>
                 <a:schemeClr val="bg1"/>
               </a:solidFill>
@@ -6993,7 +7025,7 @@
           <a:p>
             <a:pPr algn="ctr"/>
             <a:r>
-              <a:rPr kumimoji="1" lang="ko-KR" altLang="en-US" sz="5400" b="1" dirty="0" smtClean="0">
+              <a:rPr kumimoji="1" lang="ko-KR" altLang="en-US" sz="5400" b="1" dirty="0">
                 <a:solidFill>
                   <a:schemeClr val="bg1"/>
                 </a:solidFill>
@@ -7031,22 +7063,38 @@
           <a:p>
             <a:pPr algn="ctr"/>
             <a:r>
+              <a:rPr kumimoji="1" lang="en-US" altLang="ko-KR" sz="3600" b="1" dirty="0">
+                <a:solidFill>
+                  <a:schemeClr val="bg1"/>
+                </a:solidFill>
+              </a:rPr>
+              <a:t>DB</a:t>
+            </a:r>
+            <a:r>
               <a:rPr kumimoji="1" lang="ko-KR" altLang="en-US" sz="3600" b="1" dirty="0">
                 <a:solidFill>
                   <a:schemeClr val="bg1"/>
                 </a:solidFill>
               </a:rPr>
-              <a:t>게임 </a:t>
-            </a:r>
-            <a:r>
-              <a:rPr kumimoji="1" lang="ko-KR" altLang="en-US" sz="3600" b="1" dirty="0" smtClean="0">
-                <a:solidFill>
-                  <a:schemeClr val="bg1"/>
-                </a:solidFill>
-              </a:rPr>
-              <a:t>오브젝트의 스키닝 애니메이션</a:t>
-            </a:r>
-            <a:endParaRPr kumimoji="1" lang="en-US" altLang="ko-KR" sz="3600" b="1" dirty="0" smtClean="0">
+              <a:t>와 </a:t>
+            </a:r>
+            <a:r>
+              <a:rPr kumimoji="1" lang="en-US" altLang="ko-KR" sz="3600" b="1" dirty="0">
+                <a:solidFill>
+                  <a:schemeClr val="bg1"/>
+                </a:solidFill>
+              </a:rPr>
+              <a:t>Script </a:t>
+            </a:r>
+            <a:r>
+              <a:rPr kumimoji="1" lang="ko-KR" altLang="en-US" sz="3600" b="1" dirty="0">
+                <a:solidFill>
+                  <a:schemeClr val="bg1"/>
+                </a:solidFill>
+              </a:rPr>
+              <a:t>를 활용한 추가 기능 제공</a:t>
+            </a:r>
+            <a:endParaRPr kumimoji="1" lang="en-US" altLang="ko-KR" sz="3600" b="1" dirty="0">
               <a:solidFill>
                 <a:schemeClr val="bg1"/>
               </a:solidFill>
@@ -7062,7 +7110,7 @@
                   </a:schemeClr>
                 </a:solidFill>
               </a:rPr>
-              <a:t>Mesh</a:t>
+              <a:t>DB</a:t>
             </a:r>
             <a:r>
               <a:rPr kumimoji="1" lang="ko-KR" altLang="en-US" sz="3200" b="1" dirty="0">
@@ -7072,7 +7120,7 @@
                   </a:schemeClr>
                 </a:solidFill>
               </a:rPr>
-              <a:t>와 </a:t>
+              <a:t>를 통하여</a:t>
             </a:r>
             <a:r>
               <a:rPr kumimoji="1" lang="en-US" altLang="ko-KR" sz="3200" b="1" dirty="0">
@@ -7082,7 +7130,7 @@
                   </a:schemeClr>
                 </a:solidFill>
               </a:rPr>
-              <a:t>bone</a:t>
+              <a:t>, </a:t>
             </a:r>
             <a:r>
               <a:rPr kumimoji="1" lang="ko-KR" altLang="en-US" sz="3200" b="1" dirty="0">
@@ -7092,8 +7140,18 @@
                   </a:schemeClr>
                 </a:solidFill>
               </a:rPr>
-              <a:t>으로 이루어진 </a:t>
-            </a:r>
+              <a:t>플레이어의 퀘스트 진행 및 아이템 관리</a:t>
+            </a:r>
+            <a:endParaRPr kumimoji="1" lang="en-US" altLang="ko-KR" sz="3200" b="1" dirty="0">
+              <a:solidFill>
+                <a:schemeClr val="bg1">
+                  <a:lumMod val="50000"/>
+                </a:schemeClr>
+              </a:solidFill>
+            </a:endParaRPr>
+          </a:p>
+          <a:p>
+            <a:pPr algn="ctr"/>
             <a:r>
               <a:rPr kumimoji="1" lang="en-US" altLang="ko-KR" sz="3200" b="1" dirty="0">
                 <a:solidFill>
@@ -7102,7 +7160,7 @@
                   </a:schemeClr>
                 </a:solidFill>
               </a:rPr>
-              <a:t>FBX </a:t>
+              <a:t>Script</a:t>
             </a:r>
             <a:r>
               <a:rPr kumimoji="1" lang="ko-KR" altLang="en-US" sz="3200" b="1" dirty="0">
@@ -7112,30 +7170,7 @@
                   </a:schemeClr>
                 </a:solidFill>
               </a:rPr>
-              <a:t>파일을 활용하여</a:t>
-            </a:r>
-          </a:p>
-          <a:p>
-            <a:pPr algn="ctr"/>
-            <a:r>
-              <a:rPr kumimoji="1" lang="ko-KR" altLang="en-US" sz="3200" b="1" dirty="0" smtClean="0">
-                <a:solidFill>
-                  <a:schemeClr val="bg1">
-                    <a:lumMod val="50000"/>
-                  </a:schemeClr>
-                </a:solidFill>
-              </a:rPr>
-              <a:t>움직일 </a:t>
-            </a:r>
-            <a:r>
-              <a:rPr kumimoji="1" lang="ko-KR" altLang="en-US" sz="3200" b="1" dirty="0">
-                <a:solidFill>
-                  <a:schemeClr val="bg1">
-                    <a:lumMod val="50000"/>
-                  </a:schemeClr>
-                </a:solidFill>
-              </a:rPr>
-              <a:t>때의 시간에 따른 보간을 하여 애니메이션 출력</a:t>
+              <a:t>를 이용한 기획과 개발의 편의성 제공</a:t>
             </a:r>
           </a:p>
         </p:txBody>
@@ -7219,25 +7254,20 @@
           <a:p>
             <a:pPr algn="ctr"/>
             <a:r>
-              <a:rPr kumimoji="1" lang="en-US" altLang="ko-KR" sz="16600" b="1" dirty="0" smtClean="0">
+              <a:rPr kumimoji="1" lang="en-US" altLang="ko-KR" sz="16600" b="1" dirty="0">
                 <a:solidFill>
                   <a:schemeClr val="bg1"/>
                 </a:solidFill>
               </a:rPr>
               <a:t>3</a:t>
             </a:r>
-            <a:endParaRPr kumimoji="1" lang="en-US" altLang="ko-KR" sz="16600" b="1" dirty="0">
-              <a:solidFill>
-                <a:schemeClr val="bg1"/>
-              </a:solidFill>
-            </a:endParaRPr>
           </a:p>
         </p:txBody>
       </p:sp>
     </p:spTree>
     <p:extLst>
       <p:ext uri="{BB962C8B-B14F-4D97-AF65-F5344CB8AC3E}">
-        <p14:creationId xmlns:p14="http://schemas.microsoft.com/office/powerpoint/2010/main" val="1379856227"/>
+        <p14:creationId xmlns:p14="http://schemas.microsoft.com/office/powerpoint/2010/main" val="432962615"/>
       </p:ext>
     </p:extLst>
   </p:cSld>
@@ -7381,7 +7411,7 @@
         <p:spPr>
           <a:xfrm>
             <a:off x="527986" y="4021402"/>
-            <a:ext cx="10993453" cy="2185214"/>
+            <a:ext cx="10993453" cy="1631216"/>
           </a:xfrm>
           <a:prstGeom prst="rect">
             <a:avLst/>
@@ -7395,12 +7425,36 @@
           <a:p>
             <a:pPr algn="ctr"/>
             <a:r>
+              <a:rPr kumimoji="1" lang="ko-KR" altLang="en-US" sz="3600" b="1" dirty="0" smtClean="0">
+                <a:solidFill>
+                  <a:schemeClr val="bg1"/>
+                </a:solidFill>
+              </a:rPr>
+              <a:t>차별화 </a:t>
+            </a:r>
+            <a:r>
+              <a:rPr kumimoji="1" lang="ko-KR" altLang="en-US" sz="3600" b="1" dirty="0" smtClean="0">
+                <a:solidFill>
+                  <a:schemeClr val="bg1"/>
+                </a:solidFill>
+              </a:rPr>
+              <a:t>가능한 </a:t>
+            </a:r>
+            <a:r>
+              <a:rPr kumimoji="1" lang="ko-KR" altLang="en-US" sz="3600" b="1" dirty="0" smtClean="0">
+                <a:solidFill>
+                  <a:schemeClr val="bg1"/>
+                </a:solidFill>
+              </a:rPr>
+              <a:t>액션 </a:t>
+            </a:r>
+            <a:r>
               <a:rPr kumimoji="1" lang="ko-KR" altLang="en-US" sz="3600" b="1" dirty="0">
                 <a:solidFill>
                   <a:schemeClr val="bg1"/>
                 </a:solidFill>
               </a:rPr>
-              <a:t>다른 게임과 차별화 </a:t>
+              <a:t>전투 시스템 </a:t>
             </a:r>
             <a:r>
               <a:rPr kumimoji="1" lang="ko-KR" altLang="en-US" sz="3600" b="1" dirty="0" smtClean="0">
@@ -7408,22 +7462,6 @@
                   <a:schemeClr val="bg1"/>
                 </a:solidFill>
               </a:rPr>
-              <a:t>가능한 새로운 </a:t>
-            </a:r>
-            <a:r>
-              <a:rPr kumimoji="1" lang="ko-KR" altLang="en-US" sz="3600" b="1" dirty="0">
-                <a:solidFill>
-                  <a:schemeClr val="bg1"/>
-                </a:solidFill>
-              </a:rPr>
-              <a:t>액션 전투 시스템 </a:t>
-            </a:r>
-            <a:r>
-              <a:rPr kumimoji="1" lang="ko-KR" altLang="en-US" sz="3600" b="1" dirty="0" smtClean="0">
-                <a:solidFill>
-                  <a:schemeClr val="bg1"/>
-                </a:solidFill>
-              </a:rPr>
               <a:t>기획</a:t>
             </a:r>
             <a:endParaRPr kumimoji="1" lang="en-US" altLang="ko-KR" sz="3600" b="1" dirty="0" smtClean="0">
@@ -7435,88 +7473,52 @@
           <a:p>
             <a:pPr algn="ctr"/>
             <a:r>
-              <a:rPr kumimoji="1" lang="en-US" altLang="ko-KR" sz="3200" b="1" dirty="0">
+              <a:rPr kumimoji="1" lang="ko-KR" altLang="en-US" sz="3200" b="1" dirty="0" smtClean="0">
                 <a:solidFill>
                   <a:schemeClr val="bg1">
                     <a:lumMod val="50000"/>
                   </a:schemeClr>
                 </a:solidFill>
               </a:rPr>
-              <a:t>Mesh</a:t>
-            </a:r>
-            <a:r>
-              <a:rPr kumimoji="1" lang="ko-KR" altLang="en-US" sz="3200" b="1" dirty="0">
+              <a:t>발열 시스템을 메인으로 한 액션성을</a:t>
+            </a:r>
+            <a:endParaRPr kumimoji="1" lang="en-US" altLang="ko-KR" sz="3200" b="1" dirty="0" smtClean="0">
+              <a:solidFill>
+                <a:schemeClr val="bg1">
+                  <a:lumMod val="50000"/>
+                </a:schemeClr>
+              </a:solidFill>
+            </a:endParaRPr>
+          </a:p>
+          <a:p>
+            <a:pPr algn="ctr"/>
+            <a:r>
+              <a:rPr kumimoji="1" lang="ko-KR" altLang="en-US" sz="3200" b="1" dirty="0" smtClean="0">
                 <a:solidFill>
                   <a:schemeClr val="bg1">
                     <a:lumMod val="50000"/>
                   </a:schemeClr>
                 </a:solidFill>
               </a:rPr>
-              <a:t>와 </a:t>
-            </a:r>
-            <a:r>
-              <a:rPr kumimoji="1" lang="en-US" altLang="ko-KR" sz="3200" b="1" dirty="0">
+              <a:t>살려줄 수 있는 </a:t>
+            </a:r>
+            <a:r>
+              <a:rPr kumimoji="1" lang="ko-KR" altLang="en-US" sz="3200" b="1" dirty="0" smtClean="0">
                 <a:solidFill>
                   <a:schemeClr val="bg1">
                     <a:lumMod val="50000"/>
                   </a:schemeClr>
                 </a:solidFill>
               </a:rPr>
-              <a:t>bone</a:t>
-            </a:r>
-            <a:r>
-              <a:rPr kumimoji="1" lang="ko-KR" altLang="en-US" sz="3200" b="1" dirty="0">
-                <a:solidFill>
-                  <a:schemeClr val="bg1">
-                    <a:lumMod val="50000"/>
-                  </a:schemeClr>
-                </a:solidFill>
-              </a:rPr>
-              <a:t>으로 이루어진 </a:t>
-            </a:r>
-            <a:r>
-              <a:rPr kumimoji="1" lang="en-US" altLang="ko-KR" sz="3200" b="1" dirty="0">
-                <a:solidFill>
-                  <a:schemeClr val="bg1">
-                    <a:lumMod val="50000"/>
-                  </a:schemeClr>
-                </a:solidFill>
-              </a:rPr>
-              <a:t>FBX </a:t>
-            </a:r>
-            <a:r>
-              <a:rPr kumimoji="1" lang="ko-KR" altLang="en-US" sz="3200" b="1" dirty="0">
-                <a:solidFill>
-                  <a:schemeClr val="bg1">
-                    <a:lumMod val="50000"/>
-                  </a:schemeClr>
-                </a:solidFill>
-              </a:rPr>
-              <a:t>파일을 활용하여</a:t>
-            </a:r>
-          </a:p>
-          <a:p>
-            <a:pPr algn="ctr"/>
-            <a:r>
-              <a:rPr kumimoji="1" lang="ko-KR" altLang="en-US" sz="3200" b="1" dirty="0" smtClean="0">
-                <a:solidFill>
-                  <a:schemeClr val="bg1">
-                    <a:lumMod val="50000"/>
-                  </a:schemeClr>
-                </a:solidFill>
-              </a:rPr>
-              <a:t>움직일 </a:t>
-            </a:r>
-            <a:r>
-              <a:rPr kumimoji="1" lang="ko-KR" altLang="en-US" sz="3200" b="1" dirty="0">
-                <a:solidFill>
-                  <a:schemeClr val="bg1">
-                    <a:lumMod val="50000"/>
-                  </a:schemeClr>
-                </a:solidFill>
-              </a:rPr>
-              <a:t>때의 시간에 따른 보간을 하여 애니메이션 출력</a:t>
-            </a:r>
+              <a:t>전투시스템 도입</a:t>
+            </a:r>
+            <a:endParaRPr kumimoji="1" lang="ko-KR" altLang="en-US" sz="3200" b="1" dirty="0">
+              <a:solidFill>
+                <a:schemeClr val="bg1">
+                  <a:lumMod val="50000"/>
+                </a:schemeClr>
+              </a:solidFill>
+            </a:endParaRPr>
           </a:p>
         </p:txBody>
       </p:sp>
@@ -7775,36 +7777,12 @@
           <a:p>
             <a:pPr algn="ctr"/>
             <a:r>
-              <a:rPr kumimoji="1" lang="ko-KR" altLang="en-US" sz="3600" b="1" dirty="0">
-                <a:solidFill>
-                  <a:schemeClr val="bg1"/>
-                </a:solidFill>
-              </a:rPr>
-              <a:t>게임의 핵심 재미요소를 </a:t>
-            </a:r>
-            <a:r>
               <a:rPr kumimoji="1" lang="ko-KR" altLang="en-US" sz="3600" b="1" dirty="0" smtClean="0">
                 <a:solidFill>
                   <a:schemeClr val="bg1"/>
                 </a:solidFill>
               </a:rPr>
-              <a:t>바탕으로 게임 </a:t>
-            </a:r>
-            <a:r>
-              <a:rPr kumimoji="1" lang="ko-KR" altLang="en-US" sz="3600" b="1" dirty="0">
-                <a:solidFill>
-                  <a:schemeClr val="bg1"/>
-                </a:solidFill>
-              </a:rPr>
-              <a:t>시스템 </a:t>
-            </a:r>
-            <a:r>
-              <a:rPr kumimoji="1" lang="ko-KR" altLang="en-US" sz="3600" b="1" dirty="0" smtClean="0">
-                <a:solidFill>
-                  <a:schemeClr val="bg1"/>
-                </a:solidFill>
-              </a:rPr>
-              <a:t>기획</a:t>
+              <a:t>게임 주요 데이터의 테이블화</a:t>
             </a:r>
             <a:endParaRPr kumimoji="1" lang="en-US" altLang="ko-KR" sz="3600" b="1" dirty="0" smtClean="0">
               <a:solidFill>
@@ -7815,68 +7793,65 @@
           <a:p>
             <a:pPr algn="ctr"/>
             <a:r>
-              <a:rPr kumimoji="1" lang="en-US" altLang="ko-KR" sz="3200" b="1" dirty="0">
+              <a:rPr kumimoji="1" lang="ko-KR" altLang="en-US" sz="3200" b="1" dirty="0" smtClean="0">
                 <a:solidFill>
                   <a:schemeClr val="bg1">
                     <a:lumMod val="50000"/>
                   </a:schemeClr>
                 </a:solidFill>
               </a:rPr>
-              <a:t>Mesh</a:t>
-            </a:r>
-            <a:r>
-              <a:rPr kumimoji="1" lang="ko-KR" altLang="en-US" sz="3200" b="1" dirty="0">
+              <a:t>설정</a:t>
+            </a:r>
+            <a:r>
+              <a:rPr kumimoji="1" lang="en-US" altLang="ko-KR" sz="3200" b="1" dirty="0" smtClean="0">
                 <a:solidFill>
                   <a:schemeClr val="bg1">
                     <a:lumMod val="50000"/>
                   </a:schemeClr>
                 </a:solidFill>
               </a:rPr>
-              <a:t>와 </a:t>
-            </a:r>
-            <a:r>
-              <a:rPr kumimoji="1" lang="en-US" altLang="ko-KR" sz="3200" b="1" dirty="0">
+              <a:t>,</a:t>
+            </a:r>
+            <a:r>
+              <a:rPr kumimoji="1" lang="ko-KR" altLang="en-US" sz="3200" b="1" dirty="0" smtClean="0">
                 <a:solidFill>
                   <a:schemeClr val="bg1">
                     <a:lumMod val="50000"/>
                   </a:schemeClr>
                 </a:solidFill>
               </a:rPr>
-              <a:t>bone</a:t>
-            </a:r>
-            <a:r>
-              <a:rPr kumimoji="1" lang="ko-KR" altLang="en-US" sz="3200" b="1" dirty="0">
+              <a:t> 스킬</a:t>
+            </a:r>
+            <a:r>
+              <a:rPr kumimoji="1" lang="en-US" altLang="ko-KR" sz="3200" b="1" dirty="0" smtClean="0">
                 <a:solidFill>
                   <a:schemeClr val="bg1">
                     <a:lumMod val="50000"/>
                   </a:schemeClr>
                 </a:solidFill>
               </a:rPr>
-              <a:t>으로 이루어진 </a:t>
-            </a:r>
-            <a:r>
-              <a:rPr kumimoji="1" lang="en-US" altLang="ko-KR" sz="3200" b="1" dirty="0">
+              <a:t>,</a:t>
+            </a:r>
+            <a:r>
+              <a:rPr kumimoji="1" lang="ko-KR" altLang="en-US" sz="3200" b="1" dirty="0" smtClean="0">
                 <a:solidFill>
                   <a:schemeClr val="bg1">
                     <a:lumMod val="50000"/>
                   </a:schemeClr>
                 </a:solidFill>
               </a:rPr>
-              <a:t>FBX </a:t>
-            </a:r>
-            <a:r>
-              <a:rPr kumimoji="1" lang="ko-KR" altLang="en-US" sz="3200" b="1" dirty="0">
+              <a:t> 아이템</a:t>
+            </a:r>
+            <a:r>
+              <a:rPr kumimoji="1" lang="en-US" altLang="ko-KR" sz="3200" b="1" dirty="0" smtClean="0">
                 <a:solidFill>
                   <a:schemeClr val="bg1">
                     <a:lumMod val="50000"/>
                   </a:schemeClr>
                 </a:solidFill>
               </a:rPr>
-              <a:t>파일을 활용하여</a:t>
-            </a:r>
-          </a:p>
-          <a:p>
-            <a:pPr algn="ctr"/>
+              <a:t>,</a:t>
+            </a:r>
             <a:r>
               <a:rPr kumimoji="1" lang="ko-KR" altLang="en-US" sz="3200" b="1" dirty="0" smtClean="0">
                 <a:solidFill>
@@ -7885,18 +7860,35 @@
                   </a:schemeClr>
                 </a:solidFill>
               </a:rPr>
-              <a:t>움직일 </a:t>
-            </a:r>
-            <a:r>
-              <a:rPr kumimoji="1" lang="ko-KR" altLang="en-US" sz="3200" b="1" dirty="0">
+              <a:t> 퀘스트 등의 테이블화를 통해</a:t>
+            </a:r>
+            <a:endParaRPr kumimoji="1" lang="en-US" altLang="ko-KR" sz="3200" b="1" dirty="0" smtClean="0">
+              <a:solidFill>
+                <a:schemeClr val="bg1">
+                  <a:lumMod val="50000"/>
+                </a:schemeClr>
+              </a:solidFill>
+            </a:endParaRPr>
+          </a:p>
+          <a:p>
+            <a:pPr algn="ctr"/>
+            <a:r>
+              <a:rPr kumimoji="1" lang="ko-KR" altLang="en-US" sz="3200" b="1" dirty="0" smtClean="0">
                 <a:solidFill>
                   <a:schemeClr val="bg1">
                     <a:lumMod val="50000"/>
                   </a:schemeClr>
                 </a:solidFill>
               </a:rPr>
-              <a:t>때의 시간에 따른 보간을 하여 애니메이션 출력</a:t>
-            </a:r>
+              <a:t>향후 컨텐츠 추가를 위한 데이터 중심 설계</a:t>
+            </a:r>
+            <a:endParaRPr kumimoji="1" lang="ko-KR" altLang="en-US" sz="3200" b="1" dirty="0">
+              <a:solidFill>
+                <a:schemeClr val="bg1">
+                  <a:lumMod val="50000"/>
+                </a:schemeClr>
+              </a:solidFill>
+            </a:endParaRPr>
           </a:p>
         </p:txBody>
       </p:sp>
@@ -8195,88 +8187,42 @@
           <a:p>
             <a:pPr algn="ctr"/>
             <a:r>
-              <a:rPr kumimoji="1" lang="en-US" altLang="ko-KR" sz="3200" b="1" dirty="0">
+              <a:rPr kumimoji="1" lang="ko-KR" altLang="en-US" sz="3200" b="1" dirty="0" smtClean="0">
                 <a:solidFill>
                   <a:schemeClr val="bg1">
                     <a:lumMod val="50000"/>
                   </a:schemeClr>
                 </a:solidFill>
               </a:rPr>
-              <a:t>Mesh</a:t>
-            </a:r>
-            <a:r>
-              <a:rPr kumimoji="1" lang="ko-KR" altLang="en-US" sz="3200" b="1" dirty="0">
+              <a:t>빠르게 반응하는 애니메이션과</a:t>
+            </a:r>
+            <a:endParaRPr kumimoji="1" lang="en-US" altLang="ko-KR" sz="3200" b="1" dirty="0" smtClean="0">
+              <a:solidFill>
+                <a:schemeClr val="bg1">
+                  <a:lumMod val="50000"/>
+                </a:schemeClr>
+              </a:solidFill>
+            </a:endParaRPr>
+          </a:p>
+          <a:p>
+            <a:pPr algn="ctr"/>
+            <a:r>
+              <a:rPr kumimoji="1" lang="ko-KR" altLang="en-US" sz="3200" b="1" dirty="0" smtClean="0">
                 <a:solidFill>
                   <a:schemeClr val="bg1">
                     <a:lumMod val="50000"/>
                   </a:schemeClr>
                 </a:solidFill>
               </a:rPr>
-              <a:t>와 </a:t>
-            </a:r>
-            <a:r>
-              <a:rPr kumimoji="1" lang="en-US" altLang="ko-KR" sz="3200" b="1" dirty="0">
-                <a:solidFill>
-                  <a:schemeClr val="bg1">
-                    <a:lumMod val="50000"/>
-                  </a:schemeClr>
-                </a:solidFill>
-              </a:rPr>
-              <a:t>bone</a:t>
-            </a:r>
-            <a:r>
-              <a:rPr kumimoji="1" lang="ko-KR" altLang="en-US" sz="3200" b="1" dirty="0">
-                <a:solidFill>
-                  <a:schemeClr val="bg1">
-                    <a:lumMod val="50000"/>
-                  </a:schemeClr>
-                </a:solidFill>
-              </a:rPr>
-              <a:t>으로 이루어진 </a:t>
-            </a:r>
-            <a:r>
-              <a:rPr kumimoji="1" lang="en-US" altLang="ko-KR" sz="3200" b="1" dirty="0">
-                <a:solidFill>
-                  <a:schemeClr val="bg1">
-                    <a:lumMod val="50000"/>
-                  </a:schemeClr>
-                </a:solidFill>
-              </a:rPr>
-              <a:t>FBX </a:t>
-            </a:r>
-            <a:r>
-              <a:rPr kumimoji="1" lang="ko-KR" altLang="en-US" sz="3200" b="1" dirty="0">
-                <a:solidFill>
-                  <a:schemeClr val="bg1">
-                    <a:lumMod val="50000"/>
-                  </a:schemeClr>
-                </a:solidFill>
-              </a:rPr>
-              <a:t>파일을 활용하여</a:t>
-            </a:r>
-          </a:p>
-          <a:p>
-            <a:pPr algn="ctr"/>
-            <a:r>
-              <a:rPr kumimoji="1" lang="ko-KR" altLang="en-US" sz="3200" b="1" dirty="0" smtClean="0">
-                <a:solidFill>
-                  <a:schemeClr val="bg1">
-                    <a:lumMod val="50000"/>
-                  </a:schemeClr>
-                </a:solidFill>
-              </a:rPr>
-              <a:t>움직일 </a:t>
-            </a:r>
-            <a:r>
-              <a:rPr kumimoji="1" lang="ko-KR" altLang="en-US" sz="3200" b="1" dirty="0">
-                <a:solidFill>
-                  <a:schemeClr val="bg1">
-                    <a:lumMod val="50000"/>
-                  </a:schemeClr>
-                </a:solidFill>
-              </a:rPr>
-              <a:t>때의 시간에 따른 보간을 하여 애니메이션 출력</a:t>
-            </a:r>
+              <a:t>이를 살려 줄 수 있는 로우폴리 데이터 제작</a:t>
+            </a:r>
+            <a:endParaRPr kumimoji="1" lang="en-US" altLang="ko-KR" sz="3200" b="1" dirty="0" smtClean="0">
+              <a:solidFill>
+                <a:schemeClr val="bg1">
+                  <a:lumMod val="50000"/>
+                </a:schemeClr>
+              </a:solidFill>
+            </a:endParaRPr>
           </a:p>
         </p:txBody>
       </p:sp>
@@ -9305,7 +9251,7 @@
         </p:nvSpPr>
         <p:spPr>
           <a:xfrm>
-            <a:off x="0" y="33943"/>
+            <a:off x="0" y="64423"/>
             <a:ext cx="12192000" cy="6863140"/>
           </a:xfrm>
           <a:prstGeom prst="rect">
@@ -9341,7 +9287,7 @@
           <a:lstStyle/>
           <a:p>
             <a:pPr algn="ctr"/>
-            <a:endParaRPr kumimoji="1" lang="ko-KR" altLang="en-US"/>
+            <a:endParaRPr kumimoji="1" lang="ko-KR" altLang="en-US" dirty="0"/>
           </a:p>
         </p:txBody>
       </p:sp>
@@ -9423,14 +9369,38 @@
           <a:p>
             <a:pPr algn="ctr"/>
             <a:r>
-              <a:rPr kumimoji="1" lang="en-US" altLang="ko-KR" sz="2400" dirty="0" smtClean="0">
+              <a:rPr kumimoji="1" lang="en-US" altLang="ko-KR" dirty="0" smtClean="0">
                 <a:solidFill>
                   <a:schemeClr val="tx1"/>
                 </a:solidFill>
               </a:rPr>
+              <a:t>16</a:t>
+            </a:r>
+            <a:r>
+              <a:rPr kumimoji="1" lang="ko-KR" altLang="en-US" dirty="0" smtClean="0">
+                <a:solidFill>
+                  <a:schemeClr val="tx1"/>
+                </a:solidFill>
+              </a:rPr>
+              <a:t>년</a:t>
+            </a:r>
+            <a:endParaRPr kumimoji="1" lang="en-US" altLang="ko-KR" dirty="0" smtClean="0">
+              <a:solidFill>
+                <a:schemeClr val="tx1"/>
+              </a:solidFill>
+            </a:endParaRPr>
+          </a:p>
+          <a:p>
+            <a:pPr algn="ctr"/>
+            <a:r>
+              <a:rPr kumimoji="1" lang="en-US" altLang="ko-KR" dirty="0" smtClean="0">
+                <a:solidFill>
+                  <a:schemeClr val="tx1"/>
+                </a:solidFill>
+              </a:rPr>
               <a:t>11</a:t>
             </a:r>
-            <a:endParaRPr kumimoji="1" lang="ko-KR" altLang="en-US" sz="2400" dirty="0">
+            <a:endParaRPr kumimoji="1" lang="ko-KR" altLang="en-US" dirty="0">
               <a:solidFill>
                 <a:schemeClr val="tx1"/>
               </a:solidFill>
@@ -9447,7 +9417,7 @@
         <p:spPr>
           <a:xfrm>
             <a:off x="268941" y="333127"/>
-            <a:ext cx="3031599" cy="707886"/>
+            <a:ext cx="1210588" cy="707886"/>
           </a:xfrm>
           <a:prstGeom prst="rect">
             <a:avLst/>
@@ -9466,15 +9436,7 @@
                   <a:schemeClr val="bg1"/>
                 </a:solidFill>
               </a:rPr>
-              <a:t>클라이언트</a:t>
-            </a:r>
-            <a:r>
-              <a:rPr kumimoji="1" lang="en-US" altLang="ko-KR" sz="4000" dirty="0" smtClean="0">
-                <a:solidFill>
-                  <a:schemeClr val="bg1"/>
-                </a:solidFill>
-              </a:rPr>
-              <a:t>1</a:t>
+              <a:t>기획</a:t>
             </a:r>
             <a:endParaRPr kumimoji="1" lang="ko-KR" altLang="en-US" sz="4000" dirty="0">
               <a:solidFill>
@@ -9585,14 +9547,38 @@
           <a:p>
             <a:pPr algn="ctr"/>
             <a:r>
-              <a:rPr kumimoji="1" lang="en-US" altLang="ko-KR" sz="2400" dirty="0" smtClean="0">
+              <a:rPr kumimoji="1" lang="en-US" altLang="ko-KR" dirty="0" smtClean="0">
                 <a:solidFill>
                   <a:schemeClr val="tx1"/>
                 </a:solidFill>
               </a:rPr>
+              <a:t>17</a:t>
+            </a:r>
+            <a:r>
+              <a:rPr kumimoji="1" lang="ko-KR" altLang="en-US" dirty="0" smtClean="0">
+                <a:solidFill>
+                  <a:schemeClr val="tx1"/>
+                </a:solidFill>
+              </a:rPr>
+              <a:t>년</a:t>
+            </a:r>
+            <a:endParaRPr kumimoji="1" lang="en-US" altLang="ko-KR" dirty="0" smtClean="0">
+              <a:solidFill>
+                <a:schemeClr val="tx1"/>
+              </a:solidFill>
+            </a:endParaRPr>
+          </a:p>
+          <a:p>
+            <a:pPr algn="ctr"/>
+            <a:r>
+              <a:rPr kumimoji="1" lang="en-US" altLang="ko-KR" dirty="0" smtClean="0">
+                <a:solidFill>
+                  <a:schemeClr val="tx1"/>
+                </a:solidFill>
+              </a:rPr>
               <a:t>1</a:t>
             </a:r>
-            <a:endParaRPr kumimoji="1" lang="ko-KR" altLang="en-US" sz="2400" dirty="0">
+            <a:endParaRPr kumimoji="1" lang="ko-KR" altLang="en-US" dirty="0">
               <a:solidFill>
                 <a:schemeClr val="tx1"/>
               </a:solidFill>
@@ -9789,7 +9775,7 @@
             <a:avLst/>
           </a:prstGeom>
           <a:solidFill>
-            <a:schemeClr val="bg1"/>
+            <a:srgbClr val="FFC000"/>
           </a:solidFill>
           <a:ln>
             <a:noFill/>
@@ -9963,7 +9949,7 @@
             <a:avLst/>
           </a:prstGeom>
           <a:solidFill>
-            <a:schemeClr val="bg1"/>
+            <a:srgbClr val="FF0000"/>
           </a:solidFill>
           <a:ln>
             <a:noFill/>
@@ -9993,14 +9979,14 @@
             <a:r>
               <a:rPr kumimoji="1" lang="en-US" altLang="ko-KR" sz="2400" dirty="0" smtClean="0">
                 <a:solidFill>
-                  <a:schemeClr val="tx1"/>
+                  <a:schemeClr val="bg1"/>
                 </a:solidFill>
               </a:rPr>
               <a:t>8</a:t>
             </a:r>
             <a:endParaRPr kumimoji="1" lang="ko-KR" altLang="en-US" sz="2400" dirty="0">
               <a:solidFill>
-                <a:schemeClr val="tx1"/>
+                <a:schemeClr val="bg1"/>
               </a:solidFill>
             </a:endParaRPr>
           </a:p>
@@ -10015,7 +10001,7 @@
         <p:spPr>
           <a:xfrm>
             <a:off x="495394" y="2248377"/>
-            <a:ext cx="1351335" cy="563163"/>
+            <a:ext cx="831383" cy="563163"/>
           </a:xfrm>
           <a:prstGeom prst="roundRect">
             <a:avLst/>
@@ -10051,14 +10037,30 @@
           <a:p>
             <a:pPr algn="ctr"/>
             <a:r>
-              <a:rPr kumimoji="1" lang="ko-KR" altLang="en-US" sz="2400" dirty="0" smtClean="0">
-                <a:solidFill>
-                  <a:schemeClr val="bg1"/>
-                </a:solidFill>
-              </a:rPr>
-              <a:t>텍스쳐</a:t>
-            </a:r>
-            <a:endParaRPr kumimoji="1" lang="ko-KR" altLang="en-US" sz="2400" dirty="0">
+              <a:rPr kumimoji="1" lang="ko-KR" altLang="en-US" dirty="0" smtClean="0">
+                <a:solidFill>
+                  <a:schemeClr val="bg1"/>
+                </a:solidFill>
+              </a:rPr>
+              <a:t>전투</a:t>
+            </a:r>
+            <a:endParaRPr kumimoji="1" lang="en-US" altLang="ko-KR" dirty="0" smtClean="0">
+              <a:solidFill>
+                <a:schemeClr val="bg1"/>
+              </a:solidFill>
+            </a:endParaRPr>
+          </a:p>
+          <a:p>
+            <a:pPr algn="ctr"/>
+            <a:r>
+              <a:rPr kumimoji="1" lang="ko-KR" altLang="en-US" dirty="0" smtClean="0">
+                <a:solidFill>
+                  <a:schemeClr val="bg1"/>
+                </a:solidFill>
+              </a:rPr>
+              <a:t>컨셉</a:t>
+            </a:r>
+            <a:endParaRPr kumimoji="1" lang="ko-KR" altLang="en-US" dirty="0">
               <a:solidFill>
                 <a:schemeClr val="bg1"/>
               </a:solidFill>
@@ -10074,7 +10076,7 @@
         </p:nvSpPr>
         <p:spPr>
           <a:xfrm>
-            <a:off x="1671682" y="2987311"/>
+            <a:off x="517869" y="2987311"/>
             <a:ext cx="1131339" cy="563163"/>
           </a:xfrm>
           <a:prstGeom prst="roundRect">
@@ -10111,31 +10113,12 @@
           <a:p>
             <a:pPr algn="ctr"/>
             <a:r>
-              <a:rPr kumimoji="1" lang="en-US" altLang="ko-KR" sz="2000" dirty="0" smtClean="0">
-                <a:solidFill>
-                  <a:schemeClr val="bg1"/>
-                </a:solidFill>
-              </a:rPr>
-              <a:t>FB</a:t>
-            </a:r>
-            <a:r>
-              <a:rPr kumimoji="1" lang="en-US" altLang="ko-KR" sz="2000" dirty="0">
-                <a:solidFill>
-                  <a:schemeClr val="bg1"/>
-                </a:solidFill>
-              </a:rPr>
-              <a:t>X</a:t>
-            </a:r>
-          </a:p>
-          <a:p>
-            <a:pPr algn="ctr"/>
-            <a:r>
               <a:rPr kumimoji="1" lang="ko-KR" altLang="en-US" sz="2000" dirty="0" smtClean="0">
                 <a:solidFill>
                   <a:schemeClr val="bg1"/>
                 </a:solidFill>
               </a:rPr>
-              <a:t>임포트</a:t>
+              <a:t>스테이터스</a:t>
             </a:r>
             <a:endParaRPr kumimoji="1" lang="ko-KR" altLang="en-US" sz="2000" dirty="0">
               <a:solidFill>
@@ -10153,8 +10136,8 @@
         </p:nvSpPr>
         <p:spPr>
           <a:xfrm>
-            <a:off x="2237351" y="3776205"/>
-            <a:ext cx="1397052" cy="563163"/>
+            <a:off x="1649208" y="3776205"/>
+            <a:ext cx="1022274" cy="563163"/>
           </a:xfrm>
           <a:prstGeom prst="roundRect">
             <a:avLst/>
@@ -10190,12 +10173,12 @@
           <a:p>
             <a:pPr algn="ctr"/>
             <a:r>
-              <a:rPr kumimoji="1" lang="ko-KR" altLang="en-US" dirty="0" smtClean="0">
-                <a:solidFill>
-                  <a:schemeClr val="bg1"/>
-                </a:solidFill>
-              </a:rPr>
-              <a:t>애니메이션</a:t>
+              <a:rPr kumimoji="1" lang="ko-KR" altLang="en-US" smtClean="0">
+                <a:solidFill>
+                  <a:schemeClr val="bg1"/>
+                </a:solidFill>
+              </a:rPr>
+              <a:t>레벨업</a:t>
             </a:r>
             <a:endParaRPr kumimoji="1" lang="ko-KR" altLang="en-US" dirty="0">
               <a:solidFill>
@@ -10213,8 +10196,8 @@
         </p:nvSpPr>
         <p:spPr>
           <a:xfrm>
-            <a:off x="3713595" y="4493961"/>
-            <a:ext cx="1397052" cy="563163"/>
+            <a:off x="1933783" y="4493961"/>
+            <a:ext cx="1096288" cy="563163"/>
           </a:xfrm>
           <a:prstGeom prst="roundRect">
             <a:avLst/>
@@ -10250,12 +10233,1192 @@
           <a:p>
             <a:pPr algn="ctr"/>
             <a:r>
+              <a:rPr kumimoji="1" lang="ko-KR" altLang="en-US" smtClean="0">
+                <a:solidFill>
+                  <a:schemeClr val="bg1"/>
+                </a:solidFill>
+              </a:rPr>
+              <a:t>스킬</a:t>
+            </a:r>
+            <a:endParaRPr kumimoji="1" lang="ko-KR" altLang="en-US" dirty="0">
+              <a:solidFill>
+                <a:schemeClr val="bg1"/>
+              </a:solidFill>
+            </a:endParaRPr>
+          </a:p>
+        </p:txBody>
+      </p:sp>
+      <p:sp>
+        <p:nvSpPr>
+          <p:cNvPr id="28" name="모서리가 둥근 직사각형 27"/>
+          <p:cNvSpPr/>
+          <p:nvPr/>
+        </p:nvSpPr>
+        <p:spPr>
+          <a:xfrm>
+            <a:off x="2188192" y="2248377"/>
+            <a:ext cx="1096288" cy="563163"/>
+          </a:xfrm>
+          <a:prstGeom prst="roundRect">
+            <a:avLst/>
+          </a:prstGeom>
+          <a:solidFill>
+            <a:schemeClr val="bg1">
+              <a:lumMod val="50000"/>
+            </a:schemeClr>
+          </a:solidFill>
+          <a:ln>
+            <a:noFill/>
+          </a:ln>
+        </p:spPr>
+        <p:style>
+          <a:lnRef idx="2">
+            <a:schemeClr val="accent1">
+              <a:shade val="50000"/>
+            </a:schemeClr>
+          </a:lnRef>
+          <a:fillRef idx="1">
+            <a:schemeClr val="accent1"/>
+          </a:fillRef>
+          <a:effectRef idx="0">
+            <a:schemeClr val="accent1"/>
+          </a:effectRef>
+          <a:fontRef idx="minor">
+            <a:schemeClr val="lt1"/>
+          </a:fontRef>
+        </p:style>
+        <p:txBody>
+          <a:bodyPr rtlCol="0" anchor="ctr"/>
+          <a:lstStyle/>
+          <a:p>
+            <a:pPr algn="ctr"/>
+            <a:r>
               <a:rPr kumimoji="1" lang="ko-KR" altLang="en-US" dirty="0" smtClean="0">
                 <a:solidFill>
                   <a:schemeClr val="bg1"/>
                 </a:solidFill>
               </a:rPr>
-              <a:t>이동</a:t>
+              <a:t>발열</a:t>
+            </a:r>
+            <a:endParaRPr kumimoji="1" lang="ko-KR" altLang="en-US" dirty="0">
+              <a:solidFill>
+                <a:schemeClr val="bg1"/>
+              </a:solidFill>
+            </a:endParaRPr>
+          </a:p>
+        </p:txBody>
+      </p:sp>
+      <p:sp>
+        <p:nvSpPr>
+          <p:cNvPr id="29" name="모서리가 둥근 직사각형 28"/>
+          <p:cNvSpPr/>
+          <p:nvPr/>
+        </p:nvSpPr>
+        <p:spPr>
+          <a:xfrm>
+            <a:off x="2611691" y="2987311"/>
+            <a:ext cx="1096288" cy="563163"/>
+          </a:xfrm>
+          <a:prstGeom prst="roundRect">
+            <a:avLst/>
+          </a:prstGeom>
+          <a:solidFill>
+            <a:schemeClr val="bg1">
+              <a:lumMod val="50000"/>
+            </a:schemeClr>
+          </a:solidFill>
+          <a:ln>
+            <a:noFill/>
+          </a:ln>
+        </p:spPr>
+        <p:style>
+          <a:lnRef idx="2">
+            <a:schemeClr val="accent1">
+              <a:shade val="50000"/>
+            </a:schemeClr>
+          </a:lnRef>
+          <a:fillRef idx="1">
+            <a:schemeClr val="accent1"/>
+          </a:fillRef>
+          <a:effectRef idx="0">
+            <a:schemeClr val="accent1"/>
+          </a:effectRef>
+          <a:fontRef idx="minor">
+            <a:schemeClr val="lt1"/>
+          </a:fontRef>
+        </p:style>
+        <p:txBody>
+          <a:bodyPr rtlCol="0" anchor="ctr"/>
+          <a:lstStyle/>
+          <a:p>
+            <a:pPr algn="ctr"/>
+            <a:r>
+              <a:rPr kumimoji="1" lang="ko-KR" altLang="en-US" dirty="0" smtClean="0">
+                <a:solidFill>
+                  <a:schemeClr val="bg1"/>
+                </a:solidFill>
+              </a:rPr>
+              <a:t>궁극기</a:t>
+            </a:r>
+            <a:endParaRPr kumimoji="1" lang="ko-KR" altLang="en-US" dirty="0">
+              <a:solidFill>
+                <a:schemeClr val="bg1"/>
+              </a:solidFill>
+            </a:endParaRPr>
+          </a:p>
+        </p:txBody>
+      </p:sp>
+      <p:sp>
+        <p:nvSpPr>
+          <p:cNvPr id="32" name="모서리가 둥근 직사각형 31"/>
+          <p:cNvSpPr/>
+          <p:nvPr/>
+        </p:nvSpPr>
+        <p:spPr>
+          <a:xfrm>
+            <a:off x="2961745" y="3776205"/>
+            <a:ext cx="1096288" cy="563163"/>
+          </a:xfrm>
+          <a:prstGeom prst="roundRect">
+            <a:avLst/>
+          </a:prstGeom>
+          <a:solidFill>
+            <a:schemeClr val="bg1">
+              <a:lumMod val="50000"/>
+            </a:schemeClr>
+          </a:solidFill>
+          <a:ln>
+            <a:noFill/>
+          </a:ln>
+        </p:spPr>
+        <p:style>
+          <a:lnRef idx="2">
+            <a:schemeClr val="accent1">
+              <a:shade val="50000"/>
+            </a:schemeClr>
+          </a:lnRef>
+          <a:fillRef idx="1">
+            <a:schemeClr val="accent1"/>
+          </a:fillRef>
+          <a:effectRef idx="0">
+            <a:schemeClr val="accent1"/>
+          </a:effectRef>
+          <a:fontRef idx="minor">
+            <a:schemeClr val="lt1"/>
+          </a:fontRef>
+        </p:style>
+        <p:txBody>
+          <a:bodyPr rtlCol="0" anchor="ctr"/>
+          <a:lstStyle/>
+          <a:p>
+            <a:pPr algn="ctr"/>
+            <a:r>
+              <a:rPr kumimoji="1" lang="ko-KR" altLang="en-US" dirty="0" smtClean="0">
+                <a:solidFill>
+                  <a:schemeClr val="bg1"/>
+                </a:solidFill>
+              </a:rPr>
+              <a:t>전투</a:t>
+            </a:r>
+            <a:endParaRPr kumimoji="1" lang="ko-KR" altLang="en-US" dirty="0">
+              <a:solidFill>
+                <a:schemeClr val="bg1"/>
+              </a:solidFill>
+            </a:endParaRPr>
+          </a:p>
+        </p:txBody>
+      </p:sp>
+      <p:sp>
+        <p:nvSpPr>
+          <p:cNvPr id="41" name="모서리가 둥근 직사각형 40"/>
+          <p:cNvSpPr/>
+          <p:nvPr/>
+        </p:nvSpPr>
+        <p:spPr>
+          <a:xfrm>
+            <a:off x="6045190" y="2966131"/>
+            <a:ext cx="1096288" cy="563163"/>
+          </a:xfrm>
+          <a:prstGeom prst="roundRect">
+            <a:avLst/>
+          </a:prstGeom>
+          <a:solidFill>
+            <a:schemeClr val="bg1">
+              <a:lumMod val="50000"/>
+            </a:schemeClr>
+          </a:solidFill>
+          <a:ln>
+            <a:noFill/>
+          </a:ln>
+        </p:spPr>
+        <p:style>
+          <a:lnRef idx="2">
+            <a:schemeClr val="accent1">
+              <a:shade val="50000"/>
+            </a:schemeClr>
+          </a:lnRef>
+          <a:fillRef idx="1">
+            <a:schemeClr val="accent1"/>
+          </a:fillRef>
+          <a:effectRef idx="0">
+            <a:schemeClr val="accent1"/>
+          </a:effectRef>
+          <a:fontRef idx="minor">
+            <a:schemeClr val="lt1"/>
+          </a:fontRef>
+        </p:style>
+        <p:txBody>
+          <a:bodyPr rtlCol="0" anchor="ctr"/>
+          <a:lstStyle/>
+          <a:p>
+            <a:pPr algn="ctr"/>
+            <a:r>
+              <a:rPr kumimoji="1" lang="ko-KR" altLang="en-US" smtClean="0">
+                <a:solidFill>
+                  <a:schemeClr val="bg1"/>
+                </a:solidFill>
+              </a:rPr>
+              <a:t>몬스터</a:t>
+            </a:r>
+            <a:endParaRPr kumimoji="1" lang="ko-KR" altLang="en-US" dirty="0">
+              <a:solidFill>
+                <a:schemeClr val="bg1"/>
+              </a:solidFill>
+            </a:endParaRPr>
+          </a:p>
+        </p:txBody>
+      </p:sp>
+      <p:sp>
+        <p:nvSpPr>
+          <p:cNvPr id="45" name="모서리가 둥근 직사각형 44"/>
+          <p:cNvSpPr/>
+          <p:nvPr/>
+        </p:nvSpPr>
+        <p:spPr>
+          <a:xfrm>
+            <a:off x="4372525" y="2272775"/>
+            <a:ext cx="1096288" cy="563163"/>
+          </a:xfrm>
+          <a:prstGeom prst="roundRect">
+            <a:avLst/>
+          </a:prstGeom>
+          <a:solidFill>
+            <a:schemeClr val="bg1">
+              <a:lumMod val="50000"/>
+            </a:schemeClr>
+          </a:solidFill>
+          <a:ln>
+            <a:noFill/>
+          </a:ln>
+        </p:spPr>
+        <p:style>
+          <a:lnRef idx="2">
+            <a:schemeClr val="accent1">
+              <a:shade val="50000"/>
+            </a:schemeClr>
+          </a:lnRef>
+          <a:fillRef idx="1">
+            <a:schemeClr val="accent1"/>
+          </a:fillRef>
+          <a:effectRef idx="0">
+            <a:schemeClr val="accent1"/>
+          </a:effectRef>
+          <a:fontRef idx="minor">
+            <a:schemeClr val="lt1"/>
+          </a:fontRef>
+        </p:style>
+        <p:txBody>
+          <a:bodyPr rtlCol="0" anchor="ctr"/>
+          <a:lstStyle/>
+          <a:p>
+            <a:pPr algn="ctr"/>
+            <a:r>
+              <a:rPr kumimoji="1" lang="ko-KR" altLang="en-US" dirty="0" smtClean="0">
+                <a:solidFill>
+                  <a:schemeClr val="bg1"/>
+                </a:solidFill>
+              </a:rPr>
+              <a:t>마을</a:t>
+            </a:r>
+            <a:endParaRPr kumimoji="1" lang="en-US" altLang="ko-KR" dirty="0" smtClean="0">
+              <a:solidFill>
+                <a:schemeClr val="bg1"/>
+              </a:solidFill>
+            </a:endParaRPr>
+          </a:p>
+          <a:p>
+            <a:pPr algn="ctr"/>
+            <a:r>
+              <a:rPr kumimoji="1" lang="ko-KR" altLang="en-US" dirty="0" smtClean="0">
+                <a:solidFill>
+                  <a:schemeClr val="bg1"/>
+                </a:solidFill>
+              </a:rPr>
+              <a:t>레벨</a:t>
+            </a:r>
+            <a:endParaRPr kumimoji="1" lang="ko-KR" altLang="en-US" dirty="0">
+              <a:solidFill>
+                <a:schemeClr val="bg1"/>
+              </a:solidFill>
+            </a:endParaRPr>
+          </a:p>
+        </p:txBody>
+      </p:sp>
+      <p:sp>
+        <p:nvSpPr>
+          <p:cNvPr id="46" name="모서리가 둥근 직사각형 45"/>
+          <p:cNvSpPr/>
+          <p:nvPr/>
+        </p:nvSpPr>
+        <p:spPr>
+          <a:xfrm>
+            <a:off x="2770901" y="5372500"/>
+            <a:ext cx="5478754" cy="563163"/>
+          </a:xfrm>
+          <a:prstGeom prst="roundRect">
+            <a:avLst/>
+          </a:prstGeom>
+          <a:solidFill>
+            <a:schemeClr val="bg1">
+              <a:lumMod val="50000"/>
+            </a:schemeClr>
+          </a:solidFill>
+          <a:ln>
+            <a:noFill/>
+          </a:ln>
+        </p:spPr>
+        <p:style>
+          <a:lnRef idx="2">
+            <a:schemeClr val="accent1">
+              <a:shade val="50000"/>
+            </a:schemeClr>
+          </a:lnRef>
+          <a:fillRef idx="1">
+            <a:schemeClr val="accent1"/>
+          </a:fillRef>
+          <a:effectRef idx="0">
+            <a:schemeClr val="accent1"/>
+          </a:effectRef>
+          <a:fontRef idx="minor">
+            <a:schemeClr val="lt1"/>
+          </a:fontRef>
+        </p:style>
+        <p:txBody>
+          <a:bodyPr rtlCol="0" anchor="ctr"/>
+          <a:lstStyle/>
+          <a:p>
+            <a:pPr algn="ctr"/>
+            <a:r>
+              <a:rPr kumimoji="1" lang="ko-KR" altLang="en-US" smtClean="0">
+                <a:solidFill>
+                  <a:schemeClr val="bg1"/>
+                </a:solidFill>
+              </a:rPr>
+              <a:t>세계관</a:t>
+            </a:r>
+            <a:endParaRPr kumimoji="1" lang="ko-KR" altLang="en-US" dirty="0">
+              <a:solidFill>
+                <a:schemeClr val="bg1"/>
+              </a:solidFill>
+            </a:endParaRPr>
+          </a:p>
+        </p:txBody>
+      </p:sp>
+      <p:sp>
+        <p:nvSpPr>
+          <p:cNvPr id="47" name="모서리가 둥근 직사각형 46"/>
+          <p:cNvSpPr/>
+          <p:nvPr/>
+        </p:nvSpPr>
+        <p:spPr>
+          <a:xfrm>
+            <a:off x="4501917" y="4493959"/>
+            <a:ext cx="1096288" cy="563163"/>
+          </a:xfrm>
+          <a:prstGeom prst="roundRect">
+            <a:avLst/>
+          </a:prstGeom>
+          <a:solidFill>
+            <a:srgbClr val="00B0F0"/>
+          </a:solidFill>
+          <a:ln>
+            <a:noFill/>
+          </a:ln>
+        </p:spPr>
+        <p:style>
+          <a:lnRef idx="2">
+            <a:schemeClr val="accent1">
+              <a:shade val="50000"/>
+            </a:schemeClr>
+          </a:lnRef>
+          <a:fillRef idx="1">
+            <a:schemeClr val="accent1"/>
+          </a:fillRef>
+          <a:effectRef idx="0">
+            <a:schemeClr val="accent1"/>
+          </a:effectRef>
+          <a:fontRef idx="minor">
+            <a:schemeClr val="lt1"/>
+          </a:fontRef>
+        </p:style>
+        <p:txBody>
+          <a:bodyPr rtlCol="0" anchor="ctr"/>
+          <a:lstStyle/>
+          <a:p>
+            <a:pPr algn="ctr"/>
+            <a:r>
+              <a:rPr kumimoji="1" lang="ko-KR" altLang="en-US" dirty="0" smtClean="0">
+                <a:solidFill>
+                  <a:schemeClr val="bg1"/>
+                </a:solidFill>
+              </a:rPr>
+              <a:t>캐릭터</a:t>
+            </a:r>
+            <a:endParaRPr kumimoji="1" lang="en-US" altLang="ko-KR" dirty="0" smtClean="0">
+              <a:solidFill>
+                <a:schemeClr val="bg1"/>
+              </a:solidFill>
+            </a:endParaRPr>
+          </a:p>
+          <a:p>
+            <a:pPr algn="ctr"/>
+            <a:r>
+              <a:rPr kumimoji="1" lang="ko-KR" altLang="en-US" dirty="0" smtClean="0">
+                <a:solidFill>
+                  <a:schemeClr val="bg1"/>
+                </a:solidFill>
+              </a:rPr>
+              <a:t>모델링</a:t>
+            </a:r>
+            <a:endParaRPr kumimoji="1" lang="ko-KR" altLang="en-US" dirty="0">
+              <a:solidFill>
+                <a:schemeClr val="bg1"/>
+              </a:solidFill>
+            </a:endParaRPr>
+          </a:p>
+        </p:txBody>
+      </p:sp>
+      <p:sp>
+        <p:nvSpPr>
+          <p:cNvPr id="48" name="모서리가 둥근 직사각형 47"/>
+          <p:cNvSpPr/>
+          <p:nvPr/>
+        </p:nvSpPr>
+        <p:spPr>
+          <a:xfrm>
+            <a:off x="5253739" y="3776204"/>
+            <a:ext cx="1399723" cy="563163"/>
+          </a:xfrm>
+          <a:prstGeom prst="roundRect">
+            <a:avLst/>
+          </a:prstGeom>
+          <a:solidFill>
+            <a:srgbClr val="00B0F0"/>
+          </a:solidFill>
+          <a:ln>
+            <a:noFill/>
+          </a:ln>
+        </p:spPr>
+        <p:style>
+          <a:lnRef idx="2">
+            <a:schemeClr val="accent1">
+              <a:shade val="50000"/>
+            </a:schemeClr>
+          </a:lnRef>
+          <a:fillRef idx="1">
+            <a:schemeClr val="accent1"/>
+          </a:fillRef>
+          <a:effectRef idx="0">
+            <a:schemeClr val="accent1"/>
+          </a:effectRef>
+          <a:fontRef idx="minor">
+            <a:schemeClr val="lt1"/>
+          </a:fontRef>
+        </p:style>
+        <p:txBody>
+          <a:bodyPr rtlCol="0" anchor="ctr"/>
+          <a:lstStyle/>
+          <a:p>
+            <a:pPr algn="ctr"/>
+            <a:r>
+              <a:rPr kumimoji="1" lang="ko-KR" altLang="en-US" dirty="0" smtClean="0">
+                <a:solidFill>
+                  <a:schemeClr val="bg1"/>
+                </a:solidFill>
+              </a:rPr>
+              <a:t>마을</a:t>
+            </a:r>
+            <a:endParaRPr kumimoji="1" lang="en-US" altLang="ko-KR" dirty="0" smtClean="0">
+              <a:solidFill>
+                <a:schemeClr val="bg1"/>
+              </a:solidFill>
+            </a:endParaRPr>
+          </a:p>
+          <a:p>
+            <a:pPr algn="ctr"/>
+            <a:r>
+              <a:rPr kumimoji="1" lang="ko-KR" altLang="en-US" dirty="0" smtClean="0">
+                <a:solidFill>
+                  <a:schemeClr val="bg1"/>
+                </a:solidFill>
+              </a:rPr>
+              <a:t>모델링</a:t>
+            </a:r>
+            <a:endParaRPr kumimoji="1" lang="ko-KR" altLang="en-US" dirty="0">
+              <a:solidFill>
+                <a:schemeClr val="bg1"/>
+              </a:solidFill>
+            </a:endParaRPr>
+          </a:p>
+        </p:txBody>
+      </p:sp>
+      <p:sp>
+        <p:nvSpPr>
+          <p:cNvPr id="49" name="모서리가 둥근 직사각형 48"/>
+          <p:cNvSpPr/>
+          <p:nvPr/>
+        </p:nvSpPr>
+        <p:spPr>
+          <a:xfrm>
+            <a:off x="5716316" y="2291438"/>
+            <a:ext cx="1096288" cy="563163"/>
+          </a:xfrm>
+          <a:prstGeom prst="roundRect">
+            <a:avLst/>
+          </a:prstGeom>
+          <a:solidFill>
+            <a:schemeClr val="bg1">
+              <a:lumMod val="50000"/>
+            </a:schemeClr>
+          </a:solidFill>
+          <a:ln>
+            <a:noFill/>
+          </a:ln>
+        </p:spPr>
+        <p:style>
+          <a:lnRef idx="2">
+            <a:schemeClr val="accent1">
+              <a:shade val="50000"/>
+            </a:schemeClr>
+          </a:lnRef>
+          <a:fillRef idx="1">
+            <a:schemeClr val="accent1"/>
+          </a:fillRef>
+          <a:effectRef idx="0">
+            <a:schemeClr val="accent1"/>
+          </a:effectRef>
+          <a:fontRef idx="minor">
+            <a:schemeClr val="lt1"/>
+          </a:fontRef>
+        </p:style>
+        <p:txBody>
+          <a:bodyPr rtlCol="0" anchor="ctr"/>
+          <a:lstStyle/>
+          <a:p>
+            <a:pPr algn="ctr"/>
+            <a:r>
+              <a:rPr kumimoji="1" lang="ko-KR" altLang="en-US" dirty="0" smtClean="0">
+                <a:solidFill>
+                  <a:schemeClr val="bg1"/>
+                </a:solidFill>
+              </a:rPr>
+              <a:t>퀘스트</a:t>
+            </a:r>
+            <a:endParaRPr kumimoji="1" lang="ko-KR" altLang="en-US" dirty="0">
+              <a:solidFill>
+                <a:schemeClr val="bg1"/>
+              </a:solidFill>
+            </a:endParaRPr>
+          </a:p>
+        </p:txBody>
+      </p:sp>
+      <p:sp>
+        <p:nvSpPr>
+          <p:cNvPr id="50" name="모서리가 둥근 직사각형 49"/>
+          <p:cNvSpPr/>
+          <p:nvPr/>
+        </p:nvSpPr>
+        <p:spPr>
+          <a:xfrm>
+            <a:off x="8168528" y="2277695"/>
+            <a:ext cx="1096288" cy="563163"/>
+          </a:xfrm>
+          <a:prstGeom prst="roundRect">
+            <a:avLst/>
+          </a:prstGeom>
+          <a:solidFill>
+            <a:srgbClr val="00B0F0"/>
+          </a:solidFill>
+          <a:ln>
+            <a:noFill/>
+          </a:ln>
+        </p:spPr>
+        <p:style>
+          <a:lnRef idx="2">
+            <a:schemeClr val="accent1">
+              <a:shade val="50000"/>
+            </a:schemeClr>
+          </a:lnRef>
+          <a:fillRef idx="1">
+            <a:schemeClr val="accent1"/>
+          </a:fillRef>
+          <a:effectRef idx="0">
+            <a:schemeClr val="accent1"/>
+          </a:effectRef>
+          <a:fontRef idx="minor">
+            <a:schemeClr val="lt1"/>
+          </a:fontRef>
+        </p:style>
+        <p:txBody>
+          <a:bodyPr rtlCol="0" anchor="ctr"/>
+          <a:lstStyle/>
+          <a:p>
+            <a:pPr algn="ctr"/>
+            <a:r>
+              <a:rPr kumimoji="1" lang="ko-KR" altLang="en-US" smtClean="0">
+                <a:solidFill>
+                  <a:schemeClr val="bg1"/>
+                </a:solidFill>
+              </a:rPr>
+              <a:t>던전</a:t>
+            </a:r>
+            <a:endParaRPr kumimoji="1" lang="en-US" altLang="ko-KR" dirty="0" smtClean="0">
+              <a:solidFill>
+                <a:schemeClr val="bg1"/>
+              </a:solidFill>
+            </a:endParaRPr>
+          </a:p>
+          <a:p>
+            <a:pPr algn="ctr"/>
+            <a:r>
+              <a:rPr kumimoji="1" lang="ko-KR" altLang="en-US" dirty="0" smtClean="0">
+                <a:solidFill>
+                  <a:schemeClr val="bg1"/>
+                </a:solidFill>
+              </a:rPr>
+              <a:t>모델링</a:t>
+            </a:r>
+            <a:endParaRPr kumimoji="1" lang="ko-KR" altLang="en-US" dirty="0">
+              <a:solidFill>
+                <a:schemeClr val="bg1"/>
+              </a:solidFill>
+            </a:endParaRPr>
+          </a:p>
+        </p:txBody>
+      </p:sp>
+      <p:sp>
+        <p:nvSpPr>
+          <p:cNvPr id="51" name="모서리가 둥근 직사각형 50"/>
+          <p:cNvSpPr/>
+          <p:nvPr/>
+        </p:nvSpPr>
+        <p:spPr>
+          <a:xfrm>
+            <a:off x="6927986" y="2272775"/>
+            <a:ext cx="1096288" cy="563163"/>
+          </a:xfrm>
+          <a:prstGeom prst="roundRect">
+            <a:avLst/>
+          </a:prstGeom>
+          <a:solidFill>
+            <a:schemeClr val="bg1">
+              <a:lumMod val="50000"/>
+            </a:schemeClr>
+          </a:solidFill>
+          <a:ln>
+            <a:noFill/>
+          </a:ln>
+        </p:spPr>
+        <p:style>
+          <a:lnRef idx="2">
+            <a:schemeClr val="accent1">
+              <a:shade val="50000"/>
+            </a:schemeClr>
+          </a:lnRef>
+          <a:fillRef idx="1">
+            <a:schemeClr val="accent1"/>
+          </a:fillRef>
+          <a:effectRef idx="0">
+            <a:schemeClr val="accent1"/>
+          </a:effectRef>
+          <a:fontRef idx="minor">
+            <a:schemeClr val="lt1"/>
+          </a:fontRef>
+        </p:style>
+        <p:txBody>
+          <a:bodyPr rtlCol="0" anchor="ctr"/>
+          <a:lstStyle/>
+          <a:p>
+            <a:pPr algn="ctr"/>
+            <a:r>
+              <a:rPr kumimoji="1" lang="ko-KR" altLang="en-US" dirty="0" smtClean="0">
+                <a:solidFill>
+                  <a:schemeClr val="bg1"/>
+                </a:solidFill>
+              </a:rPr>
+              <a:t>던전</a:t>
+            </a:r>
+            <a:endParaRPr kumimoji="1" lang="en-US" altLang="ko-KR" dirty="0" smtClean="0">
+              <a:solidFill>
+                <a:schemeClr val="bg1"/>
+              </a:solidFill>
+            </a:endParaRPr>
+          </a:p>
+          <a:p>
+            <a:pPr algn="ctr"/>
+            <a:r>
+              <a:rPr kumimoji="1" lang="ko-KR" altLang="en-US" dirty="0" smtClean="0">
+                <a:solidFill>
+                  <a:schemeClr val="bg1"/>
+                </a:solidFill>
+              </a:rPr>
+              <a:t>레벨</a:t>
+            </a:r>
+            <a:endParaRPr kumimoji="1" lang="ko-KR" altLang="en-US" dirty="0">
+              <a:solidFill>
+                <a:schemeClr val="bg1"/>
+              </a:solidFill>
+            </a:endParaRPr>
+          </a:p>
+        </p:txBody>
+      </p:sp>
+      <p:sp>
+        <p:nvSpPr>
+          <p:cNvPr id="52" name="모서리가 둥근 직사각형 51"/>
+          <p:cNvSpPr/>
+          <p:nvPr/>
+        </p:nvSpPr>
+        <p:spPr>
+          <a:xfrm>
+            <a:off x="4466190" y="2966131"/>
+            <a:ext cx="1096288" cy="563163"/>
+          </a:xfrm>
+          <a:prstGeom prst="roundRect">
+            <a:avLst/>
+          </a:prstGeom>
+          <a:solidFill>
+            <a:schemeClr val="bg1">
+              <a:lumMod val="50000"/>
+            </a:schemeClr>
+          </a:solidFill>
+          <a:ln>
+            <a:noFill/>
+          </a:ln>
+        </p:spPr>
+        <p:style>
+          <a:lnRef idx="2">
+            <a:schemeClr val="accent1">
+              <a:shade val="50000"/>
+            </a:schemeClr>
+          </a:lnRef>
+          <a:fillRef idx="1">
+            <a:schemeClr val="accent1"/>
+          </a:fillRef>
+          <a:effectRef idx="0">
+            <a:schemeClr val="accent1"/>
+          </a:effectRef>
+          <a:fontRef idx="minor">
+            <a:schemeClr val="lt1"/>
+          </a:fontRef>
+        </p:style>
+        <p:txBody>
+          <a:bodyPr rtlCol="0" anchor="ctr"/>
+          <a:lstStyle/>
+          <a:p>
+            <a:pPr algn="ctr"/>
+            <a:r>
+              <a:rPr kumimoji="1" lang="ko-KR" altLang="en-US" dirty="0" smtClean="0">
+                <a:solidFill>
+                  <a:schemeClr val="bg1"/>
+                </a:solidFill>
+              </a:rPr>
+              <a:t>아이템</a:t>
+            </a:r>
+            <a:endParaRPr kumimoji="1" lang="ko-KR" altLang="en-US" dirty="0">
+              <a:solidFill>
+                <a:schemeClr val="bg1"/>
+              </a:solidFill>
+            </a:endParaRPr>
+          </a:p>
+        </p:txBody>
+      </p:sp>
+      <p:sp>
+        <p:nvSpPr>
+          <p:cNvPr id="53" name="모서리가 둥근 직사각형 52"/>
+          <p:cNvSpPr/>
+          <p:nvPr/>
+        </p:nvSpPr>
+        <p:spPr>
+          <a:xfrm>
+            <a:off x="6772516" y="3776204"/>
+            <a:ext cx="2646381" cy="563163"/>
+          </a:xfrm>
+          <a:prstGeom prst="roundRect">
+            <a:avLst/>
+          </a:prstGeom>
+          <a:solidFill>
+            <a:srgbClr val="00B0F0"/>
+          </a:solidFill>
+          <a:ln>
+            <a:noFill/>
+          </a:ln>
+        </p:spPr>
+        <p:style>
+          <a:lnRef idx="2">
+            <a:schemeClr val="accent1">
+              <a:shade val="50000"/>
+            </a:schemeClr>
+          </a:lnRef>
+          <a:fillRef idx="1">
+            <a:schemeClr val="accent1"/>
+          </a:fillRef>
+          <a:effectRef idx="0">
+            <a:schemeClr val="accent1"/>
+          </a:effectRef>
+          <a:fontRef idx="minor">
+            <a:schemeClr val="lt1"/>
+          </a:fontRef>
+        </p:style>
+        <p:txBody>
+          <a:bodyPr rtlCol="0" anchor="ctr"/>
+          <a:lstStyle/>
+          <a:p>
+            <a:pPr algn="ctr"/>
+            <a:r>
+              <a:rPr kumimoji="1" lang="ko-KR" altLang="en-US" dirty="0" smtClean="0">
+                <a:solidFill>
+                  <a:schemeClr val="bg1"/>
+                </a:solidFill>
+              </a:rPr>
+              <a:t>지형 오브젝트</a:t>
+            </a:r>
+            <a:endParaRPr kumimoji="1" lang="ko-KR" altLang="en-US" dirty="0">
+              <a:solidFill>
+                <a:schemeClr val="bg1"/>
+              </a:solidFill>
+            </a:endParaRPr>
+          </a:p>
+        </p:txBody>
+      </p:sp>
+      <p:sp>
+        <p:nvSpPr>
+          <p:cNvPr id="55" name="모서리가 둥근 직사각형 54"/>
+          <p:cNvSpPr/>
+          <p:nvPr/>
+        </p:nvSpPr>
+        <p:spPr>
+          <a:xfrm>
+            <a:off x="9388389" y="2277695"/>
+            <a:ext cx="1096288" cy="563163"/>
+          </a:xfrm>
+          <a:prstGeom prst="roundRect">
+            <a:avLst/>
+          </a:prstGeom>
+          <a:solidFill>
+            <a:srgbClr val="00B0F0"/>
+          </a:solidFill>
+          <a:ln>
+            <a:noFill/>
+          </a:ln>
+        </p:spPr>
+        <p:style>
+          <a:lnRef idx="2">
+            <a:schemeClr val="accent1">
+              <a:shade val="50000"/>
+            </a:schemeClr>
+          </a:lnRef>
+          <a:fillRef idx="1">
+            <a:schemeClr val="accent1"/>
+          </a:fillRef>
+          <a:effectRef idx="0">
+            <a:schemeClr val="accent1"/>
+          </a:effectRef>
+          <a:fontRef idx="minor">
+            <a:schemeClr val="lt1"/>
+          </a:fontRef>
+        </p:style>
+        <p:txBody>
+          <a:bodyPr rtlCol="0" anchor="ctr"/>
+          <a:lstStyle/>
+          <a:p>
+            <a:pPr algn="ctr"/>
+            <a:r>
+              <a:rPr kumimoji="1" lang="ko-KR" altLang="en-US" dirty="0" smtClean="0">
+                <a:solidFill>
+                  <a:schemeClr val="bg1"/>
+                </a:solidFill>
+              </a:rPr>
+              <a:t>이펙트</a:t>
+            </a:r>
+            <a:endParaRPr kumimoji="1" lang="ko-KR" altLang="en-US" dirty="0">
+              <a:solidFill>
+                <a:schemeClr val="bg1"/>
+              </a:solidFill>
+            </a:endParaRPr>
+          </a:p>
+        </p:txBody>
+      </p:sp>
+      <p:sp>
+        <p:nvSpPr>
+          <p:cNvPr id="56" name="모서리가 둥근 직사각형 55"/>
+          <p:cNvSpPr/>
+          <p:nvPr/>
+        </p:nvSpPr>
+        <p:spPr>
+          <a:xfrm>
+            <a:off x="7294895" y="2959537"/>
+            <a:ext cx="1096288" cy="563163"/>
+          </a:xfrm>
+          <a:prstGeom prst="roundRect">
+            <a:avLst/>
+          </a:prstGeom>
+          <a:solidFill>
+            <a:srgbClr val="00B0F0"/>
+          </a:solidFill>
+          <a:ln>
+            <a:noFill/>
+          </a:ln>
+        </p:spPr>
+        <p:style>
+          <a:lnRef idx="2">
+            <a:schemeClr val="accent1">
+              <a:shade val="50000"/>
+            </a:schemeClr>
+          </a:lnRef>
+          <a:fillRef idx="1">
+            <a:schemeClr val="accent1"/>
+          </a:fillRef>
+          <a:effectRef idx="0">
+            <a:schemeClr val="accent1"/>
+          </a:effectRef>
+          <a:fontRef idx="minor">
+            <a:schemeClr val="lt1"/>
+          </a:fontRef>
+        </p:style>
+        <p:txBody>
+          <a:bodyPr rtlCol="0" anchor="ctr"/>
+          <a:lstStyle/>
+          <a:p>
+            <a:pPr algn="ctr"/>
+            <a:r>
+              <a:rPr kumimoji="1" lang="ko-KR" altLang="en-US" dirty="0" smtClean="0">
+                <a:solidFill>
+                  <a:schemeClr val="bg1"/>
+                </a:solidFill>
+              </a:rPr>
+              <a:t>몬스터 </a:t>
+            </a:r>
+            <a:endParaRPr kumimoji="1" lang="en-US" altLang="ko-KR" dirty="0" smtClean="0">
+              <a:solidFill>
+                <a:schemeClr val="bg1"/>
+              </a:solidFill>
+            </a:endParaRPr>
+          </a:p>
+          <a:p>
+            <a:pPr algn="ctr"/>
+            <a:r>
+              <a:rPr kumimoji="1" lang="ko-KR" altLang="en-US" dirty="0" smtClean="0">
+                <a:solidFill>
+                  <a:schemeClr val="bg1"/>
+                </a:solidFill>
+              </a:rPr>
+              <a:t>모델링</a:t>
+            </a:r>
+            <a:endParaRPr kumimoji="1" lang="ko-KR" altLang="en-US" dirty="0">
+              <a:solidFill>
+                <a:schemeClr val="bg1"/>
+              </a:solidFill>
+            </a:endParaRPr>
+          </a:p>
+        </p:txBody>
+      </p:sp>
+      <p:sp>
+        <p:nvSpPr>
+          <p:cNvPr id="57" name="모서리가 둥근 직사각형 56"/>
+          <p:cNvSpPr/>
+          <p:nvPr/>
+        </p:nvSpPr>
+        <p:spPr>
+          <a:xfrm>
+            <a:off x="10614804" y="2272775"/>
+            <a:ext cx="1096288" cy="563163"/>
+          </a:xfrm>
+          <a:prstGeom prst="roundRect">
+            <a:avLst/>
+          </a:prstGeom>
+          <a:solidFill>
+            <a:schemeClr val="bg1">
+              <a:lumMod val="50000"/>
+            </a:schemeClr>
+          </a:solidFill>
+          <a:ln>
+            <a:noFill/>
+          </a:ln>
+        </p:spPr>
+        <p:style>
+          <a:lnRef idx="2">
+            <a:schemeClr val="accent1">
+              <a:shade val="50000"/>
+            </a:schemeClr>
+          </a:lnRef>
+          <a:fillRef idx="1">
+            <a:schemeClr val="accent1"/>
+          </a:fillRef>
+          <a:effectRef idx="0">
+            <a:schemeClr val="accent1"/>
+          </a:effectRef>
+          <a:fontRef idx="minor">
+            <a:schemeClr val="lt1"/>
+          </a:fontRef>
+        </p:style>
+        <p:txBody>
+          <a:bodyPr rtlCol="0" anchor="ctr"/>
+          <a:lstStyle/>
+          <a:p>
+            <a:pPr algn="ctr"/>
+            <a:r>
+              <a:rPr kumimoji="1" lang="ko-KR" altLang="en-US" dirty="0" smtClean="0">
+                <a:solidFill>
+                  <a:schemeClr val="bg1"/>
+                </a:solidFill>
+              </a:rPr>
+              <a:t>밸런스</a:t>
+            </a:r>
+            <a:endParaRPr kumimoji="1" lang="ko-KR" altLang="en-US" dirty="0">
+              <a:solidFill>
+                <a:schemeClr val="bg1"/>
+              </a:solidFill>
+            </a:endParaRPr>
+          </a:p>
+        </p:txBody>
+      </p:sp>
+      <p:sp>
+        <p:nvSpPr>
+          <p:cNvPr id="60" name="모서리가 둥근 직사각형 59"/>
+          <p:cNvSpPr/>
+          <p:nvPr/>
+        </p:nvSpPr>
+        <p:spPr>
+          <a:xfrm>
+            <a:off x="495395" y="3766402"/>
+            <a:ext cx="1034760" cy="563163"/>
+          </a:xfrm>
+          <a:prstGeom prst="roundRect">
+            <a:avLst/>
+          </a:prstGeom>
+          <a:solidFill>
+            <a:schemeClr val="bg1">
+              <a:lumMod val="50000"/>
+            </a:schemeClr>
+          </a:solidFill>
+          <a:ln>
+            <a:noFill/>
+          </a:ln>
+        </p:spPr>
+        <p:style>
+          <a:lnRef idx="2">
+            <a:schemeClr val="accent1">
+              <a:shade val="50000"/>
+            </a:schemeClr>
+          </a:lnRef>
+          <a:fillRef idx="1">
+            <a:schemeClr val="accent1"/>
+          </a:fillRef>
+          <a:effectRef idx="0">
+            <a:schemeClr val="accent1"/>
+          </a:effectRef>
+          <a:fontRef idx="minor">
+            <a:schemeClr val="lt1"/>
+          </a:fontRef>
+        </p:style>
+        <p:txBody>
+          <a:bodyPr rtlCol="0" anchor="ctr"/>
+          <a:lstStyle/>
+          <a:p>
+            <a:pPr algn="ctr"/>
+            <a:r>
+              <a:rPr kumimoji="1" lang="ko-KR" altLang="en-US" sz="2000" smtClean="0">
+                <a:solidFill>
+                  <a:schemeClr val="bg1"/>
+                </a:solidFill>
+              </a:rPr>
+              <a:t>경험치</a:t>
+            </a:r>
+            <a:endParaRPr kumimoji="1" lang="ko-KR" altLang="en-US" sz="2000" dirty="0">
+              <a:solidFill>
+                <a:schemeClr val="bg1"/>
+              </a:solidFill>
+            </a:endParaRPr>
+          </a:p>
+        </p:txBody>
+      </p:sp>
+      <p:sp>
+        <p:nvSpPr>
+          <p:cNvPr id="61" name="모서리가 둥근 직사각형 60"/>
+          <p:cNvSpPr/>
+          <p:nvPr/>
+        </p:nvSpPr>
+        <p:spPr>
+          <a:xfrm>
+            <a:off x="3354427" y="4493958"/>
+            <a:ext cx="1096288" cy="563163"/>
+          </a:xfrm>
+          <a:prstGeom prst="roundRect">
+            <a:avLst/>
+          </a:prstGeom>
+          <a:solidFill>
+            <a:schemeClr val="bg1">
+              <a:lumMod val="50000"/>
+            </a:schemeClr>
+          </a:solidFill>
+          <a:ln>
+            <a:noFill/>
+          </a:ln>
+        </p:spPr>
+        <p:style>
+          <a:lnRef idx="2">
+            <a:schemeClr val="accent1">
+              <a:shade val="50000"/>
+            </a:schemeClr>
+          </a:lnRef>
+          <a:fillRef idx="1">
+            <a:schemeClr val="accent1"/>
+          </a:fillRef>
+          <a:effectRef idx="0">
+            <a:schemeClr val="accent1"/>
+          </a:effectRef>
+          <a:fontRef idx="minor">
+            <a:schemeClr val="lt1"/>
+          </a:fontRef>
+        </p:style>
+        <p:txBody>
+          <a:bodyPr rtlCol="0" anchor="ctr"/>
+          <a:lstStyle/>
+          <a:p>
+            <a:pPr algn="ctr"/>
+            <a:r>
+              <a:rPr kumimoji="1" lang="ko-KR" altLang="en-US" dirty="0" smtClean="0">
+                <a:solidFill>
+                  <a:schemeClr val="bg1"/>
+                </a:solidFill>
+              </a:rPr>
+              <a:t>캐릭터</a:t>
+            </a:r>
+            <a:endParaRPr kumimoji="1" lang="en-US" altLang="ko-KR" dirty="0" smtClean="0">
+              <a:solidFill>
+                <a:schemeClr val="bg1"/>
+              </a:solidFill>
+            </a:endParaRPr>
+          </a:p>
+          <a:p>
+            <a:pPr algn="ctr"/>
+            <a:r>
+              <a:rPr kumimoji="1" lang="ko-KR" altLang="en-US" dirty="0" smtClean="0">
+                <a:solidFill>
+                  <a:schemeClr val="bg1"/>
+                </a:solidFill>
+              </a:rPr>
+              <a:t>디자인</a:t>
             </a:r>
             <a:endParaRPr kumimoji="1" lang="ko-KR" altLang="en-US" dirty="0">
               <a:solidFill>
@@ -10268,7 +11431,7 @@
     </p:spTree>
     <p:extLst>
       <p:ext uri="{BB962C8B-B14F-4D97-AF65-F5344CB8AC3E}">
-        <p14:creationId xmlns:p14="http://schemas.microsoft.com/office/powerpoint/2010/main" val="1758201785"/>
+        <p14:creationId xmlns:p14="http://schemas.microsoft.com/office/powerpoint/2010/main" val="50008626"/>
       </p:ext>
     </p:extLst>
   </p:cSld>
@@ -10310,7 +11473,7 @@
         </p:nvSpPr>
         <p:spPr>
           <a:xfrm>
-            <a:off x="0" y="33943"/>
+            <a:off x="0" y="64423"/>
             <a:ext cx="12192000" cy="6863140"/>
           </a:xfrm>
           <a:prstGeom prst="rect">
@@ -10387,13 +11550,46 @@
       </p:cxnSp>
       <p:sp>
         <p:nvSpPr>
-          <p:cNvPr id="7" name="모서리가 둥근 직사각형 6"/>
+          <p:cNvPr id="15" name="텍스트 상자 14"/>
+          <p:cNvSpPr txBox="1"/>
+          <p:nvPr/>
+        </p:nvSpPr>
+        <p:spPr>
+          <a:xfrm>
+            <a:off x="268941" y="333127"/>
+            <a:ext cx="1210588" cy="707886"/>
+          </a:xfrm>
+          <a:prstGeom prst="rect">
+            <a:avLst/>
+          </a:prstGeom>
+          <a:noFill/>
+        </p:spPr>
+        <p:txBody>
+          <a:bodyPr wrap="none" rtlCol="0">
+            <a:spAutoFit/>
+          </a:bodyPr>
+          <a:lstStyle/>
+          <a:p>
+            <a:r>
+              <a:rPr kumimoji="1" lang="ko-KR" altLang="en-US" sz="4000" dirty="0">
+                <a:solidFill>
+                  <a:schemeClr val="bg1"/>
+                </a:solidFill>
+              </a:rPr>
+              <a:t>서버</a:t>
+            </a:r>
+          </a:p>
+        </p:txBody>
+      </p:sp>
+      <p:sp>
+        <p:nvSpPr>
+          <p:cNvPr id="33" name="모서리가 둥근 직사각형 32"/>
           <p:cNvSpPr/>
           <p:nvPr/>
         </p:nvSpPr>
         <p:spPr>
           <a:xfrm>
-            <a:off x="495395" y="1369836"/>
+            <a:off x="3956834" y="1369836"/>
             <a:ext cx="831382" cy="563163"/>
           </a:xfrm>
           <a:prstGeom prst="roundRect">
@@ -10428,12 +11624,12 @@
           <a:p>
             <a:pPr algn="ctr"/>
             <a:r>
-              <a:rPr kumimoji="1" lang="en-US" altLang="ko-KR" sz="2400" dirty="0" smtClean="0">
+              <a:rPr kumimoji="1" lang="en-US" altLang="ko-KR" sz="2400" dirty="0">
                 <a:solidFill>
                   <a:schemeClr val="tx1"/>
                 </a:solidFill>
               </a:rPr>
-              <a:t>11</a:t>
+              <a:t>2</a:t>
             </a:r>
             <a:endParaRPr kumimoji="1" lang="ko-KR" altLang="en-US" sz="2400" dirty="0">
               <a:solidFill>
@@ -10445,60 +11641,14 @@
       </p:sp>
       <p:sp>
         <p:nvSpPr>
-          <p:cNvPr id="15" name="텍스트 상자 14"/>
-          <p:cNvSpPr txBox="1"/>
-          <p:nvPr/>
-        </p:nvSpPr>
-        <p:spPr>
-          <a:xfrm>
-            <a:off x="268941" y="333127"/>
-            <a:ext cx="3031599" cy="707886"/>
-          </a:xfrm>
-          <a:prstGeom prst="rect">
-            <a:avLst/>
-          </a:prstGeom>
-          <a:noFill/>
-        </p:spPr>
-        <p:txBody>
-          <a:bodyPr wrap="none" rtlCol="0">
-            <a:spAutoFit/>
-          </a:bodyPr>
-          <a:lstStyle/>
-          <a:p>
-            <a:r>
-              <a:rPr kumimoji="1" lang="ko-KR" altLang="en-US" sz="4000" dirty="0" smtClean="0">
-                <a:solidFill>
-                  <a:schemeClr val="bg1"/>
-                </a:solidFill>
-              </a:rPr>
-              <a:t>클라이언트</a:t>
-            </a:r>
-            <a:r>
-              <a:rPr kumimoji="1" lang="en-US" altLang="ko-KR" sz="4000" dirty="0" smtClean="0">
-                <a:solidFill>
-                  <a:schemeClr val="bg1"/>
-                </a:solidFill>
-              </a:rPr>
-              <a:t>2</a:t>
-            </a:r>
-            <a:endParaRPr kumimoji="1" lang="ko-KR" altLang="en-US" sz="4000" dirty="0">
-              <a:solidFill>
-                <a:schemeClr val="bg1"/>
-              </a:solidFill>
-            </a:endParaRPr>
-          </a:p>
-        </p:txBody>
-      </p:sp>
-      <p:sp>
-        <p:nvSpPr>
-          <p:cNvPr id="30" name="모서리가 둥근 직사각형 29"/>
+          <p:cNvPr id="34" name="모서리가 둥근 직사각형 33"/>
           <p:cNvSpPr/>
           <p:nvPr/>
         </p:nvSpPr>
         <p:spPr>
           <a:xfrm>
-            <a:off x="1649208" y="1369836"/>
-            <a:ext cx="831382" cy="563163"/>
+            <a:off x="5110647" y="1369837"/>
+            <a:ext cx="831382" cy="563162"/>
           </a:xfrm>
           <a:prstGeom prst="roundRect">
             <a:avLst/>
@@ -10532,12 +11682,12 @@
           <a:p>
             <a:pPr algn="ctr"/>
             <a:r>
-              <a:rPr kumimoji="1" lang="en-US" altLang="ko-KR" sz="2400" dirty="0" smtClean="0">
+              <a:rPr kumimoji="1" lang="en-US" altLang="ko-KR" sz="2400" dirty="0">
                 <a:solidFill>
                   <a:schemeClr val="tx1"/>
                 </a:solidFill>
               </a:rPr>
-              <a:t>12</a:t>
+              <a:t>3</a:t>
             </a:r>
             <a:endParaRPr kumimoji="1" lang="ko-KR" altLang="en-US" sz="2400" dirty="0">
               <a:solidFill>
@@ -10549,14 +11699,14 @@
       </p:sp>
       <p:sp>
         <p:nvSpPr>
-          <p:cNvPr id="31" name="모서리가 둥근 직사각형 30"/>
+          <p:cNvPr id="35" name="모서리가 둥근 직사각형 34"/>
           <p:cNvSpPr/>
           <p:nvPr/>
         </p:nvSpPr>
         <p:spPr>
           <a:xfrm>
-            <a:off x="2803021" y="1369836"/>
-            <a:ext cx="831382" cy="563163"/>
+            <a:off x="6264460" y="1369837"/>
+            <a:ext cx="831382" cy="563162"/>
           </a:xfrm>
           <a:prstGeom prst="roundRect">
             <a:avLst/>
@@ -10590,12 +11740,12 @@
           <a:p>
             <a:pPr algn="ctr"/>
             <a:r>
-              <a:rPr kumimoji="1" lang="en-US" altLang="ko-KR" sz="2400" dirty="0" smtClean="0">
+              <a:rPr kumimoji="1" lang="en-US" altLang="ko-KR" sz="2400" dirty="0">
                 <a:solidFill>
                   <a:schemeClr val="tx1"/>
                 </a:solidFill>
               </a:rPr>
-              <a:t>1</a:t>
+              <a:t>4</a:t>
             </a:r>
             <a:endParaRPr kumimoji="1" lang="ko-KR" altLang="en-US" sz="2400" dirty="0">
               <a:solidFill>
@@ -10607,14 +11757,14 @@
       </p:sp>
       <p:sp>
         <p:nvSpPr>
-          <p:cNvPr id="33" name="모서리가 둥근 직사각형 32"/>
+          <p:cNvPr id="37" name="모서리가 둥근 직사각형 36"/>
           <p:cNvSpPr/>
           <p:nvPr/>
         </p:nvSpPr>
         <p:spPr>
           <a:xfrm>
-            <a:off x="3956834" y="1369836"/>
-            <a:ext cx="831382" cy="563163"/>
+            <a:off x="8572086" y="1369837"/>
+            <a:ext cx="831382" cy="563162"/>
           </a:xfrm>
           <a:prstGeom prst="roundRect">
             <a:avLst/>
@@ -10648,12 +11798,12 @@
           <a:p>
             <a:pPr algn="ctr"/>
             <a:r>
-              <a:rPr kumimoji="1" lang="en-US" altLang="ko-KR" sz="2400" dirty="0" smtClean="0">
+              <a:rPr kumimoji="1" lang="en-US" altLang="ko-KR" sz="2400" dirty="0">
                 <a:solidFill>
                   <a:schemeClr val="tx1"/>
                 </a:solidFill>
               </a:rPr>
-              <a:t>2</a:t>
+              <a:t>6</a:t>
             </a:r>
             <a:endParaRPr kumimoji="1" lang="ko-KR" altLang="en-US" sz="2400" dirty="0">
               <a:solidFill>
@@ -10665,13 +11815,13 @@
       </p:sp>
       <p:sp>
         <p:nvSpPr>
-          <p:cNvPr id="34" name="모서리가 둥근 직사각형 33"/>
+          <p:cNvPr id="38" name="모서리가 둥근 직사각형 37"/>
           <p:cNvSpPr/>
           <p:nvPr/>
         </p:nvSpPr>
         <p:spPr>
           <a:xfrm>
-            <a:off x="5110647" y="1369837"/>
+            <a:off x="9725899" y="1369837"/>
             <a:ext cx="831382" cy="563162"/>
           </a:xfrm>
           <a:prstGeom prst="roundRect">
@@ -10706,302 +11856,12 @@
           <a:p>
             <a:pPr algn="ctr"/>
             <a:r>
-              <a:rPr kumimoji="1" lang="en-US" altLang="ko-KR" sz="2400" dirty="0" smtClean="0">
+              <a:rPr kumimoji="1" lang="en-US" altLang="ko-KR" sz="2400" dirty="0">
                 <a:solidFill>
                   <a:schemeClr val="tx1"/>
                 </a:solidFill>
               </a:rPr>
-              <a:t>3</a:t>
-            </a:r>
-            <a:endParaRPr kumimoji="1" lang="ko-KR" altLang="en-US" sz="2400" dirty="0">
-              <a:solidFill>
-                <a:schemeClr val="tx1"/>
-              </a:solidFill>
-            </a:endParaRPr>
-          </a:p>
-        </p:txBody>
-      </p:sp>
-      <p:sp>
-        <p:nvSpPr>
-          <p:cNvPr id="35" name="모서리가 둥근 직사각형 34"/>
-          <p:cNvSpPr/>
-          <p:nvPr/>
-        </p:nvSpPr>
-        <p:spPr>
-          <a:xfrm>
-            <a:off x="6264460" y="1369837"/>
-            <a:ext cx="831382" cy="563162"/>
-          </a:xfrm>
-          <a:prstGeom prst="roundRect">
-            <a:avLst/>
-          </a:prstGeom>
-          <a:solidFill>
-            <a:schemeClr val="bg1"/>
-          </a:solidFill>
-          <a:ln>
-            <a:noFill/>
-          </a:ln>
-        </p:spPr>
-        <p:style>
-          <a:lnRef idx="2">
-            <a:schemeClr val="accent1">
-              <a:shade val="50000"/>
-            </a:schemeClr>
-          </a:lnRef>
-          <a:fillRef idx="1">
-            <a:schemeClr val="accent1"/>
-          </a:fillRef>
-          <a:effectRef idx="0">
-            <a:schemeClr val="accent1"/>
-          </a:effectRef>
-          <a:fontRef idx="minor">
-            <a:schemeClr val="lt1"/>
-          </a:fontRef>
-        </p:style>
-        <p:txBody>
-          <a:bodyPr rtlCol="0" anchor="ctr"/>
-          <a:lstStyle/>
-          <a:p>
-            <a:pPr algn="ctr"/>
-            <a:r>
-              <a:rPr kumimoji="1" lang="en-US" altLang="ko-KR" sz="2400" dirty="0" smtClean="0">
-                <a:solidFill>
-                  <a:schemeClr val="tx1"/>
-                </a:solidFill>
-              </a:rPr>
-              <a:t>4</a:t>
-            </a:r>
-            <a:endParaRPr kumimoji="1" lang="ko-KR" altLang="en-US" sz="2400" dirty="0">
-              <a:solidFill>
-                <a:schemeClr val="tx1"/>
-              </a:solidFill>
-            </a:endParaRPr>
-          </a:p>
-        </p:txBody>
-      </p:sp>
-      <p:sp>
-        <p:nvSpPr>
-          <p:cNvPr id="36" name="모서리가 둥근 직사각형 35"/>
-          <p:cNvSpPr/>
-          <p:nvPr/>
-        </p:nvSpPr>
-        <p:spPr>
-          <a:xfrm>
-            <a:off x="7418273" y="1369837"/>
-            <a:ext cx="831382" cy="563162"/>
-          </a:xfrm>
-          <a:prstGeom prst="roundRect">
-            <a:avLst/>
-          </a:prstGeom>
-          <a:solidFill>
-            <a:schemeClr val="bg1"/>
-          </a:solidFill>
-          <a:ln>
-            <a:noFill/>
-          </a:ln>
-        </p:spPr>
-        <p:style>
-          <a:lnRef idx="2">
-            <a:schemeClr val="accent1">
-              <a:shade val="50000"/>
-            </a:schemeClr>
-          </a:lnRef>
-          <a:fillRef idx="1">
-            <a:schemeClr val="accent1"/>
-          </a:fillRef>
-          <a:effectRef idx="0">
-            <a:schemeClr val="accent1"/>
-          </a:effectRef>
-          <a:fontRef idx="minor">
-            <a:schemeClr val="lt1"/>
-          </a:fontRef>
-        </p:style>
-        <p:txBody>
-          <a:bodyPr rtlCol="0" anchor="ctr"/>
-          <a:lstStyle/>
-          <a:p>
-            <a:pPr algn="ctr"/>
-            <a:r>
-              <a:rPr kumimoji="1" lang="en-US" altLang="ko-KR" sz="2400" dirty="0" smtClean="0">
-                <a:solidFill>
-                  <a:schemeClr val="tx1"/>
-                </a:solidFill>
-              </a:rPr>
-              <a:t>5</a:t>
-            </a:r>
-            <a:endParaRPr kumimoji="1" lang="ko-KR" altLang="en-US" sz="2400" dirty="0">
-              <a:solidFill>
-                <a:schemeClr val="tx1"/>
-              </a:solidFill>
-            </a:endParaRPr>
-          </a:p>
-        </p:txBody>
-      </p:sp>
-      <p:sp>
-        <p:nvSpPr>
-          <p:cNvPr id="37" name="모서리가 둥근 직사각형 36"/>
-          <p:cNvSpPr/>
-          <p:nvPr/>
-        </p:nvSpPr>
-        <p:spPr>
-          <a:xfrm>
-            <a:off x="8572086" y="1369837"/>
-            <a:ext cx="831382" cy="563162"/>
-          </a:xfrm>
-          <a:prstGeom prst="roundRect">
-            <a:avLst/>
-          </a:prstGeom>
-          <a:solidFill>
-            <a:schemeClr val="bg1"/>
-          </a:solidFill>
-          <a:ln>
-            <a:noFill/>
-          </a:ln>
-        </p:spPr>
-        <p:style>
-          <a:lnRef idx="2">
-            <a:schemeClr val="accent1">
-              <a:shade val="50000"/>
-            </a:schemeClr>
-          </a:lnRef>
-          <a:fillRef idx="1">
-            <a:schemeClr val="accent1"/>
-          </a:fillRef>
-          <a:effectRef idx="0">
-            <a:schemeClr val="accent1"/>
-          </a:effectRef>
-          <a:fontRef idx="minor">
-            <a:schemeClr val="lt1"/>
-          </a:fontRef>
-        </p:style>
-        <p:txBody>
-          <a:bodyPr rtlCol="0" anchor="ctr"/>
-          <a:lstStyle/>
-          <a:p>
-            <a:pPr algn="ctr"/>
-            <a:r>
-              <a:rPr kumimoji="1" lang="en-US" altLang="ko-KR" sz="2400" dirty="0" smtClean="0">
-                <a:solidFill>
-                  <a:schemeClr val="tx1"/>
-                </a:solidFill>
-              </a:rPr>
-              <a:t>6</a:t>
-            </a:r>
-            <a:endParaRPr kumimoji="1" lang="ko-KR" altLang="en-US" sz="2400" dirty="0">
-              <a:solidFill>
-                <a:schemeClr val="tx1"/>
-              </a:solidFill>
-            </a:endParaRPr>
-          </a:p>
-        </p:txBody>
-      </p:sp>
-      <p:sp>
-        <p:nvSpPr>
-          <p:cNvPr id="38" name="모서리가 둥근 직사각형 37"/>
-          <p:cNvSpPr/>
-          <p:nvPr/>
-        </p:nvSpPr>
-        <p:spPr>
-          <a:xfrm>
-            <a:off x="9725899" y="1369837"/>
-            <a:ext cx="831382" cy="563162"/>
-          </a:xfrm>
-          <a:prstGeom prst="roundRect">
-            <a:avLst/>
-          </a:prstGeom>
-          <a:solidFill>
-            <a:schemeClr val="bg1"/>
-          </a:solidFill>
-          <a:ln>
-            <a:noFill/>
-          </a:ln>
-        </p:spPr>
-        <p:style>
-          <a:lnRef idx="2">
-            <a:schemeClr val="accent1">
-              <a:shade val="50000"/>
-            </a:schemeClr>
-          </a:lnRef>
-          <a:fillRef idx="1">
-            <a:schemeClr val="accent1"/>
-          </a:fillRef>
-          <a:effectRef idx="0">
-            <a:schemeClr val="accent1"/>
-          </a:effectRef>
-          <a:fontRef idx="minor">
-            <a:schemeClr val="lt1"/>
-          </a:fontRef>
-        </p:style>
-        <p:txBody>
-          <a:bodyPr rtlCol="0" anchor="ctr"/>
-          <a:lstStyle/>
-          <a:p>
-            <a:pPr algn="ctr"/>
-            <a:r>
-              <a:rPr kumimoji="1" lang="en-US" altLang="ko-KR" sz="2400" dirty="0" smtClean="0">
-                <a:solidFill>
-                  <a:schemeClr val="tx1"/>
-                </a:solidFill>
-              </a:rPr>
               <a:t>7</a:t>
-            </a:r>
-            <a:endParaRPr kumimoji="1" lang="ko-KR" altLang="en-US" sz="2400" dirty="0">
-              <a:solidFill>
-                <a:schemeClr val="tx1"/>
-              </a:solidFill>
-            </a:endParaRPr>
-          </a:p>
-        </p:txBody>
-      </p:sp>
-      <p:sp>
-        <p:nvSpPr>
-          <p:cNvPr id="39" name="모서리가 둥근 직사각형 38"/>
-          <p:cNvSpPr/>
-          <p:nvPr/>
-        </p:nvSpPr>
-        <p:spPr>
-          <a:xfrm>
-            <a:off x="10879710" y="1369837"/>
-            <a:ext cx="831382" cy="563162"/>
-          </a:xfrm>
-          <a:prstGeom prst="roundRect">
-            <a:avLst/>
-          </a:prstGeom>
-          <a:solidFill>
-            <a:schemeClr val="bg1"/>
-          </a:solidFill>
-          <a:ln>
-            <a:noFill/>
-          </a:ln>
-        </p:spPr>
-        <p:style>
-          <a:lnRef idx="2">
-            <a:schemeClr val="accent1">
-              <a:shade val="50000"/>
-            </a:schemeClr>
-          </a:lnRef>
-          <a:fillRef idx="1">
-            <a:schemeClr val="accent1"/>
-          </a:fillRef>
-          <a:effectRef idx="0">
-            <a:schemeClr val="accent1"/>
-          </a:effectRef>
-          <a:fontRef idx="minor">
-            <a:schemeClr val="lt1"/>
-          </a:fontRef>
-        </p:style>
-        <p:txBody>
-          <a:bodyPr rtlCol="0" anchor="ctr"/>
-          <a:lstStyle/>
-          <a:p>
-            <a:pPr algn="ctr"/>
-            <a:r>
-              <a:rPr kumimoji="1" lang="en-US" altLang="ko-KR" sz="2400" dirty="0" smtClean="0">
-                <a:solidFill>
-                  <a:schemeClr val="tx1"/>
-                </a:solidFill>
-              </a:rPr>
-              <a:t>8</a:t>
             </a:r>
             <a:endParaRPr kumimoji="1" lang="ko-KR" altLang="en-US" sz="2400" dirty="0">
               <a:solidFill>
@@ -11020,7 +11880,7 @@
         <p:spPr>
           <a:xfrm>
             <a:off x="495394" y="2248377"/>
-            <a:ext cx="1351335" cy="563163"/>
+            <a:ext cx="3139009" cy="563163"/>
           </a:xfrm>
           <a:prstGeom prst="roundRect">
             <a:avLst/>
@@ -11056,18 +11916,37 @@
           <a:p>
             <a:pPr algn="ctr"/>
             <a:r>
-              <a:rPr kumimoji="1" lang="ko-KR" altLang="en-US" sz="2400" dirty="0" smtClean="0">
-                <a:solidFill>
-                  <a:schemeClr val="bg1"/>
-                </a:solidFill>
-              </a:rPr>
-              <a:t>텍스쳐</a:t>
-            </a:r>
-            <a:endParaRPr kumimoji="1" lang="ko-KR" altLang="en-US" sz="2400" dirty="0">
+              <a:rPr kumimoji="1" lang="en-US" altLang="ko-KR" dirty="0">
+                <a:solidFill>
+                  <a:schemeClr val="bg1"/>
+                </a:solidFill>
+              </a:rPr>
+              <a:t>Boost </a:t>
+            </a:r>
+            <a:r>
+              <a:rPr kumimoji="1" lang="en-US" altLang="ko-KR" dirty="0" err="1">
+                <a:solidFill>
+                  <a:schemeClr val="bg1"/>
+                </a:solidFill>
+              </a:rPr>
+              <a:t>asio</a:t>
+            </a:r>
+            <a:endParaRPr kumimoji="1" lang="en-US" altLang="ko-KR" dirty="0">
               <a:solidFill>
                 <a:schemeClr val="bg1"/>
               </a:solidFill>
             </a:endParaRPr>
+          </a:p>
+          <a:p>
+            <a:pPr algn="ctr"/>
+            <a:r>
+              <a:rPr kumimoji="1" lang="ko-KR" altLang="en-US" dirty="0">
+                <a:solidFill>
+                  <a:schemeClr val="bg1"/>
+                </a:solidFill>
+              </a:rPr>
+              <a:t>프레임워크 작성</a:t>
+            </a:r>
           </a:p>
         </p:txBody>
       </p:sp>
@@ -11079,8 +11958,8 @@
         </p:nvSpPr>
         <p:spPr>
           <a:xfrm>
-            <a:off x="1671682" y="2987311"/>
-            <a:ext cx="1131339" cy="563163"/>
+            <a:off x="1649208" y="2987311"/>
+            <a:ext cx="1985195" cy="563163"/>
           </a:xfrm>
           <a:prstGeom prst="roundRect">
             <a:avLst/>
@@ -11116,31 +11995,20 @@
           <a:p>
             <a:pPr algn="ctr"/>
             <a:r>
-              <a:rPr kumimoji="1" lang="en-US" altLang="ko-KR" sz="2000" dirty="0" smtClean="0">
-                <a:solidFill>
-                  <a:schemeClr val="bg1"/>
-                </a:solidFill>
-              </a:rPr>
-              <a:t>FB</a:t>
-            </a:r>
-            <a:r>
-              <a:rPr kumimoji="1" lang="en-US" altLang="ko-KR" sz="2000" dirty="0">
-                <a:solidFill>
-                  <a:schemeClr val="bg1"/>
-                </a:solidFill>
-              </a:rPr>
-              <a:t>X</a:t>
-            </a:r>
-          </a:p>
-          <a:p>
-            <a:pPr algn="ctr"/>
-            <a:r>
-              <a:rPr kumimoji="1" lang="ko-KR" altLang="en-US" sz="2000" dirty="0" smtClean="0">
-                <a:solidFill>
-                  <a:schemeClr val="bg1"/>
-                </a:solidFill>
-              </a:rPr>
-              <a:t>임포트</a:t>
+              <a:rPr kumimoji="1" lang="ko-KR" altLang="en-US" sz="2000" dirty="0">
+                <a:solidFill>
+                  <a:schemeClr val="bg1"/>
+                </a:solidFill>
+              </a:rPr>
+              <a:t>코드 </a:t>
+            </a:r>
+            <a:r>
+              <a:rPr kumimoji="1" lang="ko-KR" altLang="en-US" sz="2000" dirty="0" err="1">
+                <a:solidFill>
+                  <a:schemeClr val="bg1"/>
+                </a:solidFill>
+              </a:rPr>
+              <a:t>리팩토링</a:t>
             </a:r>
             <a:endParaRPr kumimoji="1" lang="ko-KR" altLang="en-US" sz="2000" dirty="0">
               <a:solidFill>
@@ -11158,8 +12026,8 @@
         </p:nvSpPr>
         <p:spPr>
           <a:xfrm>
-            <a:off x="2237351" y="3776205"/>
-            <a:ext cx="1397052" cy="563163"/>
+            <a:off x="3956834" y="3776205"/>
+            <a:ext cx="1985195" cy="563163"/>
           </a:xfrm>
           <a:prstGeom prst="roundRect">
             <a:avLst/>
@@ -11195,18 +12063,21 @@
           <a:p>
             <a:pPr algn="ctr"/>
             <a:r>
-              <a:rPr kumimoji="1" lang="ko-KR" altLang="en-US" dirty="0" smtClean="0">
-                <a:solidFill>
-                  <a:schemeClr val="bg1"/>
-                </a:solidFill>
-              </a:rPr>
-              <a:t>애니메이션</a:t>
-            </a:r>
-            <a:endParaRPr kumimoji="1" lang="ko-KR" altLang="en-US" dirty="0">
-              <a:solidFill>
-                <a:schemeClr val="bg1"/>
-              </a:solidFill>
-            </a:endParaRPr>
+              <a:rPr kumimoji="1" lang="en-US" altLang="ko-KR" dirty="0">
+                <a:solidFill>
+                  <a:schemeClr val="bg1"/>
+                </a:solidFill>
+              </a:rPr>
+              <a:t>DB </a:t>
+            </a:r>
+            <a:r>
+              <a:rPr kumimoji="1" lang="ko-KR" altLang="en-US" dirty="0">
+                <a:solidFill>
+                  <a:schemeClr val="bg1"/>
+                </a:solidFill>
+              </a:rPr>
+              <a:t>기능 연동</a:t>
+            </a:r>
           </a:p>
         </p:txBody>
       </p:sp>
@@ -11218,8 +12089,8 @@
         </p:nvSpPr>
         <p:spPr>
           <a:xfrm>
-            <a:off x="3713595" y="4493961"/>
-            <a:ext cx="1397052" cy="563163"/>
+            <a:off x="6264460" y="4493961"/>
+            <a:ext cx="1985195" cy="563163"/>
           </a:xfrm>
           <a:prstGeom prst="roundRect">
             <a:avLst/>
@@ -11255,16 +12126,720 @@
           <a:p>
             <a:pPr algn="ctr"/>
             <a:r>
-              <a:rPr kumimoji="1" lang="ko-KR" altLang="en-US" smtClean="0">
-                <a:solidFill>
-                  <a:schemeClr val="bg1"/>
-                </a:solidFill>
-              </a:rPr>
-              <a:t>이동</a:t>
+              <a:rPr kumimoji="1" lang="en-US" altLang="ko-KR" dirty="0">
+                <a:solidFill>
+                  <a:schemeClr val="bg1"/>
+                </a:solidFill>
+              </a:rPr>
+              <a:t>Script </a:t>
+            </a:r>
+            <a:r>
+              <a:rPr kumimoji="1" lang="ko-KR" altLang="en-US" dirty="0">
+                <a:solidFill>
+                  <a:schemeClr val="bg1"/>
+                </a:solidFill>
+              </a:rPr>
+              <a:t>기능 연동</a:t>
+            </a:r>
+          </a:p>
+        </p:txBody>
+      </p:sp>
+      <p:sp>
+        <p:nvSpPr>
+          <p:cNvPr id="19" name="모서리가 둥근 직사각형 42"/>
+          <p:cNvSpPr/>
+          <p:nvPr/>
+        </p:nvSpPr>
+        <p:spPr>
+          <a:xfrm>
+            <a:off x="3956833" y="2227945"/>
+            <a:ext cx="1985195" cy="563163"/>
+          </a:xfrm>
+          <a:prstGeom prst="roundRect">
+            <a:avLst/>
+          </a:prstGeom>
+          <a:solidFill>
+            <a:schemeClr val="bg1">
+              <a:lumMod val="50000"/>
+            </a:schemeClr>
+          </a:solidFill>
+          <a:ln>
+            <a:noFill/>
+          </a:ln>
+        </p:spPr>
+        <p:style>
+          <a:lnRef idx="2">
+            <a:schemeClr val="accent1">
+              <a:shade val="50000"/>
+            </a:schemeClr>
+          </a:lnRef>
+          <a:fillRef idx="1">
+            <a:schemeClr val="accent1"/>
+          </a:fillRef>
+          <a:effectRef idx="0">
+            <a:schemeClr val="accent1"/>
+          </a:effectRef>
+          <a:fontRef idx="minor">
+            <a:schemeClr val="lt1"/>
+          </a:fontRef>
+        </p:style>
+        <p:txBody>
+          <a:bodyPr rtlCol="0" anchor="ctr"/>
+          <a:lstStyle/>
+          <a:p>
+            <a:pPr algn="ctr"/>
+            <a:r>
+              <a:rPr kumimoji="1" lang="ko-KR" altLang="en-US" sz="1600" dirty="0" err="1">
+                <a:solidFill>
+                  <a:schemeClr val="bg1"/>
+                </a:solidFill>
+              </a:rPr>
+              <a:t>패킷통신</a:t>
+            </a:r>
+            <a:r>
+              <a:rPr kumimoji="1" lang="ko-KR" altLang="en-US" sz="1600" dirty="0">
+                <a:solidFill>
+                  <a:schemeClr val="bg1"/>
+                </a:solidFill>
+              </a:rPr>
+              <a:t> 테스트</a:t>
+            </a:r>
+            <a:endParaRPr kumimoji="1" lang="en-US" altLang="ko-KR" sz="1600" dirty="0">
+              <a:solidFill>
+                <a:schemeClr val="bg1"/>
+              </a:solidFill>
+            </a:endParaRPr>
+          </a:p>
+          <a:p>
+            <a:pPr algn="ctr"/>
+            <a:r>
+              <a:rPr kumimoji="1" lang="ko-KR" altLang="en-US" sz="1600" dirty="0">
+                <a:solidFill>
+                  <a:schemeClr val="bg1"/>
+                </a:solidFill>
+              </a:rPr>
+              <a:t>및 최적화 진행</a:t>
+            </a:r>
+          </a:p>
+        </p:txBody>
+      </p:sp>
+      <p:sp>
+        <p:nvSpPr>
+          <p:cNvPr id="20" name="모서리가 둥근 직사각형 42"/>
+          <p:cNvSpPr/>
+          <p:nvPr/>
+        </p:nvSpPr>
+        <p:spPr>
+          <a:xfrm>
+            <a:off x="6264461" y="3776204"/>
+            <a:ext cx="1985194" cy="563163"/>
+          </a:xfrm>
+          <a:prstGeom prst="roundRect">
+            <a:avLst/>
+          </a:prstGeom>
+          <a:solidFill>
+            <a:schemeClr val="bg1">
+              <a:lumMod val="50000"/>
+            </a:schemeClr>
+          </a:solidFill>
+          <a:ln>
+            <a:noFill/>
+          </a:ln>
+        </p:spPr>
+        <p:style>
+          <a:lnRef idx="2">
+            <a:schemeClr val="accent1">
+              <a:shade val="50000"/>
+            </a:schemeClr>
+          </a:lnRef>
+          <a:fillRef idx="1">
+            <a:schemeClr val="accent1"/>
+          </a:fillRef>
+          <a:effectRef idx="0">
+            <a:schemeClr val="accent1"/>
+          </a:effectRef>
+          <a:fontRef idx="minor">
+            <a:schemeClr val="lt1"/>
+          </a:fontRef>
+        </p:style>
+        <p:txBody>
+          <a:bodyPr rtlCol="0" anchor="ctr"/>
+          <a:lstStyle/>
+          <a:p>
+            <a:pPr algn="ctr"/>
+            <a:r>
+              <a:rPr kumimoji="1" lang="en-US" altLang="ko-KR" dirty="0">
+                <a:solidFill>
+                  <a:schemeClr val="bg1"/>
+                </a:solidFill>
+              </a:rPr>
+              <a:t>DB </a:t>
+            </a:r>
+            <a:r>
+              <a:rPr kumimoji="1" lang="ko-KR" altLang="en-US" dirty="0">
+                <a:solidFill>
+                  <a:schemeClr val="bg1"/>
+                </a:solidFill>
+              </a:rPr>
+              <a:t>기능</a:t>
+            </a:r>
+            <a:endParaRPr kumimoji="1" lang="en-US" altLang="ko-KR" dirty="0">
+              <a:solidFill>
+                <a:schemeClr val="bg1"/>
+              </a:solidFill>
+            </a:endParaRPr>
+          </a:p>
+          <a:p>
+            <a:pPr algn="ctr"/>
+            <a:r>
+              <a:rPr kumimoji="1" lang="ko-KR" altLang="en-US" dirty="0">
+                <a:solidFill>
+                  <a:schemeClr val="bg1"/>
+                </a:solidFill>
+              </a:rPr>
+              <a:t>테스트</a:t>
+            </a:r>
+          </a:p>
+        </p:txBody>
+      </p:sp>
+      <p:sp>
+        <p:nvSpPr>
+          <p:cNvPr id="21" name="모서리가 둥근 직사각형 42"/>
+          <p:cNvSpPr/>
+          <p:nvPr/>
+        </p:nvSpPr>
+        <p:spPr>
+          <a:xfrm>
+            <a:off x="8733301" y="4491767"/>
+            <a:ext cx="1823980" cy="563163"/>
+          </a:xfrm>
+          <a:prstGeom prst="roundRect">
+            <a:avLst/>
+          </a:prstGeom>
+          <a:solidFill>
+            <a:schemeClr val="bg1">
+              <a:lumMod val="50000"/>
+            </a:schemeClr>
+          </a:solidFill>
+          <a:ln>
+            <a:noFill/>
+          </a:ln>
+        </p:spPr>
+        <p:style>
+          <a:lnRef idx="2">
+            <a:schemeClr val="accent1">
+              <a:shade val="50000"/>
+            </a:schemeClr>
+          </a:lnRef>
+          <a:fillRef idx="1">
+            <a:schemeClr val="accent1"/>
+          </a:fillRef>
+          <a:effectRef idx="0">
+            <a:schemeClr val="accent1"/>
+          </a:effectRef>
+          <a:fontRef idx="minor">
+            <a:schemeClr val="lt1"/>
+          </a:fontRef>
+        </p:style>
+        <p:txBody>
+          <a:bodyPr rtlCol="0" anchor="ctr"/>
+          <a:lstStyle/>
+          <a:p>
+            <a:pPr algn="ctr"/>
+            <a:r>
+              <a:rPr kumimoji="1" lang="en-US" altLang="ko-KR" dirty="0">
+                <a:solidFill>
+                  <a:schemeClr val="bg1"/>
+                </a:solidFill>
+              </a:rPr>
+              <a:t>Script </a:t>
+            </a:r>
+            <a:r>
+              <a:rPr kumimoji="1" lang="ko-KR" altLang="en-US" dirty="0">
+                <a:solidFill>
+                  <a:schemeClr val="bg1"/>
+                </a:solidFill>
+              </a:rPr>
+              <a:t>기능</a:t>
+            </a:r>
+            <a:endParaRPr kumimoji="1" lang="en-US" altLang="ko-KR" dirty="0">
+              <a:solidFill>
+                <a:schemeClr val="bg1"/>
+              </a:solidFill>
+            </a:endParaRPr>
+          </a:p>
+          <a:p>
+            <a:pPr algn="ctr"/>
+            <a:r>
+              <a:rPr kumimoji="1" lang="ko-KR" altLang="en-US" dirty="0">
+                <a:solidFill>
+                  <a:schemeClr val="bg1"/>
+                </a:solidFill>
+              </a:rPr>
+              <a:t>테스트</a:t>
+            </a:r>
+          </a:p>
+        </p:txBody>
+      </p:sp>
+      <p:sp>
+        <p:nvSpPr>
+          <p:cNvPr id="22" name="모서리가 둥근 직사각형 42"/>
+          <p:cNvSpPr/>
+          <p:nvPr/>
+        </p:nvSpPr>
+        <p:spPr>
+          <a:xfrm>
+            <a:off x="5110647" y="5324464"/>
+            <a:ext cx="5446634" cy="563163"/>
+          </a:xfrm>
+          <a:prstGeom prst="roundRect">
+            <a:avLst/>
+          </a:prstGeom>
+          <a:solidFill>
+            <a:schemeClr val="bg1">
+              <a:lumMod val="50000"/>
+            </a:schemeClr>
+          </a:solidFill>
+          <a:ln>
+            <a:noFill/>
+          </a:ln>
+        </p:spPr>
+        <p:style>
+          <a:lnRef idx="2">
+            <a:schemeClr val="accent1">
+              <a:shade val="50000"/>
+            </a:schemeClr>
+          </a:lnRef>
+          <a:fillRef idx="1">
+            <a:schemeClr val="accent1"/>
+          </a:fillRef>
+          <a:effectRef idx="0">
+            <a:schemeClr val="accent1"/>
+          </a:effectRef>
+          <a:fontRef idx="minor">
+            <a:schemeClr val="lt1"/>
+          </a:fontRef>
+        </p:style>
+        <p:txBody>
+          <a:bodyPr rtlCol="0" anchor="ctr"/>
+          <a:lstStyle/>
+          <a:p>
+            <a:pPr algn="ctr"/>
+            <a:r>
+              <a:rPr kumimoji="1" lang="ko-KR" altLang="en-US" dirty="0">
+                <a:solidFill>
+                  <a:schemeClr val="bg1"/>
+                </a:solidFill>
+              </a:rPr>
+              <a:t>필요한 </a:t>
+            </a:r>
+            <a:r>
+              <a:rPr kumimoji="1" lang="en-US" altLang="ko-KR" dirty="0">
+                <a:solidFill>
+                  <a:schemeClr val="bg1"/>
+                </a:solidFill>
+              </a:rPr>
+              <a:t>AI </a:t>
+            </a:r>
+            <a:r>
+              <a:rPr kumimoji="1" lang="ko-KR" altLang="en-US" dirty="0">
+                <a:solidFill>
+                  <a:schemeClr val="bg1"/>
+                </a:solidFill>
+              </a:rPr>
+              <a:t>기능 구현 및 테스트</a:t>
+            </a:r>
+          </a:p>
+        </p:txBody>
+      </p:sp>
+      <p:sp>
+        <p:nvSpPr>
+          <p:cNvPr id="23" name="모서리가 둥근 직사각형 42"/>
+          <p:cNvSpPr/>
+          <p:nvPr/>
+        </p:nvSpPr>
+        <p:spPr>
+          <a:xfrm>
+            <a:off x="9725899" y="2200339"/>
+            <a:ext cx="1985195" cy="563163"/>
+          </a:xfrm>
+          <a:prstGeom prst="roundRect">
+            <a:avLst/>
+          </a:prstGeom>
+          <a:solidFill>
+            <a:schemeClr val="bg1">
+              <a:lumMod val="50000"/>
+            </a:schemeClr>
+          </a:solidFill>
+          <a:ln>
+            <a:noFill/>
+          </a:ln>
+        </p:spPr>
+        <p:style>
+          <a:lnRef idx="2">
+            <a:schemeClr val="accent1">
+              <a:shade val="50000"/>
+            </a:schemeClr>
+          </a:lnRef>
+          <a:fillRef idx="1">
+            <a:schemeClr val="accent1"/>
+          </a:fillRef>
+          <a:effectRef idx="0">
+            <a:schemeClr val="accent1"/>
+          </a:effectRef>
+          <a:fontRef idx="minor">
+            <a:schemeClr val="lt1"/>
+          </a:fontRef>
+        </p:style>
+        <p:txBody>
+          <a:bodyPr rtlCol="0" anchor="ctr"/>
+          <a:lstStyle/>
+          <a:p>
+            <a:pPr algn="ctr"/>
+            <a:r>
+              <a:rPr kumimoji="1" lang="ko-KR" altLang="en-US" dirty="0">
+                <a:solidFill>
+                  <a:schemeClr val="bg1"/>
+                </a:solidFill>
+              </a:rPr>
+              <a:t>최종 마무리</a:t>
+            </a:r>
+          </a:p>
+        </p:txBody>
+      </p:sp>
+      <p:sp>
+        <p:nvSpPr>
+          <p:cNvPr id="24" name="모서리가 둥근 직사각형 23"/>
+          <p:cNvSpPr/>
+          <p:nvPr/>
+        </p:nvSpPr>
+        <p:spPr>
+          <a:xfrm>
+            <a:off x="7418273" y="1369837"/>
+            <a:ext cx="831382" cy="563162"/>
+          </a:xfrm>
+          <a:prstGeom prst="roundRect">
+            <a:avLst/>
+          </a:prstGeom>
+          <a:solidFill>
+            <a:srgbClr val="FFC000"/>
+          </a:solidFill>
+          <a:ln>
+            <a:noFill/>
+          </a:ln>
+        </p:spPr>
+        <p:style>
+          <a:lnRef idx="2">
+            <a:schemeClr val="accent1">
+              <a:shade val="50000"/>
+            </a:schemeClr>
+          </a:lnRef>
+          <a:fillRef idx="1">
+            <a:schemeClr val="accent1"/>
+          </a:fillRef>
+          <a:effectRef idx="0">
+            <a:schemeClr val="accent1"/>
+          </a:effectRef>
+          <a:fontRef idx="minor">
+            <a:schemeClr val="lt1"/>
+          </a:fontRef>
+        </p:style>
+        <p:txBody>
+          <a:bodyPr rtlCol="0" anchor="ctr"/>
+          <a:lstStyle/>
+          <a:p>
+            <a:pPr algn="ctr"/>
+            <a:r>
+              <a:rPr kumimoji="1" lang="en-US" altLang="ko-KR" sz="2400" dirty="0" smtClean="0">
+                <a:solidFill>
+                  <a:schemeClr val="tx1"/>
+                </a:solidFill>
+              </a:rPr>
+              <a:t>5</a:t>
+            </a:r>
+            <a:endParaRPr kumimoji="1" lang="ko-KR" altLang="en-US" sz="2400" dirty="0">
+              <a:solidFill>
+                <a:schemeClr val="tx1"/>
+              </a:solidFill>
+            </a:endParaRPr>
+          </a:p>
+        </p:txBody>
+      </p:sp>
+      <p:sp>
+        <p:nvSpPr>
+          <p:cNvPr id="25" name="모서리가 둥근 직사각형 24"/>
+          <p:cNvSpPr/>
+          <p:nvPr/>
+        </p:nvSpPr>
+        <p:spPr>
+          <a:xfrm>
+            <a:off x="10879710" y="1369837"/>
+            <a:ext cx="831382" cy="563162"/>
+          </a:xfrm>
+          <a:prstGeom prst="roundRect">
+            <a:avLst/>
+          </a:prstGeom>
+          <a:solidFill>
+            <a:srgbClr val="FF0000"/>
+          </a:solidFill>
+          <a:ln>
+            <a:noFill/>
+          </a:ln>
+        </p:spPr>
+        <p:style>
+          <a:lnRef idx="2">
+            <a:schemeClr val="accent1">
+              <a:shade val="50000"/>
+            </a:schemeClr>
+          </a:lnRef>
+          <a:fillRef idx="1">
+            <a:schemeClr val="accent1"/>
+          </a:fillRef>
+          <a:effectRef idx="0">
+            <a:schemeClr val="accent1"/>
+          </a:effectRef>
+          <a:fontRef idx="minor">
+            <a:schemeClr val="lt1"/>
+          </a:fontRef>
+        </p:style>
+        <p:txBody>
+          <a:bodyPr rtlCol="0" anchor="ctr"/>
+          <a:lstStyle/>
+          <a:p>
+            <a:pPr algn="ctr"/>
+            <a:r>
+              <a:rPr kumimoji="1" lang="en-US" altLang="ko-KR" sz="2400" dirty="0" smtClean="0">
+                <a:solidFill>
+                  <a:schemeClr val="bg1"/>
+                </a:solidFill>
+              </a:rPr>
+              <a:t>8</a:t>
+            </a:r>
+            <a:endParaRPr kumimoji="1" lang="ko-KR" altLang="en-US" sz="2400" dirty="0">
+              <a:solidFill>
+                <a:schemeClr val="bg1"/>
+              </a:solidFill>
+            </a:endParaRPr>
+          </a:p>
+        </p:txBody>
+      </p:sp>
+      <p:sp>
+        <p:nvSpPr>
+          <p:cNvPr id="26" name="모서리가 둥근 직사각형 25"/>
+          <p:cNvSpPr/>
+          <p:nvPr/>
+        </p:nvSpPr>
+        <p:spPr>
+          <a:xfrm>
+            <a:off x="495395" y="1369836"/>
+            <a:ext cx="831382" cy="563163"/>
+          </a:xfrm>
+          <a:prstGeom prst="roundRect">
+            <a:avLst/>
+          </a:prstGeom>
+          <a:solidFill>
+            <a:schemeClr val="bg1"/>
+          </a:solidFill>
+          <a:ln>
+            <a:noFill/>
+          </a:ln>
+        </p:spPr>
+        <p:style>
+          <a:lnRef idx="2">
+            <a:schemeClr val="accent1">
+              <a:shade val="50000"/>
+            </a:schemeClr>
+          </a:lnRef>
+          <a:fillRef idx="1">
+            <a:schemeClr val="accent1"/>
+          </a:fillRef>
+          <a:effectRef idx="0">
+            <a:schemeClr val="accent1"/>
+          </a:effectRef>
+          <a:fontRef idx="minor">
+            <a:schemeClr val="lt1"/>
+          </a:fontRef>
+        </p:style>
+        <p:txBody>
+          <a:bodyPr rtlCol="0" anchor="ctr"/>
+          <a:lstStyle/>
+          <a:p>
+            <a:pPr algn="ctr"/>
+            <a:r>
+              <a:rPr kumimoji="1" lang="en-US" altLang="ko-KR" dirty="0" smtClean="0">
+                <a:solidFill>
+                  <a:schemeClr val="tx1"/>
+                </a:solidFill>
+              </a:rPr>
+              <a:t>16</a:t>
+            </a:r>
+            <a:r>
+              <a:rPr kumimoji="1" lang="ko-KR" altLang="en-US" dirty="0" smtClean="0">
+                <a:solidFill>
+                  <a:schemeClr val="tx1"/>
+                </a:solidFill>
+              </a:rPr>
+              <a:t>년</a:t>
+            </a:r>
+            <a:endParaRPr kumimoji="1" lang="en-US" altLang="ko-KR" dirty="0" smtClean="0">
+              <a:solidFill>
+                <a:schemeClr val="tx1"/>
+              </a:solidFill>
+            </a:endParaRPr>
+          </a:p>
+          <a:p>
+            <a:pPr algn="ctr"/>
+            <a:r>
+              <a:rPr kumimoji="1" lang="en-US" altLang="ko-KR" dirty="0" smtClean="0">
+                <a:solidFill>
+                  <a:schemeClr val="tx1"/>
+                </a:solidFill>
+              </a:rPr>
+              <a:t>11</a:t>
             </a:r>
             <a:endParaRPr kumimoji="1" lang="ko-KR" altLang="en-US" dirty="0">
               <a:solidFill>
-                <a:schemeClr val="bg1"/>
+                <a:schemeClr val="tx1"/>
+              </a:solidFill>
+            </a:endParaRPr>
+          </a:p>
+        </p:txBody>
+      </p:sp>
+      <p:sp>
+        <p:nvSpPr>
+          <p:cNvPr id="27" name="모서리가 둥근 직사각형 26"/>
+          <p:cNvSpPr/>
+          <p:nvPr/>
+        </p:nvSpPr>
+        <p:spPr>
+          <a:xfrm>
+            <a:off x="1649208" y="1369836"/>
+            <a:ext cx="831382" cy="563163"/>
+          </a:xfrm>
+          <a:prstGeom prst="roundRect">
+            <a:avLst/>
+          </a:prstGeom>
+          <a:solidFill>
+            <a:schemeClr val="bg1"/>
+          </a:solidFill>
+          <a:ln>
+            <a:noFill/>
+          </a:ln>
+        </p:spPr>
+        <p:style>
+          <a:lnRef idx="2">
+            <a:schemeClr val="accent1">
+              <a:shade val="50000"/>
+            </a:schemeClr>
+          </a:lnRef>
+          <a:fillRef idx="1">
+            <a:schemeClr val="accent1"/>
+          </a:fillRef>
+          <a:effectRef idx="0">
+            <a:schemeClr val="accent1"/>
+          </a:effectRef>
+          <a:fontRef idx="minor">
+            <a:schemeClr val="lt1"/>
+          </a:fontRef>
+        </p:style>
+        <p:txBody>
+          <a:bodyPr rtlCol="0" anchor="ctr"/>
+          <a:lstStyle/>
+          <a:p>
+            <a:pPr algn="ctr"/>
+            <a:r>
+              <a:rPr kumimoji="1" lang="en-US" altLang="ko-KR" sz="2400" dirty="0" smtClean="0">
+                <a:solidFill>
+                  <a:schemeClr val="tx1"/>
+                </a:solidFill>
+              </a:rPr>
+              <a:t>12</a:t>
+            </a:r>
+            <a:endParaRPr kumimoji="1" lang="ko-KR" altLang="en-US" sz="2400" dirty="0">
+              <a:solidFill>
+                <a:schemeClr val="tx1"/>
+              </a:solidFill>
+            </a:endParaRPr>
+          </a:p>
+        </p:txBody>
+      </p:sp>
+      <p:sp>
+        <p:nvSpPr>
+          <p:cNvPr id="28" name="모서리가 둥근 직사각형 27"/>
+          <p:cNvSpPr/>
+          <p:nvPr/>
+        </p:nvSpPr>
+        <p:spPr>
+          <a:xfrm>
+            <a:off x="2803021" y="1369836"/>
+            <a:ext cx="831382" cy="563163"/>
+          </a:xfrm>
+          <a:prstGeom prst="roundRect">
+            <a:avLst/>
+          </a:prstGeom>
+          <a:solidFill>
+            <a:schemeClr val="bg1"/>
+          </a:solidFill>
+          <a:ln>
+            <a:noFill/>
+          </a:ln>
+        </p:spPr>
+        <p:style>
+          <a:lnRef idx="2">
+            <a:schemeClr val="accent1">
+              <a:shade val="50000"/>
+            </a:schemeClr>
+          </a:lnRef>
+          <a:fillRef idx="1">
+            <a:schemeClr val="accent1"/>
+          </a:fillRef>
+          <a:effectRef idx="0">
+            <a:schemeClr val="accent1"/>
+          </a:effectRef>
+          <a:fontRef idx="minor">
+            <a:schemeClr val="lt1"/>
+          </a:fontRef>
+        </p:style>
+        <p:txBody>
+          <a:bodyPr rtlCol="0" anchor="ctr"/>
+          <a:lstStyle/>
+          <a:p>
+            <a:pPr algn="ctr"/>
+            <a:r>
+              <a:rPr kumimoji="1" lang="en-US" altLang="ko-KR" dirty="0" smtClean="0">
+                <a:solidFill>
+                  <a:schemeClr val="tx1"/>
+                </a:solidFill>
+              </a:rPr>
+              <a:t>17</a:t>
+            </a:r>
+            <a:r>
+              <a:rPr kumimoji="1" lang="ko-KR" altLang="en-US" dirty="0" smtClean="0">
+                <a:solidFill>
+                  <a:schemeClr val="tx1"/>
+                </a:solidFill>
+              </a:rPr>
+              <a:t>년</a:t>
+            </a:r>
+            <a:endParaRPr kumimoji="1" lang="en-US" altLang="ko-KR" dirty="0" smtClean="0">
+              <a:solidFill>
+                <a:schemeClr val="tx1"/>
+              </a:solidFill>
+            </a:endParaRPr>
+          </a:p>
+          <a:p>
+            <a:pPr algn="ctr"/>
+            <a:r>
+              <a:rPr kumimoji="1" lang="en-US" altLang="ko-KR" dirty="0" smtClean="0">
+                <a:solidFill>
+                  <a:schemeClr val="tx1"/>
+                </a:solidFill>
+              </a:rPr>
+              <a:t>1</a:t>
+            </a:r>
+            <a:endParaRPr kumimoji="1" lang="ko-KR" altLang="en-US" dirty="0">
+              <a:solidFill>
+                <a:schemeClr val="tx1"/>
               </a:solidFill>
             </a:endParaRPr>
           </a:p>
@@ -11273,7 +12848,7 @@
     </p:spTree>
     <p:extLst>
       <p:ext uri="{BB962C8B-B14F-4D97-AF65-F5344CB8AC3E}">
-        <p14:creationId xmlns:p14="http://schemas.microsoft.com/office/powerpoint/2010/main" val="516771458"/>
+        <p14:creationId xmlns:p14="http://schemas.microsoft.com/office/powerpoint/2010/main" val="1378894327"/>
       </p:ext>
     </p:extLst>
   </p:cSld>
@@ -11315,7 +12890,7 @@
         </p:nvSpPr>
         <p:spPr>
           <a:xfrm>
-            <a:off x="0" y="33943"/>
+            <a:off x="0" y="64423"/>
             <a:ext cx="12192000" cy="6863140"/>
           </a:xfrm>
           <a:prstGeom prst="rect">
@@ -11392,13 +12967,59 @@
       </p:cxnSp>
       <p:sp>
         <p:nvSpPr>
-          <p:cNvPr id="7" name="모서리가 둥근 직사각형 6"/>
+          <p:cNvPr id="15" name="텍스트 상자 14"/>
+          <p:cNvSpPr txBox="1"/>
+          <p:nvPr/>
+        </p:nvSpPr>
+        <p:spPr>
+          <a:xfrm>
+            <a:off x="268941" y="333127"/>
+            <a:ext cx="3031599" cy="707886"/>
+          </a:xfrm>
+          <a:prstGeom prst="rect">
+            <a:avLst/>
+          </a:prstGeom>
+          <a:noFill/>
+        </p:spPr>
+        <p:txBody>
+          <a:bodyPr wrap="none" rtlCol="0">
+            <a:spAutoFit/>
+          </a:bodyPr>
+          <a:lstStyle/>
+          <a:p>
+            <a:r>
+              <a:rPr kumimoji="1" lang="ko-KR" altLang="en-US" sz="4000" dirty="0" smtClean="0">
+                <a:solidFill>
+                  <a:schemeClr val="bg1"/>
+                </a:solidFill>
+              </a:rPr>
+              <a:t>클라이언트</a:t>
+            </a:r>
+            <a:r>
+              <a:rPr kumimoji="1" lang="en-US" altLang="ko-KR" sz="4000" dirty="0" smtClean="0">
+                <a:solidFill>
+                  <a:schemeClr val="bg1"/>
+                </a:solidFill>
+              </a:rPr>
+              <a:t>1</a:t>
+            </a:r>
+            <a:endParaRPr kumimoji="1" lang="ko-KR" altLang="en-US" sz="4000" dirty="0">
+              <a:solidFill>
+                <a:schemeClr val="bg1"/>
+              </a:solidFill>
+            </a:endParaRPr>
+          </a:p>
+        </p:txBody>
+      </p:sp>
+      <p:sp>
+        <p:nvSpPr>
+          <p:cNvPr id="33" name="모서리가 둥근 직사각형 32"/>
           <p:cNvSpPr/>
           <p:nvPr/>
         </p:nvSpPr>
         <p:spPr>
           <a:xfrm>
-            <a:off x="495395" y="1369836"/>
+            <a:off x="3956834" y="1369836"/>
             <a:ext cx="831382" cy="563163"/>
           </a:xfrm>
           <a:prstGeom prst="roundRect">
@@ -11438,7 +13059,7 @@
                   <a:schemeClr val="tx1"/>
                 </a:solidFill>
               </a:rPr>
-              <a:t>11</a:t>
+              <a:t>2</a:t>
             </a:r>
             <a:endParaRPr kumimoji="1" lang="ko-KR" altLang="en-US" sz="2400" dirty="0">
               <a:solidFill>
@@ -11450,52 +13071,14 @@
       </p:sp>
       <p:sp>
         <p:nvSpPr>
-          <p:cNvPr id="15" name="텍스트 상자 14"/>
-          <p:cNvSpPr txBox="1"/>
-          <p:nvPr/>
-        </p:nvSpPr>
-        <p:spPr>
-          <a:xfrm>
-            <a:off x="268941" y="333127"/>
-            <a:ext cx="1210588" cy="707886"/>
-          </a:xfrm>
-          <a:prstGeom prst="rect">
-            <a:avLst/>
-          </a:prstGeom>
-          <a:noFill/>
-        </p:spPr>
-        <p:txBody>
-          <a:bodyPr wrap="none" rtlCol="0">
-            <a:spAutoFit/>
-          </a:bodyPr>
-          <a:lstStyle/>
-          <a:p>
-            <a:r>
-              <a:rPr kumimoji="1" lang="ko-KR" altLang="en-US" sz="4000" dirty="0" smtClean="0">
-                <a:solidFill>
-                  <a:schemeClr val="bg1"/>
-                </a:solidFill>
-              </a:rPr>
-              <a:t>서버</a:t>
-            </a:r>
-            <a:endParaRPr kumimoji="1" lang="ko-KR" altLang="en-US" sz="4000" dirty="0">
-              <a:solidFill>
-                <a:schemeClr val="bg1"/>
-              </a:solidFill>
-            </a:endParaRPr>
-          </a:p>
-        </p:txBody>
-      </p:sp>
-      <p:sp>
-        <p:nvSpPr>
-          <p:cNvPr id="30" name="모서리가 둥근 직사각형 29"/>
+          <p:cNvPr id="34" name="모서리가 둥근 직사각형 33"/>
           <p:cNvSpPr/>
           <p:nvPr/>
         </p:nvSpPr>
         <p:spPr>
           <a:xfrm>
-            <a:off x="1649208" y="1369836"/>
-            <a:ext cx="831382" cy="563163"/>
+            <a:off x="5110647" y="1369837"/>
+            <a:ext cx="831382" cy="563162"/>
           </a:xfrm>
           <a:prstGeom prst="roundRect">
             <a:avLst/>
@@ -11534,7 +13117,7 @@
                   <a:schemeClr val="tx1"/>
                 </a:solidFill>
               </a:rPr>
-              <a:t>12</a:t>
+              <a:t>3</a:t>
             </a:r>
             <a:endParaRPr kumimoji="1" lang="ko-KR" altLang="en-US" sz="2400" dirty="0">
               <a:solidFill>
@@ -11546,14 +13129,14 @@
       </p:sp>
       <p:sp>
         <p:nvSpPr>
-          <p:cNvPr id="31" name="모서리가 둥근 직사각형 30"/>
+          <p:cNvPr id="35" name="모서리가 둥근 직사각형 34"/>
           <p:cNvSpPr/>
           <p:nvPr/>
         </p:nvSpPr>
         <p:spPr>
           <a:xfrm>
-            <a:off x="2803021" y="1369836"/>
-            <a:ext cx="831382" cy="563163"/>
+            <a:off x="6264460" y="1369837"/>
+            <a:ext cx="831382" cy="563162"/>
           </a:xfrm>
           <a:prstGeom prst="roundRect">
             <a:avLst/>
@@ -11592,7 +13175,7 @@
                   <a:schemeClr val="tx1"/>
                 </a:solidFill>
               </a:rPr>
-              <a:t>1</a:t>
+              <a:t>4</a:t>
             </a:r>
             <a:endParaRPr kumimoji="1" lang="ko-KR" altLang="en-US" sz="2400" dirty="0">
               <a:solidFill>
@@ -11604,14 +13187,14 @@
       </p:sp>
       <p:sp>
         <p:nvSpPr>
-          <p:cNvPr id="33" name="모서리가 둥근 직사각형 32"/>
+          <p:cNvPr id="37" name="모서리가 둥근 직사각형 36"/>
           <p:cNvSpPr/>
           <p:nvPr/>
         </p:nvSpPr>
         <p:spPr>
           <a:xfrm>
-            <a:off x="3956834" y="1369836"/>
-            <a:ext cx="831382" cy="563163"/>
+            <a:off x="8572086" y="1369837"/>
+            <a:ext cx="831382" cy="563162"/>
           </a:xfrm>
           <a:prstGeom prst="roundRect">
             <a:avLst/>
@@ -11650,7 +13233,7 @@
                   <a:schemeClr val="tx1"/>
                 </a:solidFill>
               </a:rPr>
-              <a:t>2</a:t>
+              <a:t>6</a:t>
             </a:r>
             <a:endParaRPr kumimoji="1" lang="ko-KR" altLang="en-US" sz="2400" dirty="0">
               <a:solidFill>
@@ -11662,13 +13245,13 @@
       </p:sp>
       <p:sp>
         <p:nvSpPr>
-          <p:cNvPr id="34" name="모서리가 둥근 직사각형 33"/>
+          <p:cNvPr id="38" name="모서리가 둥근 직사각형 37"/>
           <p:cNvSpPr/>
           <p:nvPr/>
         </p:nvSpPr>
         <p:spPr>
           <a:xfrm>
-            <a:off x="5110647" y="1369837"/>
+            <a:off x="9725899" y="1369837"/>
             <a:ext cx="831382" cy="563162"/>
           </a:xfrm>
           <a:prstGeom prst="roundRect">
@@ -11708,297 +13291,7 @@
                   <a:schemeClr val="tx1"/>
                 </a:solidFill>
               </a:rPr>
-              <a:t>3</a:t>
-            </a:r>
-            <a:endParaRPr kumimoji="1" lang="ko-KR" altLang="en-US" sz="2400" dirty="0">
-              <a:solidFill>
-                <a:schemeClr val="tx1"/>
-              </a:solidFill>
-            </a:endParaRPr>
-          </a:p>
-        </p:txBody>
-      </p:sp>
-      <p:sp>
-        <p:nvSpPr>
-          <p:cNvPr id="35" name="모서리가 둥근 직사각형 34"/>
-          <p:cNvSpPr/>
-          <p:nvPr/>
-        </p:nvSpPr>
-        <p:spPr>
-          <a:xfrm>
-            <a:off x="6264460" y="1369837"/>
-            <a:ext cx="831382" cy="563162"/>
-          </a:xfrm>
-          <a:prstGeom prst="roundRect">
-            <a:avLst/>
-          </a:prstGeom>
-          <a:solidFill>
-            <a:schemeClr val="bg1"/>
-          </a:solidFill>
-          <a:ln>
-            <a:noFill/>
-          </a:ln>
-        </p:spPr>
-        <p:style>
-          <a:lnRef idx="2">
-            <a:schemeClr val="accent1">
-              <a:shade val="50000"/>
-            </a:schemeClr>
-          </a:lnRef>
-          <a:fillRef idx="1">
-            <a:schemeClr val="accent1"/>
-          </a:fillRef>
-          <a:effectRef idx="0">
-            <a:schemeClr val="accent1"/>
-          </a:effectRef>
-          <a:fontRef idx="minor">
-            <a:schemeClr val="lt1"/>
-          </a:fontRef>
-        </p:style>
-        <p:txBody>
-          <a:bodyPr rtlCol="0" anchor="ctr"/>
-          <a:lstStyle/>
-          <a:p>
-            <a:pPr algn="ctr"/>
-            <a:r>
-              <a:rPr kumimoji="1" lang="en-US" altLang="ko-KR" sz="2400" dirty="0" smtClean="0">
-                <a:solidFill>
-                  <a:schemeClr val="tx1"/>
-                </a:solidFill>
-              </a:rPr>
-              <a:t>4</a:t>
-            </a:r>
-            <a:endParaRPr kumimoji="1" lang="ko-KR" altLang="en-US" sz="2400" dirty="0">
-              <a:solidFill>
-                <a:schemeClr val="tx1"/>
-              </a:solidFill>
-            </a:endParaRPr>
-          </a:p>
-        </p:txBody>
-      </p:sp>
-      <p:sp>
-        <p:nvSpPr>
-          <p:cNvPr id="36" name="모서리가 둥근 직사각형 35"/>
-          <p:cNvSpPr/>
-          <p:nvPr/>
-        </p:nvSpPr>
-        <p:spPr>
-          <a:xfrm>
-            <a:off x="7418273" y="1369837"/>
-            <a:ext cx="831382" cy="563162"/>
-          </a:xfrm>
-          <a:prstGeom prst="roundRect">
-            <a:avLst/>
-          </a:prstGeom>
-          <a:solidFill>
-            <a:schemeClr val="bg1"/>
-          </a:solidFill>
-          <a:ln>
-            <a:noFill/>
-          </a:ln>
-        </p:spPr>
-        <p:style>
-          <a:lnRef idx="2">
-            <a:schemeClr val="accent1">
-              <a:shade val="50000"/>
-            </a:schemeClr>
-          </a:lnRef>
-          <a:fillRef idx="1">
-            <a:schemeClr val="accent1"/>
-          </a:fillRef>
-          <a:effectRef idx="0">
-            <a:schemeClr val="accent1"/>
-          </a:effectRef>
-          <a:fontRef idx="minor">
-            <a:schemeClr val="lt1"/>
-          </a:fontRef>
-        </p:style>
-        <p:txBody>
-          <a:bodyPr rtlCol="0" anchor="ctr"/>
-          <a:lstStyle/>
-          <a:p>
-            <a:pPr algn="ctr"/>
-            <a:r>
-              <a:rPr kumimoji="1" lang="en-US" altLang="ko-KR" sz="2400" dirty="0" smtClean="0">
-                <a:solidFill>
-                  <a:schemeClr val="tx1"/>
-                </a:solidFill>
-              </a:rPr>
-              <a:t>5</a:t>
-            </a:r>
-            <a:endParaRPr kumimoji="1" lang="ko-KR" altLang="en-US" sz="2400" dirty="0">
-              <a:solidFill>
-                <a:schemeClr val="tx1"/>
-              </a:solidFill>
-            </a:endParaRPr>
-          </a:p>
-        </p:txBody>
-      </p:sp>
-      <p:sp>
-        <p:nvSpPr>
-          <p:cNvPr id="37" name="모서리가 둥근 직사각형 36"/>
-          <p:cNvSpPr/>
-          <p:nvPr/>
-        </p:nvSpPr>
-        <p:spPr>
-          <a:xfrm>
-            <a:off x="8572086" y="1369837"/>
-            <a:ext cx="831382" cy="563162"/>
-          </a:xfrm>
-          <a:prstGeom prst="roundRect">
-            <a:avLst/>
-          </a:prstGeom>
-          <a:solidFill>
-            <a:schemeClr val="bg1"/>
-          </a:solidFill>
-          <a:ln>
-            <a:noFill/>
-          </a:ln>
-        </p:spPr>
-        <p:style>
-          <a:lnRef idx="2">
-            <a:schemeClr val="accent1">
-              <a:shade val="50000"/>
-            </a:schemeClr>
-          </a:lnRef>
-          <a:fillRef idx="1">
-            <a:schemeClr val="accent1"/>
-          </a:fillRef>
-          <a:effectRef idx="0">
-            <a:schemeClr val="accent1"/>
-          </a:effectRef>
-          <a:fontRef idx="minor">
-            <a:schemeClr val="lt1"/>
-          </a:fontRef>
-        </p:style>
-        <p:txBody>
-          <a:bodyPr rtlCol="0" anchor="ctr"/>
-          <a:lstStyle/>
-          <a:p>
-            <a:pPr algn="ctr"/>
-            <a:r>
-              <a:rPr kumimoji="1" lang="en-US" altLang="ko-KR" sz="2400" dirty="0" smtClean="0">
-                <a:solidFill>
-                  <a:schemeClr val="tx1"/>
-                </a:solidFill>
-              </a:rPr>
-              <a:t>6</a:t>
-            </a:r>
-            <a:endParaRPr kumimoji="1" lang="ko-KR" altLang="en-US" sz="2400" dirty="0">
-              <a:solidFill>
-                <a:schemeClr val="tx1"/>
-              </a:solidFill>
-            </a:endParaRPr>
-          </a:p>
-        </p:txBody>
-      </p:sp>
-      <p:sp>
-        <p:nvSpPr>
-          <p:cNvPr id="38" name="모서리가 둥근 직사각형 37"/>
-          <p:cNvSpPr/>
-          <p:nvPr/>
-        </p:nvSpPr>
-        <p:spPr>
-          <a:xfrm>
-            <a:off x="9725899" y="1369837"/>
-            <a:ext cx="831382" cy="563162"/>
-          </a:xfrm>
-          <a:prstGeom prst="roundRect">
-            <a:avLst/>
-          </a:prstGeom>
-          <a:solidFill>
-            <a:schemeClr val="bg1"/>
-          </a:solidFill>
-          <a:ln>
-            <a:noFill/>
-          </a:ln>
-        </p:spPr>
-        <p:style>
-          <a:lnRef idx="2">
-            <a:schemeClr val="accent1">
-              <a:shade val="50000"/>
-            </a:schemeClr>
-          </a:lnRef>
-          <a:fillRef idx="1">
-            <a:schemeClr val="accent1"/>
-          </a:fillRef>
-          <a:effectRef idx="0">
-            <a:schemeClr val="accent1"/>
-          </a:effectRef>
-          <a:fontRef idx="minor">
-            <a:schemeClr val="lt1"/>
-          </a:fontRef>
-        </p:style>
-        <p:txBody>
-          <a:bodyPr rtlCol="0" anchor="ctr"/>
-          <a:lstStyle/>
-          <a:p>
-            <a:pPr algn="ctr"/>
-            <a:r>
-              <a:rPr kumimoji="1" lang="en-US" altLang="ko-KR" sz="2400" dirty="0" smtClean="0">
-                <a:solidFill>
-                  <a:schemeClr val="tx1"/>
-                </a:solidFill>
-              </a:rPr>
               <a:t>7</a:t>
-            </a:r>
-            <a:endParaRPr kumimoji="1" lang="ko-KR" altLang="en-US" sz="2400" dirty="0">
-              <a:solidFill>
-                <a:schemeClr val="tx1"/>
-              </a:solidFill>
-            </a:endParaRPr>
-          </a:p>
-        </p:txBody>
-      </p:sp>
-      <p:sp>
-        <p:nvSpPr>
-          <p:cNvPr id="39" name="모서리가 둥근 직사각형 38"/>
-          <p:cNvSpPr/>
-          <p:nvPr/>
-        </p:nvSpPr>
-        <p:spPr>
-          <a:xfrm>
-            <a:off x="10879710" y="1369837"/>
-            <a:ext cx="831382" cy="563162"/>
-          </a:xfrm>
-          <a:prstGeom prst="roundRect">
-            <a:avLst/>
-          </a:prstGeom>
-          <a:solidFill>
-            <a:schemeClr val="bg1"/>
-          </a:solidFill>
-          <a:ln>
-            <a:noFill/>
-          </a:ln>
-        </p:spPr>
-        <p:style>
-          <a:lnRef idx="2">
-            <a:schemeClr val="accent1">
-              <a:shade val="50000"/>
-            </a:schemeClr>
-          </a:lnRef>
-          <a:fillRef idx="1">
-            <a:schemeClr val="accent1"/>
-          </a:fillRef>
-          <a:effectRef idx="0">
-            <a:schemeClr val="accent1"/>
-          </a:effectRef>
-          <a:fontRef idx="minor">
-            <a:schemeClr val="lt1"/>
-          </a:fontRef>
-        </p:style>
-        <p:txBody>
-          <a:bodyPr rtlCol="0" anchor="ctr"/>
-          <a:lstStyle/>
-          <a:p>
-            <a:pPr algn="ctr"/>
-            <a:r>
-              <a:rPr kumimoji="1" lang="en-US" altLang="ko-KR" sz="2400" dirty="0" smtClean="0">
-                <a:solidFill>
-                  <a:schemeClr val="tx1"/>
-                </a:solidFill>
-              </a:rPr>
-              <a:t>8</a:t>
             </a:r>
             <a:endParaRPr kumimoji="1" lang="ko-KR" altLang="en-US" sz="2400" dirty="0">
               <a:solidFill>
@@ -12252,7 +13545,7 @@
           <a:p>
             <a:pPr algn="ctr"/>
             <a:r>
-              <a:rPr kumimoji="1" lang="ko-KR" altLang="en-US" smtClean="0">
+              <a:rPr kumimoji="1" lang="ko-KR" altLang="en-US" dirty="0" smtClean="0">
                 <a:solidFill>
                   <a:schemeClr val="bg1"/>
                 </a:solidFill>
@@ -12262,6 +13555,344 @@
             <a:endParaRPr kumimoji="1" lang="ko-KR" altLang="en-US" dirty="0">
               <a:solidFill>
                 <a:schemeClr val="bg1"/>
+              </a:solidFill>
+            </a:endParaRPr>
+          </a:p>
+        </p:txBody>
+      </p:sp>
+      <p:sp>
+        <p:nvSpPr>
+          <p:cNvPr id="19" name="모서리가 둥근 직사각형 18"/>
+          <p:cNvSpPr/>
+          <p:nvPr/>
+        </p:nvSpPr>
+        <p:spPr>
+          <a:xfrm>
+            <a:off x="7418273" y="1369837"/>
+            <a:ext cx="831382" cy="563162"/>
+          </a:xfrm>
+          <a:prstGeom prst="roundRect">
+            <a:avLst/>
+          </a:prstGeom>
+          <a:solidFill>
+            <a:srgbClr val="FFC000"/>
+          </a:solidFill>
+          <a:ln>
+            <a:noFill/>
+          </a:ln>
+        </p:spPr>
+        <p:style>
+          <a:lnRef idx="2">
+            <a:schemeClr val="accent1">
+              <a:shade val="50000"/>
+            </a:schemeClr>
+          </a:lnRef>
+          <a:fillRef idx="1">
+            <a:schemeClr val="accent1"/>
+          </a:fillRef>
+          <a:effectRef idx="0">
+            <a:schemeClr val="accent1"/>
+          </a:effectRef>
+          <a:fontRef idx="minor">
+            <a:schemeClr val="lt1"/>
+          </a:fontRef>
+        </p:style>
+        <p:txBody>
+          <a:bodyPr rtlCol="0" anchor="ctr"/>
+          <a:lstStyle/>
+          <a:p>
+            <a:pPr algn="ctr"/>
+            <a:r>
+              <a:rPr kumimoji="1" lang="en-US" altLang="ko-KR" sz="2400" dirty="0" smtClean="0">
+                <a:solidFill>
+                  <a:schemeClr val="tx1"/>
+                </a:solidFill>
+              </a:rPr>
+              <a:t>5</a:t>
+            </a:r>
+            <a:endParaRPr kumimoji="1" lang="ko-KR" altLang="en-US" sz="2400" dirty="0">
+              <a:solidFill>
+                <a:schemeClr val="tx1"/>
+              </a:solidFill>
+            </a:endParaRPr>
+          </a:p>
+        </p:txBody>
+      </p:sp>
+      <p:sp>
+        <p:nvSpPr>
+          <p:cNvPr id="20" name="모서리가 둥근 직사각형 19"/>
+          <p:cNvSpPr/>
+          <p:nvPr/>
+        </p:nvSpPr>
+        <p:spPr>
+          <a:xfrm>
+            <a:off x="10879710" y="1369837"/>
+            <a:ext cx="831382" cy="563162"/>
+          </a:xfrm>
+          <a:prstGeom prst="roundRect">
+            <a:avLst/>
+          </a:prstGeom>
+          <a:solidFill>
+            <a:srgbClr val="FF0000"/>
+          </a:solidFill>
+          <a:ln>
+            <a:noFill/>
+          </a:ln>
+        </p:spPr>
+        <p:style>
+          <a:lnRef idx="2">
+            <a:schemeClr val="accent1">
+              <a:shade val="50000"/>
+            </a:schemeClr>
+          </a:lnRef>
+          <a:fillRef idx="1">
+            <a:schemeClr val="accent1"/>
+          </a:fillRef>
+          <a:effectRef idx="0">
+            <a:schemeClr val="accent1"/>
+          </a:effectRef>
+          <a:fontRef idx="minor">
+            <a:schemeClr val="lt1"/>
+          </a:fontRef>
+        </p:style>
+        <p:txBody>
+          <a:bodyPr rtlCol="0" anchor="ctr"/>
+          <a:lstStyle/>
+          <a:p>
+            <a:pPr algn="ctr"/>
+            <a:r>
+              <a:rPr kumimoji="1" lang="en-US" altLang="ko-KR" sz="2400" dirty="0" smtClean="0">
+                <a:solidFill>
+                  <a:schemeClr val="bg1"/>
+                </a:solidFill>
+              </a:rPr>
+              <a:t>8</a:t>
+            </a:r>
+            <a:endParaRPr kumimoji="1" lang="ko-KR" altLang="en-US" sz="2400" dirty="0">
+              <a:solidFill>
+                <a:schemeClr val="bg1"/>
+              </a:solidFill>
+            </a:endParaRPr>
+          </a:p>
+        </p:txBody>
+      </p:sp>
+      <p:sp>
+        <p:nvSpPr>
+          <p:cNvPr id="21" name="모서리가 둥근 직사각형 20"/>
+          <p:cNvSpPr/>
+          <p:nvPr/>
+        </p:nvSpPr>
+        <p:spPr>
+          <a:xfrm>
+            <a:off x="495395" y="1369836"/>
+            <a:ext cx="831382" cy="563163"/>
+          </a:xfrm>
+          <a:prstGeom prst="roundRect">
+            <a:avLst/>
+          </a:prstGeom>
+          <a:solidFill>
+            <a:schemeClr val="bg1"/>
+          </a:solidFill>
+          <a:ln>
+            <a:noFill/>
+          </a:ln>
+        </p:spPr>
+        <p:style>
+          <a:lnRef idx="2">
+            <a:schemeClr val="accent1">
+              <a:shade val="50000"/>
+            </a:schemeClr>
+          </a:lnRef>
+          <a:fillRef idx="1">
+            <a:schemeClr val="accent1"/>
+          </a:fillRef>
+          <a:effectRef idx="0">
+            <a:schemeClr val="accent1"/>
+          </a:effectRef>
+          <a:fontRef idx="minor">
+            <a:schemeClr val="lt1"/>
+          </a:fontRef>
+        </p:style>
+        <p:txBody>
+          <a:bodyPr rtlCol="0" anchor="ctr"/>
+          <a:lstStyle/>
+          <a:p>
+            <a:pPr algn="ctr"/>
+            <a:r>
+              <a:rPr kumimoji="1" lang="en-US" altLang="ko-KR" dirty="0" smtClean="0">
+                <a:solidFill>
+                  <a:schemeClr val="tx1"/>
+                </a:solidFill>
+              </a:rPr>
+              <a:t>16</a:t>
+            </a:r>
+            <a:r>
+              <a:rPr kumimoji="1" lang="ko-KR" altLang="en-US" dirty="0" smtClean="0">
+                <a:solidFill>
+                  <a:schemeClr val="tx1"/>
+                </a:solidFill>
+              </a:rPr>
+              <a:t>년</a:t>
+            </a:r>
+            <a:endParaRPr kumimoji="1" lang="en-US" altLang="ko-KR" dirty="0" smtClean="0">
+              <a:solidFill>
+                <a:schemeClr val="tx1"/>
+              </a:solidFill>
+            </a:endParaRPr>
+          </a:p>
+          <a:p>
+            <a:pPr algn="ctr"/>
+            <a:r>
+              <a:rPr kumimoji="1" lang="en-US" altLang="ko-KR" dirty="0" smtClean="0">
+                <a:solidFill>
+                  <a:schemeClr val="tx1"/>
+                </a:solidFill>
+              </a:rPr>
+              <a:t>11</a:t>
+            </a:r>
+            <a:endParaRPr kumimoji="1" lang="ko-KR" altLang="en-US" dirty="0">
+              <a:solidFill>
+                <a:schemeClr val="tx1"/>
+              </a:solidFill>
+            </a:endParaRPr>
+          </a:p>
+        </p:txBody>
+      </p:sp>
+      <p:sp>
+        <p:nvSpPr>
+          <p:cNvPr id="22" name="모서리가 둥근 직사각형 21"/>
+          <p:cNvSpPr/>
+          <p:nvPr/>
+        </p:nvSpPr>
+        <p:spPr>
+          <a:xfrm>
+            <a:off x="1649208" y="1369836"/>
+            <a:ext cx="831382" cy="563163"/>
+          </a:xfrm>
+          <a:prstGeom prst="roundRect">
+            <a:avLst/>
+          </a:prstGeom>
+          <a:solidFill>
+            <a:schemeClr val="bg1"/>
+          </a:solidFill>
+          <a:ln>
+            <a:noFill/>
+          </a:ln>
+        </p:spPr>
+        <p:style>
+          <a:lnRef idx="2">
+            <a:schemeClr val="accent1">
+              <a:shade val="50000"/>
+            </a:schemeClr>
+          </a:lnRef>
+          <a:fillRef idx="1">
+            <a:schemeClr val="accent1"/>
+          </a:fillRef>
+          <a:effectRef idx="0">
+            <a:schemeClr val="accent1"/>
+          </a:effectRef>
+          <a:fontRef idx="minor">
+            <a:schemeClr val="lt1"/>
+          </a:fontRef>
+        </p:style>
+        <p:txBody>
+          <a:bodyPr rtlCol="0" anchor="ctr"/>
+          <a:lstStyle/>
+          <a:p>
+            <a:pPr algn="ctr"/>
+            <a:r>
+              <a:rPr kumimoji="1" lang="en-US" altLang="ko-KR" sz="2400" dirty="0" smtClean="0">
+                <a:solidFill>
+                  <a:schemeClr val="tx1"/>
+                </a:solidFill>
+              </a:rPr>
+              <a:t>12</a:t>
+            </a:r>
+            <a:endParaRPr kumimoji="1" lang="ko-KR" altLang="en-US" sz="2400" dirty="0">
+              <a:solidFill>
+                <a:schemeClr val="tx1"/>
+              </a:solidFill>
+            </a:endParaRPr>
+          </a:p>
+        </p:txBody>
+      </p:sp>
+      <p:sp>
+        <p:nvSpPr>
+          <p:cNvPr id="23" name="모서리가 둥근 직사각형 22"/>
+          <p:cNvSpPr/>
+          <p:nvPr/>
+        </p:nvSpPr>
+        <p:spPr>
+          <a:xfrm>
+            <a:off x="2803021" y="1369836"/>
+            <a:ext cx="831382" cy="563163"/>
+          </a:xfrm>
+          <a:prstGeom prst="roundRect">
+            <a:avLst/>
+          </a:prstGeom>
+          <a:solidFill>
+            <a:schemeClr val="bg1"/>
+          </a:solidFill>
+          <a:ln>
+            <a:noFill/>
+          </a:ln>
+        </p:spPr>
+        <p:style>
+          <a:lnRef idx="2">
+            <a:schemeClr val="accent1">
+              <a:shade val="50000"/>
+            </a:schemeClr>
+          </a:lnRef>
+          <a:fillRef idx="1">
+            <a:schemeClr val="accent1"/>
+          </a:fillRef>
+          <a:effectRef idx="0">
+            <a:schemeClr val="accent1"/>
+          </a:effectRef>
+          <a:fontRef idx="minor">
+            <a:schemeClr val="lt1"/>
+          </a:fontRef>
+        </p:style>
+        <p:txBody>
+          <a:bodyPr rtlCol="0" anchor="ctr"/>
+          <a:lstStyle/>
+          <a:p>
+            <a:pPr algn="ctr"/>
+            <a:r>
+              <a:rPr kumimoji="1" lang="en-US" altLang="ko-KR" dirty="0" smtClean="0">
+                <a:solidFill>
+                  <a:schemeClr val="tx1"/>
+                </a:solidFill>
+              </a:rPr>
+              <a:t>17</a:t>
+            </a:r>
+            <a:r>
+              <a:rPr kumimoji="1" lang="ko-KR" altLang="en-US" dirty="0" smtClean="0">
+                <a:solidFill>
+                  <a:schemeClr val="tx1"/>
+                </a:solidFill>
+              </a:rPr>
+              <a:t>년</a:t>
+            </a:r>
+            <a:endParaRPr kumimoji="1" lang="en-US" altLang="ko-KR" dirty="0" smtClean="0">
+              <a:solidFill>
+                <a:schemeClr val="tx1"/>
+              </a:solidFill>
+            </a:endParaRPr>
+          </a:p>
+          <a:p>
+            <a:pPr algn="ctr"/>
+            <a:r>
+              <a:rPr kumimoji="1" lang="en-US" altLang="ko-KR" dirty="0" smtClean="0">
+                <a:solidFill>
+                  <a:schemeClr val="tx1"/>
+                </a:solidFill>
+              </a:rPr>
+              <a:t>1</a:t>
+            </a:r>
+            <a:endParaRPr kumimoji="1" lang="ko-KR" altLang="en-US" dirty="0">
+              <a:solidFill>
+                <a:schemeClr val="tx1"/>
               </a:solidFill>
             </a:endParaRPr>
           </a:p>
@@ -12270,7 +13901,7 @@
     </p:spTree>
     <p:extLst>
       <p:ext uri="{BB962C8B-B14F-4D97-AF65-F5344CB8AC3E}">
-        <p14:creationId xmlns:p14="http://schemas.microsoft.com/office/powerpoint/2010/main" val="1204392864"/>
+        <p14:creationId xmlns:p14="http://schemas.microsoft.com/office/powerpoint/2010/main" val="1758201785"/>
       </p:ext>
     </p:extLst>
   </p:cSld>
@@ -12312,7 +13943,7 @@
         </p:nvSpPr>
         <p:spPr>
           <a:xfrm>
-            <a:off x="0" y="33943"/>
+            <a:off x="0" y="64423"/>
             <a:ext cx="12192000" cy="6863140"/>
           </a:xfrm>
           <a:prstGeom prst="rect">
@@ -12348,7 +13979,7 @@
           <a:lstStyle/>
           <a:p>
             <a:pPr algn="ctr"/>
-            <a:endParaRPr kumimoji="1" lang="ko-KR" altLang="en-US" dirty="0"/>
+            <a:endParaRPr kumimoji="1" lang="ko-KR" altLang="en-US"/>
           </a:p>
         </p:txBody>
       </p:sp>
@@ -12389,13 +14020,59 @@
       </p:cxnSp>
       <p:sp>
         <p:nvSpPr>
-          <p:cNvPr id="7" name="모서리가 둥근 직사각형 6"/>
+          <p:cNvPr id="15" name="텍스트 상자 14"/>
+          <p:cNvSpPr txBox="1"/>
+          <p:nvPr/>
+        </p:nvSpPr>
+        <p:spPr>
+          <a:xfrm>
+            <a:off x="268941" y="333127"/>
+            <a:ext cx="3031599" cy="707886"/>
+          </a:xfrm>
+          <a:prstGeom prst="rect">
+            <a:avLst/>
+          </a:prstGeom>
+          <a:noFill/>
+        </p:spPr>
+        <p:txBody>
+          <a:bodyPr wrap="none" rtlCol="0">
+            <a:spAutoFit/>
+          </a:bodyPr>
+          <a:lstStyle/>
+          <a:p>
+            <a:r>
+              <a:rPr kumimoji="1" lang="ko-KR" altLang="en-US" sz="4000" dirty="0" smtClean="0">
+                <a:solidFill>
+                  <a:schemeClr val="bg1"/>
+                </a:solidFill>
+              </a:rPr>
+              <a:t>클라이언트</a:t>
+            </a:r>
+            <a:r>
+              <a:rPr kumimoji="1" lang="en-US" altLang="ko-KR" sz="4000" dirty="0" smtClean="0">
+                <a:solidFill>
+                  <a:schemeClr val="bg1"/>
+                </a:solidFill>
+              </a:rPr>
+              <a:t>2</a:t>
+            </a:r>
+            <a:endParaRPr kumimoji="1" lang="ko-KR" altLang="en-US" sz="4000" dirty="0">
+              <a:solidFill>
+                <a:schemeClr val="bg1"/>
+              </a:solidFill>
+            </a:endParaRPr>
+          </a:p>
+        </p:txBody>
+      </p:sp>
+      <p:sp>
+        <p:nvSpPr>
+          <p:cNvPr id="33" name="모서리가 둥근 직사각형 32"/>
           <p:cNvSpPr/>
           <p:nvPr/>
         </p:nvSpPr>
         <p:spPr>
           <a:xfrm>
-            <a:off x="495395" y="1369836"/>
+            <a:off x="3956834" y="1369836"/>
             <a:ext cx="831382" cy="563163"/>
           </a:xfrm>
           <a:prstGeom prst="roundRect">
@@ -12435,7 +14112,7 @@
                   <a:schemeClr val="tx1"/>
                 </a:solidFill>
               </a:rPr>
-              <a:t>11</a:t>
+              <a:t>2</a:t>
             </a:r>
             <a:endParaRPr kumimoji="1" lang="ko-KR" altLang="en-US" sz="2400" dirty="0">
               <a:solidFill>
@@ -12447,52 +14124,14 @@
       </p:sp>
       <p:sp>
         <p:nvSpPr>
-          <p:cNvPr id="15" name="텍스트 상자 14"/>
-          <p:cNvSpPr txBox="1"/>
-          <p:nvPr/>
-        </p:nvSpPr>
-        <p:spPr>
-          <a:xfrm>
-            <a:off x="268941" y="333127"/>
-            <a:ext cx="1210588" cy="707886"/>
-          </a:xfrm>
-          <a:prstGeom prst="rect">
-            <a:avLst/>
-          </a:prstGeom>
-          <a:noFill/>
-        </p:spPr>
-        <p:txBody>
-          <a:bodyPr wrap="none" rtlCol="0">
-            <a:spAutoFit/>
-          </a:bodyPr>
-          <a:lstStyle/>
-          <a:p>
-            <a:r>
-              <a:rPr kumimoji="1" lang="ko-KR" altLang="en-US" sz="4000" dirty="0" smtClean="0">
-                <a:solidFill>
-                  <a:schemeClr val="bg1"/>
-                </a:solidFill>
-              </a:rPr>
-              <a:t>기획</a:t>
-            </a:r>
-            <a:endParaRPr kumimoji="1" lang="ko-KR" altLang="en-US" sz="4000" dirty="0">
-              <a:solidFill>
-                <a:schemeClr val="bg1"/>
-              </a:solidFill>
-            </a:endParaRPr>
-          </a:p>
-        </p:txBody>
-      </p:sp>
-      <p:sp>
-        <p:nvSpPr>
-          <p:cNvPr id="30" name="모서리가 둥근 직사각형 29"/>
+          <p:cNvPr id="34" name="모서리가 둥근 직사각형 33"/>
           <p:cNvSpPr/>
           <p:nvPr/>
         </p:nvSpPr>
         <p:spPr>
           <a:xfrm>
-            <a:off x="1649208" y="1369836"/>
-            <a:ext cx="831382" cy="563163"/>
+            <a:off x="5110647" y="1369837"/>
+            <a:ext cx="831382" cy="563162"/>
           </a:xfrm>
           <a:prstGeom prst="roundRect">
             <a:avLst/>
@@ -12531,7 +14170,7 @@
                   <a:schemeClr val="tx1"/>
                 </a:solidFill>
               </a:rPr>
-              <a:t>12</a:t>
+              <a:t>3</a:t>
             </a:r>
             <a:endParaRPr kumimoji="1" lang="ko-KR" altLang="en-US" sz="2400" dirty="0">
               <a:solidFill>
@@ -12543,14 +14182,14 @@
       </p:sp>
       <p:sp>
         <p:nvSpPr>
-          <p:cNvPr id="31" name="모서리가 둥근 직사각형 30"/>
+          <p:cNvPr id="35" name="모서리가 둥근 직사각형 34"/>
           <p:cNvSpPr/>
           <p:nvPr/>
         </p:nvSpPr>
         <p:spPr>
           <a:xfrm>
-            <a:off x="2803021" y="1369836"/>
-            <a:ext cx="831382" cy="563163"/>
+            <a:off x="6264460" y="1369837"/>
+            <a:ext cx="831382" cy="563162"/>
           </a:xfrm>
           <a:prstGeom prst="roundRect">
             <a:avLst/>
@@ -12589,7 +14228,7 @@
                   <a:schemeClr val="tx1"/>
                 </a:solidFill>
               </a:rPr>
-              <a:t>1</a:t>
+              <a:t>4</a:t>
             </a:r>
             <a:endParaRPr kumimoji="1" lang="ko-KR" altLang="en-US" sz="2400" dirty="0">
               <a:solidFill>
@@ -12601,14 +14240,14 @@
       </p:sp>
       <p:sp>
         <p:nvSpPr>
-          <p:cNvPr id="33" name="모서리가 둥근 직사각형 32"/>
+          <p:cNvPr id="37" name="모서리가 둥근 직사각형 36"/>
           <p:cNvSpPr/>
           <p:nvPr/>
         </p:nvSpPr>
         <p:spPr>
           <a:xfrm>
-            <a:off x="3956834" y="1369836"/>
-            <a:ext cx="831382" cy="563163"/>
+            <a:off x="8572086" y="1369837"/>
+            <a:ext cx="831382" cy="563162"/>
           </a:xfrm>
           <a:prstGeom prst="roundRect">
             <a:avLst/>
@@ -12647,7 +14286,7 @@
                   <a:schemeClr val="tx1"/>
                 </a:solidFill>
               </a:rPr>
-              <a:t>2</a:t>
+              <a:t>6</a:t>
             </a:r>
             <a:endParaRPr kumimoji="1" lang="ko-KR" altLang="en-US" sz="2400" dirty="0">
               <a:solidFill>
@@ -12659,13 +14298,13 @@
       </p:sp>
       <p:sp>
         <p:nvSpPr>
-          <p:cNvPr id="34" name="모서리가 둥근 직사각형 33"/>
+          <p:cNvPr id="38" name="모서리가 둥근 직사각형 37"/>
           <p:cNvSpPr/>
           <p:nvPr/>
         </p:nvSpPr>
         <p:spPr>
           <a:xfrm>
-            <a:off x="5110647" y="1369837"/>
+            <a:off x="9725899" y="1369837"/>
             <a:ext cx="831382" cy="563162"/>
           </a:xfrm>
           <a:prstGeom prst="roundRect">
@@ -12705,297 +14344,7 @@
                   <a:schemeClr val="tx1"/>
                 </a:solidFill>
               </a:rPr>
-              <a:t>3</a:t>
-            </a:r>
-            <a:endParaRPr kumimoji="1" lang="ko-KR" altLang="en-US" sz="2400" dirty="0">
-              <a:solidFill>
-                <a:schemeClr val="tx1"/>
-              </a:solidFill>
-            </a:endParaRPr>
-          </a:p>
-        </p:txBody>
-      </p:sp>
-      <p:sp>
-        <p:nvSpPr>
-          <p:cNvPr id="35" name="모서리가 둥근 직사각형 34"/>
-          <p:cNvSpPr/>
-          <p:nvPr/>
-        </p:nvSpPr>
-        <p:spPr>
-          <a:xfrm>
-            <a:off x="6264460" y="1369837"/>
-            <a:ext cx="831382" cy="563162"/>
-          </a:xfrm>
-          <a:prstGeom prst="roundRect">
-            <a:avLst/>
-          </a:prstGeom>
-          <a:solidFill>
-            <a:schemeClr val="bg1"/>
-          </a:solidFill>
-          <a:ln>
-            <a:noFill/>
-          </a:ln>
-        </p:spPr>
-        <p:style>
-          <a:lnRef idx="2">
-            <a:schemeClr val="accent1">
-              <a:shade val="50000"/>
-            </a:schemeClr>
-          </a:lnRef>
-          <a:fillRef idx="1">
-            <a:schemeClr val="accent1"/>
-          </a:fillRef>
-          <a:effectRef idx="0">
-            <a:schemeClr val="accent1"/>
-          </a:effectRef>
-          <a:fontRef idx="minor">
-            <a:schemeClr val="lt1"/>
-          </a:fontRef>
-        </p:style>
-        <p:txBody>
-          <a:bodyPr rtlCol="0" anchor="ctr"/>
-          <a:lstStyle/>
-          <a:p>
-            <a:pPr algn="ctr"/>
-            <a:r>
-              <a:rPr kumimoji="1" lang="en-US" altLang="ko-KR" sz="2400" dirty="0" smtClean="0">
-                <a:solidFill>
-                  <a:schemeClr val="tx1"/>
-                </a:solidFill>
-              </a:rPr>
-              <a:t>4</a:t>
-            </a:r>
-            <a:endParaRPr kumimoji="1" lang="ko-KR" altLang="en-US" sz="2400" dirty="0">
-              <a:solidFill>
-                <a:schemeClr val="tx1"/>
-              </a:solidFill>
-            </a:endParaRPr>
-          </a:p>
-        </p:txBody>
-      </p:sp>
-      <p:sp>
-        <p:nvSpPr>
-          <p:cNvPr id="36" name="모서리가 둥근 직사각형 35"/>
-          <p:cNvSpPr/>
-          <p:nvPr/>
-        </p:nvSpPr>
-        <p:spPr>
-          <a:xfrm>
-            <a:off x="7418273" y="1369837"/>
-            <a:ext cx="831382" cy="563162"/>
-          </a:xfrm>
-          <a:prstGeom prst="roundRect">
-            <a:avLst/>
-          </a:prstGeom>
-          <a:solidFill>
-            <a:schemeClr val="bg1"/>
-          </a:solidFill>
-          <a:ln>
-            <a:noFill/>
-          </a:ln>
-        </p:spPr>
-        <p:style>
-          <a:lnRef idx="2">
-            <a:schemeClr val="accent1">
-              <a:shade val="50000"/>
-            </a:schemeClr>
-          </a:lnRef>
-          <a:fillRef idx="1">
-            <a:schemeClr val="accent1"/>
-          </a:fillRef>
-          <a:effectRef idx="0">
-            <a:schemeClr val="accent1"/>
-          </a:effectRef>
-          <a:fontRef idx="minor">
-            <a:schemeClr val="lt1"/>
-          </a:fontRef>
-        </p:style>
-        <p:txBody>
-          <a:bodyPr rtlCol="0" anchor="ctr"/>
-          <a:lstStyle/>
-          <a:p>
-            <a:pPr algn="ctr"/>
-            <a:r>
-              <a:rPr kumimoji="1" lang="en-US" altLang="ko-KR" sz="2400" dirty="0" smtClean="0">
-                <a:solidFill>
-                  <a:schemeClr val="tx1"/>
-                </a:solidFill>
-              </a:rPr>
-              <a:t>5</a:t>
-            </a:r>
-            <a:endParaRPr kumimoji="1" lang="ko-KR" altLang="en-US" sz="2400" dirty="0">
-              <a:solidFill>
-                <a:schemeClr val="tx1"/>
-              </a:solidFill>
-            </a:endParaRPr>
-          </a:p>
-        </p:txBody>
-      </p:sp>
-      <p:sp>
-        <p:nvSpPr>
-          <p:cNvPr id="37" name="모서리가 둥근 직사각형 36"/>
-          <p:cNvSpPr/>
-          <p:nvPr/>
-        </p:nvSpPr>
-        <p:spPr>
-          <a:xfrm>
-            <a:off x="8572086" y="1369837"/>
-            <a:ext cx="831382" cy="563162"/>
-          </a:xfrm>
-          <a:prstGeom prst="roundRect">
-            <a:avLst/>
-          </a:prstGeom>
-          <a:solidFill>
-            <a:schemeClr val="bg1"/>
-          </a:solidFill>
-          <a:ln>
-            <a:noFill/>
-          </a:ln>
-        </p:spPr>
-        <p:style>
-          <a:lnRef idx="2">
-            <a:schemeClr val="accent1">
-              <a:shade val="50000"/>
-            </a:schemeClr>
-          </a:lnRef>
-          <a:fillRef idx="1">
-            <a:schemeClr val="accent1"/>
-          </a:fillRef>
-          <a:effectRef idx="0">
-            <a:schemeClr val="accent1"/>
-          </a:effectRef>
-          <a:fontRef idx="minor">
-            <a:schemeClr val="lt1"/>
-          </a:fontRef>
-        </p:style>
-        <p:txBody>
-          <a:bodyPr rtlCol="0" anchor="ctr"/>
-          <a:lstStyle/>
-          <a:p>
-            <a:pPr algn="ctr"/>
-            <a:r>
-              <a:rPr kumimoji="1" lang="en-US" altLang="ko-KR" sz="2400" dirty="0" smtClean="0">
-                <a:solidFill>
-                  <a:schemeClr val="tx1"/>
-                </a:solidFill>
-              </a:rPr>
-              <a:t>6</a:t>
-            </a:r>
-            <a:endParaRPr kumimoji="1" lang="ko-KR" altLang="en-US" sz="2400" dirty="0">
-              <a:solidFill>
-                <a:schemeClr val="tx1"/>
-              </a:solidFill>
-            </a:endParaRPr>
-          </a:p>
-        </p:txBody>
-      </p:sp>
-      <p:sp>
-        <p:nvSpPr>
-          <p:cNvPr id="38" name="모서리가 둥근 직사각형 37"/>
-          <p:cNvSpPr/>
-          <p:nvPr/>
-        </p:nvSpPr>
-        <p:spPr>
-          <a:xfrm>
-            <a:off x="9725899" y="1369837"/>
-            <a:ext cx="831382" cy="563162"/>
-          </a:xfrm>
-          <a:prstGeom prst="roundRect">
-            <a:avLst/>
-          </a:prstGeom>
-          <a:solidFill>
-            <a:schemeClr val="bg1"/>
-          </a:solidFill>
-          <a:ln>
-            <a:noFill/>
-          </a:ln>
-        </p:spPr>
-        <p:style>
-          <a:lnRef idx="2">
-            <a:schemeClr val="accent1">
-              <a:shade val="50000"/>
-            </a:schemeClr>
-          </a:lnRef>
-          <a:fillRef idx="1">
-            <a:schemeClr val="accent1"/>
-          </a:fillRef>
-          <a:effectRef idx="0">
-            <a:schemeClr val="accent1"/>
-          </a:effectRef>
-          <a:fontRef idx="minor">
-            <a:schemeClr val="lt1"/>
-          </a:fontRef>
-        </p:style>
-        <p:txBody>
-          <a:bodyPr rtlCol="0" anchor="ctr"/>
-          <a:lstStyle/>
-          <a:p>
-            <a:pPr algn="ctr"/>
-            <a:r>
-              <a:rPr kumimoji="1" lang="en-US" altLang="ko-KR" sz="2400" dirty="0" smtClean="0">
-                <a:solidFill>
-                  <a:schemeClr val="tx1"/>
-                </a:solidFill>
-              </a:rPr>
               <a:t>7</a:t>
-            </a:r>
-            <a:endParaRPr kumimoji="1" lang="ko-KR" altLang="en-US" sz="2400" dirty="0">
-              <a:solidFill>
-                <a:schemeClr val="tx1"/>
-              </a:solidFill>
-            </a:endParaRPr>
-          </a:p>
-        </p:txBody>
-      </p:sp>
-      <p:sp>
-        <p:nvSpPr>
-          <p:cNvPr id="39" name="모서리가 둥근 직사각형 38"/>
-          <p:cNvSpPr/>
-          <p:nvPr/>
-        </p:nvSpPr>
-        <p:spPr>
-          <a:xfrm>
-            <a:off x="10879710" y="1369837"/>
-            <a:ext cx="831382" cy="563162"/>
-          </a:xfrm>
-          <a:prstGeom prst="roundRect">
-            <a:avLst/>
-          </a:prstGeom>
-          <a:solidFill>
-            <a:schemeClr val="bg1"/>
-          </a:solidFill>
-          <a:ln>
-            <a:noFill/>
-          </a:ln>
-        </p:spPr>
-        <p:style>
-          <a:lnRef idx="2">
-            <a:schemeClr val="accent1">
-              <a:shade val="50000"/>
-            </a:schemeClr>
-          </a:lnRef>
-          <a:fillRef idx="1">
-            <a:schemeClr val="accent1"/>
-          </a:fillRef>
-          <a:effectRef idx="0">
-            <a:schemeClr val="accent1"/>
-          </a:effectRef>
-          <a:fontRef idx="minor">
-            <a:schemeClr val="lt1"/>
-          </a:fontRef>
-        </p:style>
-        <p:txBody>
-          <a:bodyPr rtlCol="0" anchor="ctr"/>
-          <a:lstStyle/>
-          <a:p>
-            <a:pPr algn="ctr"/>
-            <a:r>
-              <a:rPr kumimoji="1" lang="en-US" altLang="ko-KR" sz="2400" dirty="0" smtClean="0">
-                <a:solidFill>
-                  <a:schemeClr val="tx1"/>
-                </a:solidFill>
-              </a:rPr>
-              <a:t>8</a:t>
             </a:r>
             <a:endParaRPr kumimoji="1" lang="ko-KR" altLang="en-US" sz="2400" dirty="0">
               <a:solidFill>
@@ -13055,7 +14404,7 @@
                   <a:schemeClr val="bg1"/>
                 </a:solidFill>
               </a:rPr>
-              <a:t>경험치</a:t>
+              <a:t>텍스쳐</a:t>
             </a:r>
             <a:endParaRPr kumimoji="1" lang="ko-KR" altLang="en-US" sz="2400" dirty="0">
               <a:solidFill>
@@ -13073,7 +14422,7 @@
         </p:nvSpPr>
         <p:spPr>
           <a:xfrm>
-            <a:off x="517869" y="2987311"/>
+            <a:off x="1671682" y="2987311"/>
             <a:ext cx="1131339" cy="563163"/>
           </a:xfrm>
           <a:prstGeom prst="roundRect">
@@ -13110,12 +14459,31 @@
           <a:p>
             <a:pPr algn="ctr"/>
             <a:r>
+              <a:rPr kumimoji="1" lang="en-US" altLang="ko-KR" sz="2000" dirty="0" smtClean="0">
+                <a:solidFill>
+                  <a:schemeClr val="bg1"/>
+                </a:solidFill>
+              </a:rPr>
+              <a:t>FB</a:t>
+            </a:r>
+            <a:r>
+              <a:rPr kumimoji="1" lang="en-US" altLang="ko-KR" sz="2000" dirty="0">
+                <a:solidFill>
+                  <a:schemeClr val="bg1"/>
+                </a:solidFill>
+              </a:rPr>
+              <a:t>X</a:t>
+            </a:r>
+          </a:p>
+          <a:p>
+            <a:pPr algn="ctr"/>
+            <a:r>
               <a:rPr kumimoji="1" lang="ko-KR" altLang="en-US" sz="2000" dirty="0" smtClean="0">
                 <a:solidFill>
                   <a:schemeClr val="bg1"/>
                 </a:solidFill>
               </a:rPr>
-              <a:t>스테이터스</a:t>
+              <a:t>임포트</a:t>
             </a:r>
             <a:endParaRPr kumimoji="1" lang="ko-KR" altLang="en-US" sz="2000" dirty="0">
               <a:solidFill>
@@ -13133,8 +14501,8 @@
         </p:nvSpPr>
         <p:spPr>
           <a:xfrm>
-            <a:off x="1649208" y="3776205"/>
-            <a:ext cx="1022274" cy="563163"/>
+            <a:off x="2237351" y="3776205"/>
+            <a:ext cx="1397052" cy="563163"/>
           </a:xfrm>
           <a:prstGeom prst="roundRect">
             <a:avLst/>
@@ -13170,12 +14538,12 @@
           <a:p>
             <a:pPr algn="ctr"/>
             <a:r>
-              <a:rPr kumimoji="1" lang="ko-KR" altLang="en-US" smtClean="0">
-                <a:solidFill>
-                  <a:schemeClr val="bg1"/>
-                </a:solidFill>
-              </a:rPr>
-              <a:t>레벨업</a:t>
+              <a:rPr kumimoji="1" lang="ko-KR" altLang="en-US" dirty="0" smtClean="0">
+                <a:solidFill>
+                  <a:schemeClr val="bg1"/>
+                </a:solidFill>
+              </a:rPr>
+              <a:t>애니메이션</a:t>
             </a:r>
             <a:endParaRPr kumimoji="1" lang="ko-KR" altLang="en-US" dirty="0">
               <a:solidFill>
@@ -13193,8 +14561,8 @@
         </p:nvSpPr>
         <p:spPr>
           <a:xfrm>
-            <a:off x="1933783" y="4493961"/>
-            <a:ext cx="1096288" cy="563163"/>
+            <a:off x="3713595" y="4493961"/>
+            <a:ext cx="1397052" cy="563163"/>
           </a:xfrm>
           <a:prstGeom prst="roundRect">
             <a:avLst/>
@@ -13235,7 +14603,7 @@
                   <a:schemeClr val="bg1"/>
                 </a:solidFill>
               </a:rPr>
-              <a:t>스킬</a:t>
+              <a:t>이동</a:t>
             </a:r>
             <a:endParaRPr kumimoji="1" lang="ko-KR" altLang="en-US" dirty="0">
               <a:solidFill>
@@ -13247,22 +14615,20 @@
       </p:sp>
       <p:sp>
         <p:nvSpPr>
-          <p:cNvPr id="28" name="모서리가 둥근 직사각형 27"/>
+          <p:cNvPr id="19" name="모서리가 둥근 직사각형 18"/>
           <p:cNvSpPr/>
           <p:nvPr/>
         </p:nvSpPr>
         <p:spPr>
           <a:xfrm>
-            <a:off x="2672250" y="2248377"/>
-            <a:ext cx="1096288" cy="563163"/>
+            <a:off x="7418273" y="1369837"/>
+            <a:ext cx="831382" cy="563162"/>
           </a:xfrm>
           <a:prstGeom prst="roundRect">
             <a:avLst/>
           </a:prstGeom>
           <a:solidFill>
-            <a:schemeClr val="bg1">
-              <a:lumMod val="50000"/>
-            </a:schemeClr>
+            <a:srgbClr val="FFC000"/>
           </a:solidFill>
           <a:ln>
             <a:noFill/>
@@ -13290,39 +14656,37 @@
           <a:p>
             <a:pPr algn="ctr"/>
             <a:r>
-              <a:rPr kumimoji="1" lang="ko-KR" altLang="en-US" dirty="0" smtClean="0">
-                <a:solidFill>
-                  <a:schemeClr val="bg1"/>
-                </a:solidFill>
-              </a:rPr>
-              <a:t>발열</a:t>
-            </a:r>
-            <a:endParaRPr kumimoji="1" lang="ko-KR" altLang="en-US" dirty="0">
-              <a:solidFill>
-                <a:schemeClr val="bg1"/>
-              </a:solidFill>
-            </a:endParaRPr>
-          </a:p>
-        </p:txBody>
-      </p:sp>
-      <p:sp>
-        <p:nvSpPr>
-          <p:cNvPr id="29" name="모서리가 둥근 직사각형 28"/>
+              <a:rPr kumimoji="1" lang="en-US" altLang="ko-KR" sz="2400" dirty="0" smtClean="0">
+                <a:solidFill>
+                  <a:schemeClr val="tx1"/>
+                </a:solidFill>
+              </a:rPr>
+              <a:t>5</a:t>
+            </a:r>
+            <a:endParaRPr kumimoji="1" lang="ko-KR" altLang="en-US" sz="2400" dirty="0">
+              <a:solidFill>
+                <a:schemeClr val="tx1"/>
+              </a:solidFill>
+            </a:endParaRPr>
+          </a:p>
+        </p:txBody>
+      </p:sp>
+      <p:sp>
+        <p:nvSpPr>
+          <p:cNvPr id="20" name="모서리가 둥근 직사각형 19"/>
           <p:cNvSpPr/>
           <p:nvPr/>
         </p:nvSpPr>
         <p:spPr>
           <a:xfrm>
-            <a:off x="3095749" y="2987311"/>
-            <a:ext cx="1096288" cy="563163"/>
+            <a:off x="10879710" y="1369837"/>
+            <a:ext cx="831382" cy="563162"/>
           </a:xfrm>
           <a:prstGeom prst="roundRect">
             <a:avLst/>
           </a:prstGeom>
           <a:solidFill>
-            <a:schemeClr val="bg1">
-              <a:lumMod val="50000"/>
-            </a:schemeClr>
+            <a:srgbClr val="FF0000"/>
           </a:solidFill>
           <a:ln>
             <a:noFill/>
@@ -13350,14 +14714,14 @@
           <a:p>
             <a:pPr algn="ctr"/>
             <a:r>
-              <a:rPr kumimoji="1" lang="ko-KR" altLang="en-US" dirty="0" smtClean="0">
-                <a:solidFill>
-                  <a:schemeClr val="bg1"/>
-                </a:solidFill>
-              </a:rPr>
-              <a:t>궁극기</a:t>
-            </a:r>
-            <a:endParaRPr kumimoji="1" lang="ko-KR" altLang="en-US" dirty="0">
+              <a:rPr kumimoji="1" lang="en-US" altLang="ko-KR" sz="2400" dirty="0" smtClean="0">
+                <a:solidFill>
+                  <a:schemeClr val="bg1"/>
+                </a:solidFill>
+              </a:rPr>
+              <a:t>8</a:t>
+            </a:r>
+            <a:endParaRPr kumimoji="1" lang="ko-KR" altLang="en-US" sz="2400" dirty="0">
               <a:solidFill>
                 <a:schemeClr val="bg1"/>
               </a:solidFill>
@@ -13367,22 +14731,20 @@
       </p:sp>
       <p:sp>
         <p:nvSpPr>
-          <p:cNvPr id="32" name="모서리가 둥근 직사각형 31"/>
+          <p:cNvPr id="21" name="모서리가 둥근 직사각형 20"/>
           <p:cNvSpPr/>
           <p:nvPr/>
         </p:nvSpPr>
         <p:spPr>
           <a:xfrm>
-            <a:off x="3319045" y="3776205"/>
-            <a:ext cx="1096288" cy="563163"/>
+            <a:off x="495395" y="1369836"/>
+            <a:ext cx="831382" cy="563163"/>
           </a:xfrm>
           <a:prstGeom prst="roundRect">
             <a:avLst/>
           </a:prstGeom>
           <a:solidFill>
-            <a:schemeClr val="bg1">
-              <a:lumMod val="50000"/>
-            </a:schemeClr>
+            <a:schemeClr val="bg1"/>
           </a:solidFill>
           <a:ln>
             <a:noFill/>
@@ -13410,39 +14772,61 @@
           <a:p>
             <a:pPr algn="ctr"/>
             <a:r>
+              <a:rPr kumimoji="1" lang="en-US" altLang="ko-KR" dirty="0" smtClean="0">
+                <a:solidFill>
+                  <a:schemeClr val="tx1"/>
+                </a:solidFill>
+              </a:rPr>
+              <a:t>16</a:t>
+            </a:r>
+            <a:r>
               <a:rPr kumimoji="1" lang="ko-KR" altLang="en-US" dirty="0" smtClean="0">
                 <a:solidFill>
-                  <a:schemeClr val="bg1"/>
-                </a:solidFill>
-              </a:rPr>
-              <a:t>전투</a:t>
+                  <a:schemeClr val="tx1"/>
+                </a:solidFill>
+              </a:rPr>
+              <a:t>년</a:t>
+            </a:r>
+            <a:endParaRPr kumimoji="1" lang="en-US" altLang="ko-KR" dirty="0" smtClean="0">
+              <a:solidFill>
+                <a:schemeClr val="tx1"/>
+              </a:solidFill>
+            </a:endParaRPr>
+          </a:p>
+          <a:p>
+            <a:pPr algn="ctr"/>
+            <a:r>
+              <a:rPr kumimoji="1" lang="en-US" altLang="ko-KR" dirty="0" smtClean="0">
+                <a:solidFill>
+                  <a:schemeClr val="tx1"/>
+                </a:solidFill>
+              </a:rPr>
+              <a:t>11</a:t>
             </a:r>
             <a:endParaRPr kumimoji="1" lang="ko-KR" altLang="en-US" dirty="0">
               <a:solidFill>
-                <a:schemeClr val="bg1"/>
-              </a:solidFill>
-            </a:endParaRPr>
-          </a:p>
-        </p:txBody>
-      </p:sp>
-      <p:sp>
-        <p:nvSpPr>
-          <p:cNvPr id="41" name="모서리가 둥근 직사각형 40"/>
+                <a:schemeClr val="tx1"/>
+              </a:solidFill>
+            </a:endParaRPr>
+          </a:p>
+        </p:txBody>
+      </p:sp>
+      <p:sp>
+        <p:nvSpPr>
+          <p:cNvPr id="22" name="모서리가 둥근 직사각형 21"/>
           <p:cNvSpPr/>
           <p:nvPr/>
         </p:nvSpPr>
         <p:spPr>
           <a:xfrm>
-            <a:off x="6045190" y="2966131"/>
-            <a:ext cx="1096288" cy="563163"/>
+            <a:off x="1649208" y="1369836"/>
+            <a:ext cx="831382" cy="563163"/>
           </a:xfrm>
           <a:prstGeom prst="roundRect">
             <a:avLst/>
           </a:prstGeom>
           <a:solidFill>
-            <a:schemeClr val="bg1">
-              <a:lumMod val="50000"/>
-            </a:schemeClr>
+            <a:schemeClr val="bg1"/>
           </a:solidFill>
           <a:ln>
             <a:noFill/>
@@ -13470,39 +14854,37 @@
           <a:p>
             <a:pPr algn="ctr"/>
             <a:r>
-              <a:rPr kumimoji="1" lang="ko-KR" altLang="en-US" smtClean="0">
-                <a:solidFill>
-                  <a:schemeClr val="bg1"/>
-                </a:solidFill>
-              </a:rPr>
-              <a:t>몬스터</a:t>
-            </a:r>
-            <a:endParaRPr kumimoji="1" lang="ko-KR" altLang="en-US" dirty="0">
-              <a:solidFill>
-                <a:schemeClr val="bg1"/>
-              </a:solidFill>
-            </a:endParaRPr>
-          </a:p>
-        </p:txBody>
-      </p:sp>
-      <p:sp>
-        <p:nvSpPr>
-          <p:cNvPr id="45" name="모서리가 둥근 직사각형 44"/>
+              <a:rPr kumimoji="1" lang="en-US" altLang="ko-KR" sz="2400" dirty="0" smtClean="0">
+                <a:solidFill>
+                  <a:schemeClr val="tx1"/>
+                </a:solidFill>
+              </a:rPr>
+              <a:t>12</a:t>
+            </a:r>
+            <a:endParaRPr kumimoji="1" lang="ko-KR" altLang="en-US" sz="2400" dirty="0">
+              <a:solidFill>
+                <a:schemeClr val="tx1"/>
+              </a:solidFill>
+            </a:endParaRPr>
+          </a:p>
+        </p:txBody>
+      </p:sp>
+      <p:sp>
+        <p:nvSpPr>
+          <p:cNvPr id="23" name="모서리가 둥근 직사각형 22"/>
           <p:cNvSpPr/>
           <p:nvPr/>
         </p:nvSpPr>
         <p:spPr>
           <a:xfrm>
-            <a:off x="4372525" y="2272775"/>
-            <a:ext cx="1096288" cy="563163"/>
+            <a:off x="2803021" y="1369836"/>
+            <a:ext cx="831382" cy="563163"/>
           </a:xfrm>
           <a:prstGeom prst="roundRect">
             <a:avLst/>
           </a:prstGeom>
           <a:solidFill>
-            <a:schemeClr val="bg1">
-              <a:lumMod val="50000"/>
-            </a:schemeClr>
+            <a:schemeClr val="bg1"/>
           </a:solidFill>
           <a:ln>
             <a:noFill/>
@@ -13530,708 +14912,40 @@
           <a:p>
             <a:pPr algn="ctr"/>
             <a:r>
+              <a:rPr kumimoji="1" lang="en-US" altLang="ko-KR" dirty="0" smtClean="0">
+                <a:solidFill>
+                  <a:schemeClr val="tx1"/>
+                </a:solidFill>
+              </a:rPr>
+              <a:t>17</a:t>
+            </a:r>
+            <a:r>
               <a:rPr kumimoji="1" lang="ko-KR" altLang="en-US" dirty="0" smtClean="0">
                 <a:solidFill>
-                  <a:schemeClr val="bg1"/>
-                </a:solidFill>
-              </a:rPr>
-              <a:t>마을</a:t>
+                  <a:schemeClr val="tx1"/>
+                </a:solidFill>
+              </a:rPr>
+              <a:t>년</a:t>
             </a:r>
             <a:endParaRPr kumimoji="1" lang="en-US" altLang="ko-KR" dirty="0" smtClean="0">
               <a:solidFill>
-                <a:schemeClr val="bg1"/>
-              </a:solidFill>
-            </a:endParaRPr>
-          </a:p>
-          <a:p>
-            <a:pPr algn="ctr"/>
-            <a:r>
-              <a:rPr kumimoji="1" lang="ko-KR" altLang="en-US" dirty="0" smtClean="0">
-                <a:solidFill>
-                  <a:schemeClr val="bg1"/>
-                </a:solidFill>
-              </a:rPr>
-              <a:t>레벨</a:t>
+                <a:schemeClr val="tx1"/>
+              </a:solidFill>
+            </a:endParaRPr>
+          </a:p>
+          <a:p>
+            <a:pPr algn="ctr"/>
+            <a:r>
+              <a:rPr kumimoji="1" lang="en-US" altLang="ko-KR" dirty="0" smtClean="0">
+                <a:solidFill>
+                  <a:schemeClr val="tx1"/>
+                </a:solidFill>
+              </a:rPr>
+              <a:t>1</a:t>
             </a:r>
             <a:endParaRPr kumimoji="1" lang="ko-KR" altLang="en-US" dirty="0">
               <a:solidFill>
-                <a:schemeClr val="bg1"/>
-              </a:solidFill>
-            </a:endParaRPr>
-          </a:p>
-        </p:txBody>
-      </p:sp>
-      <p:sp>
-        <p:nvSpPr>
-          <p:cNvPr id="46" name="모서리가 둥근 직사각형 45"/>
-          <p:cNvSpPr/>
-          <p:nvPr/>
-        </p:nvSpPr>
-        <p:spPr>
-          <a:xfrm>
-            <a:off x="2770901" y="5372500"/>
-            <a:ext cx="5478754" cy="563163"/>
-          </a:xfrm>
-          <a:prstGeom prst="roundRect">
-            <a:avLst/>
-          </a:prstGeom>
-          <a:solidFill>
-            <a:schemeClr val="bg1">
-              <a:lumMod val="50000"/>
-            </a:schemeClr>
-          </a:solidFill>
-          <a:ln>
-            <a:noFill/>
-          </a:ln>
-        </p:spPr>
-        <p:style>
-          <a:lnRef idx="2">
-            <a:schemeClr val="accent1">
-              <a:shade val="50000"/>
-            </a:schemeClr>
-          </a:lnRef>
-          <a:fillRef idx="1">
-            <a:schemeClr val="accent1"/>
-          </a:fillRef>
-          <a:effectRef idx="0">
-            <a:schemeClr val="accent1"/>
-          </a:effectRef>
-          <a:fontRef idx="minor">
-            <a:schemeClr val="lt1"/>
-          </a:fontRef>
-        </p:style>
-        <p:txBody>
-          <a:bodyPr rtlCol="0" anchor="ctr"/>
-          <a:lstStyle/>
-          <a:p>
-            <a:pPr algn="ctr"/>
-            <a:r>
-              <a:rPr kumimoji="1" lang="ko-KR" altLang="en-US" smtClean="0">
-                <a:solidFill>
-                  <a:schemeClr val="bg1"/>
-                </a:solidFill>
-              </a:rPr>
-              <a:t>세계관</a:t>
-            </a:r>
-            <a:endParaRPr kumimoji="1" lang="ko-KR" altLang="en-US" dirty="0">
-              <a:solidFill>
-                <a:schemeClr val="bg1"/>
-              </a:solidFill>
-            </a:endParaRPr>
-          </a:p>
-        </p:txBody>
-      </p:sp>
-      <p:sp>
-        <p:nvSpPr>
-          <p:cNvPr id="47" name="모서리가 둥근 직사각형 46"/>
-          <p:cNvSpPr/>
-          <p:nvPr/>
-        </p:nvSpPr>
-        <p:spPr>
-          <a:xfrm>
-            <a:off x="3634403" y="4493959"/>
-            <a:ext cx="1096288" cy="563163"/>
-          </a:xfrm>
-          <a:prstGeom prst="roundRect">
-            <a:avLst/>
-          </a:prstGeom>
-          <a:solidFill>
-            <a:srgbClr val="00B0F0"/>
-          </a:solidFill>
-          <a:ln>
-            <a:noFill/>
-          </a:ln>
-        </p:spPr>
-        <p:style>
-          <a:lnRef idx="2">
-            <a:schemeClr val="accent1">
-              <a:shade val="50000"/>
-            </a:schemeClr>
-          </a:lnRef>
-          <a:fillRef idx="1">
-            <a:schemeClr val="accent1"/>
-          </a:fillRef>
-          <a:effectRef idx="0">
-            <a:schemeClr val="accent1"/>
-          </a:effectRef>
-          <a:fontRef idx="minor">
-            <a:schemeClr val="lt1"/>
-          </a:fontRef>
-        </p:style>
-        <p:txBody>
-          <a:bodyPr rtlCol="0" anchor="ctr"/>
-          <a:lstStyle/>
-          <a:p>
-            <a:pPr algn="ctr"/>
-            <a:r>
-              <a:rPr kumimoji="1" lang="ko-KR" altLang="en-US" dirty="0" smtClean="0">
-                <a:solidFill>
-                  <a:schemeClr val="bg1"/>
-                </a:solidFill>
-              </a:rPr>
-              <a:t>캐릭터</a:t>
-            </a:r>
-            <a:endParaRPr kumimoji="1" lang="en-US" altLang="ko-KR" dirty="0" smtClean="0">
-              <a:solidFill>
-                <a:schemeClr val="bg1"/>
-              </a:solidFill>
-            </a:endParaRPr>
-          </a:p>
-          <a:p>
-            <a:pPr algn="ctr"/>
-            <a:r>
-              <a:rPr kumimoji="1" lang="ko-KR" altLang="en-US" dirty="0" smtClean="0">
-                <a:solidFill>
-                  <a:schemeClr val="bg1"/>
-                </a:solidFill>
-              </a:rPr>
-              <a:t>모델링</a:t>
-            </a:r>
-            <a:endParaRPr kumimoji="1" lang="ko-KR" altLang="en-US" dirty="0">
-              <a:solidFill>
-                <a:schemeClr val="bg1"/>
-              </a:solidFill>
-            </a:endParaRPr>
-          </a:p>
-        </p:txBody>
-      </p:sp>
-      <p:sp>
-        <p:nvSpPr>
-          <p:cNvPr id="48" name="모서리가 둥근 직사각형 47"/>
-          <p:cNvSpPr/>
-          <p:nvPr/>
-        </p:nvSpPr>
-        <p:spPr>
-          <a:xfrm>
-            <a:off x="5253739" y="3776204"/>
-            <a:ext cx="1399723" cy="563163"/>
-          </a:xfrm>
-          <a:prstGeom prst="roundRect">
-            <a:avLst/>
-          </a:prstGeom>
-          <a:solidFill>
-            <a:srgbClr val="00B0F0"/>
-          </a:solidFill>
-          <a:ln>
-            <a:noFill/>
-          </a:ln>
-        </p:spPr>
-        <p:style>
-          <a:lnRef idx="2">
-            <a:schemeClr val="accent1">
-              <a:shade val="50000"/>
-            </a:schemeClr>
-          </a:lnRef>
-          <a:fillRef idx="1">
-            <a:schemeClr val="accent1"/>
-          </a:fillRef>
-          <a:effectRef idx="0">
-            <a:schemeClr val="accent1"/>
-          </a:effectRef>
-          <a:fontRef idx="minor">
-            <a:schemeClr val="lt1"/>
-          </a:fontRef>
-        </p:style>
-        <p:txBody>
-          <a:bodyPr rtlCol="0" anchor="ctr"/>
-          <a:lstStyle/>
-          <a:p>
-            <a:pPr algn="ctr"/>
-            <a:r>
-              <a:rPr kumimoji="1" lang="ko-KR" altLang="en-US" dirty="0" smtClean="0">
-                <a:solidFill>
-                  <a:schemeClr val="bg1"/>
-                </a:solidFill>
-              </a:rPr>
-              <a:t>마을</a:t>
-            </a:r>
-            <a:endParaRPr kumimoji="1" lang="en-US" altLang="ko-KR" dirty="0" smtClean="0">
-              <a:solidFill>
-                <a:schemeClr val="bg1"/>
-              </a:solidFill>
-            </a:endParaRPr>
-          </a:p>
-          <a:p>
-            <a:pPr algn="ctr"/>
-            <a:r>
-              <a:rPr kumimoji="1" lang="ko-KR" altLang="en-US" dirty="0" smtClean="0">
-                <a:solidFill>
-                  <a:schemeClr val="bg1"/>
-                </a:solidFill>
-              </a:rPr>
-              <a:t>모델링</a:t>
-            </a:r>
-            <a:endParaRPr kumimoji="1" lang="ko-KR" altLang="en-US" dirty="0">
-              <a:solidFill>
-                <a:schemeClr val="bg1"/>
-              </a:solidFill>
-            </a:endParaRPr>
-          </a:p>
-        </p:txBody>
-      </p:sp>
-      <p:sp>
-        <p:nvSpPr>
-          <p:cNvPr id="49" name="모서리가 둥근 직사각형 48"/>
-          <p:cNvSpPr/>
-          <p:nvPr/>
-        </p:nvSpPr>
-        <p:spPr>
-          <a:xfrm>
-            <a:off x="5716316" y="2291438"/>
-            <a:ext cx="1096288" cy="563163"/>
-          </a:xfrm>
-          <a:prstGeom prst="roundRect">
-            <a:avLst/>
-          </a:prstGeom>
-          <a:solidFill>
-            <a:schemeClr val="bg1">
-              <a:lumMod val="50000"/>
-            </a:schemeClr>
-          </a:solidFill>
-          <a:ln>
-            <a:noFill/>
-          </a:ln>
-        </p:spPr>
-        <p:style>
-          <a:lnRef idx="2">
-            <a:schemeClr val="accent1">
-              <a:shade val="50000"/>
-            </a:schemeClr>
-          </a:lnRef>
-          <a:fillRef idx="1">
-            <a:schemeClr val="accent1"/>
-          </a:fillRef>
-          <a:effectRef idx="0">
-            <a:schemeClr val="accent1"/>
-          </a:effectRef>
-          <a:fontRef idx="minor">
-            <a:schemeClr val="lt1"/>
-          </a:fontRef>
-        </p:style>
-        <p:txBody>
-          <a:bodyPr rtlCol="0" anchor="ctr"/>
-          <a:lstStyle/>
-          <a:p>
-            <a:pPr algn="ctr"/>
-            <a:r>
-              <a:rPr kumimoji="1" lang="ko-KR" altLang="en-US" dirty="0" smtClean="0">
-                <a:solidFill>
-                  <a:schemeClr val="bg1"/>
-                </a:solidFill>
-              </a:rPr>
-              <a:t>퀘스트</a:t>
-            </a:r>
-            <a:endParaRPr kumimoji="1" lang="ko-KR" altLang="en-US" dirty="0">
-              <a:solidFill>
-                <a:schemeClr val="bg1"/>
-              </a:solidFill>
-            </a:endParaRPr>
-          </a:p>
-        </p:txBody>
-      </p:sp>
-      <p:sp>
-        <p:nvSpPr>
-          <p:cNvPr id="50" name="모서리가 둥근 직사각형 49"/>
-          <p:cNvSpPr/>
-          <p:nvPr/>
-        </p:nvSpPr>
-        <p:spPr>
-          <a:xfrm>
-            <a:off x="8168528" y="2277695"/>
-            <a:ext cx="1096288" cy="563163"/>
-          </a:xfrm>
-          <a:prstGeom prst="roundRect">
-            <a:avLst/>
-          </a:prstGeom>
-          <a:solidFill>
-            <a:srgbClr val="00B0F0"/>
-          </a:solidFill>
-          <a:ln>
-            <a:noFill/>
-          </a:ln>
-        </p:spPr>
-        <p:style>
-          <a:lnRef idx="2">
-            <a:schemeClr val="accent1">
-              <a:shade val="50000"/>
-            </a:schemeClr>
-          </a:lnRef>
-          <a:fillRef idx="1">
-            <a:schemeClr val="accent1"/>
-          </a:fillRef>
-          <a:effectRef idx="0">
-            <a:schemeClr val="accent1"/>
-          </a:effectRef>
-          <a:fontRef idx="minor">
-            <a:schemeClr val="lt1"/>
-          </a:fontRef>
-        </p:style>
-        <p:txBody>
-          <a:bodyPr rtlCol="0" anchor="ctr"/>
-          <a:lstStyle/>
-          <a:p>
-            <a:pPr algn="ctr"/>
-            <a:r>
-              <a:rPr kumimoji="1" lang="ko-KR" altLang="en-US" smtClean="0">
-                <a:solidFill>
-                  <a:schemeClr val="bg1"/>
-                </a:solidFill>
-              </a:rPr>
-              <a:t>던전</a:t>
-            </a:r>
-            <a:endParaRPr kumimoji="1" lang="en-US" altLang="ko-KR" dirty="0" smtClean="0">
-              <a:solidFill>
-                <a:schemeClr val="bg1"/>
-              </a:solidFill>
-            </a:endParaRPr>
-          </a:p>
-          <a:p>
-            <a:pPr algn="ctr"/>
-            <a:r>
-              <a:rPr kumimoji="1" lang="ko-KR" altLang="en-US" dirty="0" smtClean="0">
-                <a:solidFill>
-                  <a:schemeClr val="bg1"/>
-                </a:solidFill>
-              </a:rPr>
-              <a:t>모델링</a:t>
-            </a:r>
-            <a:endParaRPr kumimoji="1" lang="ko-KR" altLang="en-US" dirty="0">
-              <a:solidFill>
-                <a:schemeClr val="bg1"/>
-              </a:solidFill>
-            </a:endParaRPr>
-          </a:p>
-        </p:txBody>
-      </p:sp>
-      <p:sp>
-        <p:nvSpPr>
-          <p:cNvPr id="51" name="모서리가 둥근 직사각형 50"/>
-          <p:cNvSpPr/>
-          <p:nvPr/>
-        </p:nvSpPr>
-        <p:spPr>
-          <a:xfrm>
-            <a:off x="6927986" y="2272775"/>
-            <a:ext cx="1096288" cy="563163"/>
-          </a:xfrm>
-          <a:prstGeom prst="roundRect">
-            <a:avLst/>
-          </a:prstGeom>
-          <a:solidFill>
-            <a:schemeClr val="bg1">
-              <a:lumMod val="50000"/>
-            </a:schemeClr>
-          </a:solidFill>
-          <a:ln>
-            <a:noFill/>
-          </a:ln>
-        </p:spPr>
-        <p:style>
-          <a:lnRef idx="2">
-            <a:schemeClr val="accent1">
-              <a:shade val="50000"/>
-            </a:schemeClr>
-          </a:lnRef>
-          <a:fillRef idx="1">
-            <a:schemeClr val="accent1"/>
-          </a:fillRef>
-          <a:effectRef idx="0">
-            <a:schemeClr val="accent1"/>
-          </a:effectRef>
-          <a:fontRef idx="minor">
-            <a:schemeClr val="lt1"/>
-          </a:fontRef>
-        </p:style>
-        <p:txBody>
-          <a:bodyPr rtlCol="0" anchor="ctr"/>
-          <a:lstStyle/>
-          <a:p>
-            <a:pPr algn="ctr"/>
-            <a:r>
-              <a:rPr kumimoji="1" lang="ko-KR" altLang="en-US" dirty="0" smtClean="0">
-                <a:solidFill>
-                  <a:schemeClr val="bg1"/>
-                </a:solidFill>
-              </a:rPr>
-              <a:t>던전</a:t>
-            </a:r>
-            <a:endParaRPr kumimoji="1" lang="en-US" altLang="ko-KR" dirty="0" smtClean="0">
-              <a:solidFill>
-                <a:schemeClr val="bg1"/>
-              </a:solidFill>
-            </a:endParaRPr>
-          </a:p>
-          <a:p>
-            <a:pPr algn="ctr"/>
-            <a:r>
-              <a:rPr kumimoji="1" lang="ko-KR" altLang="en-US" dirty="0" smtClean="0">
-                <a:solidFill>
-                  <a:schemeClr val="bg1"/>
-                </a:solidFill>
-              </a:rPr>
-              <a:t>레벨</a:t>
-            </a:r>
-            <a:endParaRPr kumimoji="1" lang="ko-KR" altLang="en-US" dirty="0">
-              <a:solidFill>
-                <a:schemeClr val="bg1"/>
-              </a:solidFill>
-            </a:endParaRPr>
-          </a:p>
-        </p:txBody>
-      </p:sp>
-      <p:sp>
-        <p:nvSpPr>
-          <p:cNvPr id="52" name="모서리가 둥근 직사각형 51"/>
-          <p:cNvSpPr/>
-          <p:nvPr/>
-        </p:nvSpPr>
-        <p:spPr>
-          <a:xfrm>
-            <a:off x="4466190" y="2966131"/>
-            <a:ext cx="1096288" cy="563163"/>
-          </a:xfrm>
-          <a:prstGeom prst="roundRect">
-            <a:avLst/>
-          </a:prstGeom>
-          <a:solidFill>
-            <a:schemeClr val="bg1">
-              <a:lumMod val="50000"/>
-            </a:schemeClr>
-          </a:solidFill>
-          <a:ln>
-            <a:noFill/>
-          </a:ln>
-        </p:spPr>
-        <p:style>
-          <a:lnRef idx="2">
-            <a:schemeClr val="accent1">
-              <a:shade val="50000"/>
-            </a:schemeClr>
-          </a:lnRef>
-          <a:fillRef idx="1">
-            <a:schemeClr val="accent1"/>
-          </a:fillRef>
-          <a:effectRef idx="0">
-            <a:schemeClr val="accent1"/>
-          </a:effectRef>
-          <a:fontRef idx="minor">
-            <a:schemeClr val="lt1"/>
-          </a:fontRef>
-        </p:style>
-        <p:txBody>
-          <a:bodyPr rtlCol="0" anchor="ctr"/>
-          <a:lstStyle/>
-          <a:p>
-            <a:pPr algn="ctr"/>
-            <a:r>
-              <a:rPr kumimoji="1" lang="ko-KR" altLang="en-US" dirty="0" smtClean="0">
-                <a:solidFill>
-                  <a:schemeClr val="bg1"/>
-                </a:solidFill>
-              </a:rPr>
-              <a:t>아이템</a:t>
-            </a:r>
-            <a:endParaRPr kumimoji="1" lang="ko-KR" altLang="en-US" dirty="0">
-              <a:solidFill>
-                <a:schemeClr val="bg1"/>
-              </a:solidFill>
-            </a:endParaRPr>
-          </a:p>
-        </p:txBody>
-      </p:sp>
-      <p:sp>
-        <p:nvSpPr>
-          <p:cNvPr id="53" name="모서리가 둥근 직사각형 52"/>
-          <p:cNvSpPr/>
-          <p:nvPr/>
-        </p:nvSpPr>
-        <p:spPr>
-          <a:xfrm>
-            <a:off x="6772516" y="3776204"/>
-            <a:ext cx="2646381" cy="563163"/>
-          </a:xfrm>
-          <a:prstGeom prst="roundRect">
-            <a:avLst/>
-          </a:prstGeom>
-          <a:solidFill>
-            <a:srgbClr val="00B0F0"/>
-          </a:solidFill>
-          <a:ln>
-            <a:noFill/>
-          </a:ln>
-        </p:spPr>
-        <p:style>
-          <a:lnRef idx="2">
-            <a:schemeClr val="accent1">
-              <a:shade val="50000"/>
-            </a:schemeClr>
-          </a:lnRef>
-          <a:fillRef idx="1">
-            <a:schemeClr val="accent1"/>
-          </a:fillRef>
-          <a:effectRef idx="0">
-            <a:schemeClr val="accent1"/>
-          </a:effectRef>
-          <a:fontRef idx="minor">
-            <a:schemeClr val="lt1"/>
-          </a:fontRef>
-        </p:style>
-        <p:txBody>
-          <a:bodyPr rtlCol="0" anchor="ctr"/>
-          <a:lstStyle/>
-          <a:p>
-            <a:pPr algn="ctr"/>
-            <a:r>
-              <a:rPr kumimoji="1" lang="ko-KR" altLang="en-US" dirty="0" smtClean="0">
-                <a:solidFill>
-                  <a:schemeClr val="bg1"/>
-                </a:solidFill>
-              </a:rPr>
-              <a:t>지형</a:t>
-            </a:r>
-            <a:r>
-              <a:rPr kumimoji="1" lang="ko-KR" altLang="en-US" dirty="0" smtClean="0">
-                <a:solidFill>
-                  <a:schemeClr val="bg1"/>
-                </a:solidFill>
-              </a:rPr>
-              <a:t> 오브젝트</a:t>
-            </a:r>
-            <a:endParaRPr kumimoji="1" lang="ko-KR" altLang="en-US" dirty="0">
-              <a:solidFill>
-                <a:schemeClr val="bg1"/>
-              </a:solidFill>
-            </a:endParaRPr>
-          </a:p>
-        </p:txBody>
-      </p:sp>
-      <p:sp>
-        <p:nvSpPr>
-          <p:cNvPr id="55" name="모서리가 둥근 직사각형 54"/>
-          <p:cNvSpPr/>
-          <p:nvPr/>
-        </p:nvSpPr>
-        <p:spPr>
-          <a:xfrm>
-            <a:off x="9388389" y="2277695"/>
-            <a:ext cx="1096288" cy="563163"/>
-          </a:xfrm>
-          <a:prstGeom prst="roundRect">
-            <a:avLst/>
-          </a:prstGeom>
-          <a:solidFill>
-            <a:srgbClr val="00B0F0"/>
-          </a:solidFill>
-          <a:ln>
-            <a:noFill/>
-          </a:ln>
-        </p:spPr>
-        <p:style>
-          <a:lnRef idx="2">
-            <a:schemeClr val="accent1">
-              <a:shade val="50000"/>
-            </a:schemeClr>
-          </a:lnRef>
-          <a:fillRef idx="1">
-            <a:schemeClr val="accent1"/>
-          </a:fillRef>
-          <a:effectRef idx="0">
-            <a:schemeClr val="accent1"/>
-          </a:effectRef>
-          <a:fontRef idx="minor">
-            <a:schemeClr val="lt1"/>
-          </a:fontRef>
-        </p:style>
-        <p:txBody>
-          <a:bodyPr rtlCol="0" anchor="ctr"/>
-          <a:lstStyle/>
-          <a:p>
-            <a:pPr algn="ctr"/>
-            <a:r>
-              <a:rPr kumimoji="1" lang="ko-KR" altLang="en-US" dirty="0" smtClean="0">
-                <a:solidFill>
-                  <a:schemeClr val="bg1"/>
-                </a:solidFill>
-              </a:rPr>
-              <a:t>이펙트</a:t>
-            </a:r>
-            <a:endParaRPr kumimoji="1" lang="ko-KR" altLang="en-US" dirty="0">
-              <a:solidFill>
-                <a:schemeClr val="bg1"/>
-              </a:solidFill>
-            </a:endParaRPr>
-          </a:p>
-        </p:txBody>
-      </p:sp>
-      <p:sp>
-        <p:nvSpPr>
-          <p:cNvPr id="56" name="모서리가 둥근 직사각형 55"/>
-          <p:cNvSpPr/>
-          <p:nvPr/>
-        </p:nvSpPr>
-        <p:spPr>
-          <a:xfrm>
-            <a:off x="7294895" y="2959537"/>
-            <a:ext cx="1096288" cy="563163"/>
-          </a:xfrm>
-          <a:prstGeom prst="roundRect">
-            <a:avLst/>
-          </a:prstGeom>
-          <a:solidFill>
-            <a:srgbClr val="00B0F0"/>
-          </a:solidFill>
-          <a:ln>
-            <a:noFill/>
-          </a:ln>
-        </p:spPr>
-        <p:style>
-          <a:lnRef idx="2">
-            <a:schemeClr val="accent1">
-              <a:shade val="50000"/>
-            </a:schemeClr>
-          </a:lnRef>
-          <a:fillRef idx="1">
-            <a:schemeClr val="accent1"/>
-          </a:fillRef>
-          <a:effectRef idx="0">
-            <a:schemeClr val="accent1"/>
-          </a:effectRef>
-          <a:fontRef idx="minor">
-            <a:schemeClr val="lt1"/>
-          </a:fontRef>
-        </p:style>
-        <p:txBody>
-          <a:bodyPr rtlCol="0" anchor="ctr"/>
-          <a:lstStyle/>
-          <a:p>
-            <a:pPr algn="ctr"/>
-            <a:r>
-              <a:rPr kumimoji="1" lang="ko-KR" altLang="en-US" dirty="0" smtClean="0">
-                <a:solidFill>
-                  <a:schemeClr val="bg1"/>
-                </a:solidFill>
-              </a:rPr>
-              <a:t>몬스터 </a:t>
-            </a:r>
-            <a:endParaRPr kumimoji="1" lang="en-US" altLang="ko-KR" dirty="0" smtClean="0">
-              <a:solidFill>
-                <a:schemeClr val="bg1"/>
-              </a:solidFill>
-            </a:endParaRPr>
-          </a:p>
-          <a:p>
-            <a:pPr algn="ctr"/>
-            <a:r>
-              <a:rPr kumimoji="1" lang="ko-KR" altLang="en-US" dirty="0" smtClean="0">
-                <a:solidFill>
-                  <a:schemeClr val="bg1"/>
-                </a:solidFill>
-              </a:rPr>
-              <a:t>모델링</a:t>
-            </a:r>
-            <a:endParaRPr kumimoji="1" lang="ko-KR" altLang="en-US" dirty="0">
-              <a:solidFill>
-                <a:schemeClr val="bg1"/>
+                <a:schemeClr val="tx1"/>
               </a:solidFill>
             </a:endParaRPr>
           </a:p>
@@ -14240,7 +14954,7 @@
     </p:spTree>
     <p:extLst>
       <p:ext uri="{BB962C8B-B14F-4D97-AF65-F5344CB8AC3E}">
-        <p14:creationId xmlns:p14="http://schemas.microsoft.com/office/powerpoint/2010/main" val="50008626"/>
+        <p14:creationId xmlns:p14="http://schemas.microsoft.com/office/powerpoint/2010/main" val="516771458"/>
       </p:ext>
     </p:extLst>
   </p:cSld>
@@ -14341,40 +15055,53 @@
           <a:chExt cx="0" cy="0"/>
         </a:xfrm>
       </p:grpSpPr>
-      <p:pic>
-        <p:nvPicPr>
-          <p:cNvPr id="2" name="그림 1"/>
-          <p:cNvPicPr>
-            <a:picLocks noChangeAspect="1"/>
-          </p:cNvPicPr>
-          <p:nvPr/>
-        </p:nvPicPr>
-        <p:blipFill>
-          <a:blip r:embed="rId2">
-            <a:extLst>
-              <a:ext uri="{28A0092B-C50C-407E-A947-70E740481C1C}">
-                <a14:useLocalDpi xmlns:a14="http://schemas.microsoft.com/office/drawing/2010/main" val="0"/>
-              </a:ext>
-            </a:extLst>
-          </a:blip>
-          <a:stretch>
-            <a:fillRect/>
-          </a:stretch>
-        </p:blipFill>
-        <p:spPr>
-          <a:xfrm>
-            <a:off x="172994" y="0"/>
-            <a:ext cx="12344400" cy="6742627"/>
+      <p:sp>
+        <p:nvSpPr>
+          <p:cNvPr id="4" name="텍스트 상자 3"/>
+          <p:cNvSpPr txBox="1"/>
+          <p:nvPr/>
+        </p:nvSpPr>
+        <p:spPr>
+          <a:xfrm>
+            <a:off x="1656391" y="2403684"/>
+            <a:ext cx="8806193" cy="2123658"/>
           </a:xfrm>
           <a:prstGeom prst="rect">
             <a:avLst/>
           </a:prstGeom>
-        </p:spPr>
-      </p:pic>
+          <a:noFill/>
+        </p:spPr>
+        <p:txBody>
+          <a:bodyPr wrap="none" rtlCol="0">
+            <a:spAutoFit/>
+          </a:bodyPr>
+          <a:lstStyle/>
+          <a:p>
+            <a:pPr algn="ctr"/>
+            <a:r>
+              <a:rPr kumimoji="1" lang="ko-KR" altLang="en-US" sz="6600" smtClean="0"/>
+              <a:t>쿼터뷰에서 진행되는</a:t>
+            </a:r>
+            <a:endParaRPr kumimoji="1" lang="en-US" altLang="ko-KR" sz="6600" smtClean="0"/>
+          </a:p>
+          <a:p>
+            <a:pPr algn="ctr"/>
+            <a:r>
+              <a:rPr kumimoji="1" lang="ko-KR" altLang="en-US" sz="6600" smtClean="0"/>
+              <a:t>키보드 액션 </a:t>
+            </a:r>
+            <a:r>
+              <a:rPr kumimoji="1" lang="en-US" altLang="ko-KR" sz="6600" smtClean="0"/>
+              <a:t>MMORPG</a:t>
+            </a:r>
+            <a:endParaRPr kumimoji="1" lang="ko-KR" altLang="en-US" sz="6600"/>
+          </a:p>
+        </p:txBody>
+      </p:sp>
     </p:spTree>
     <p:extLst>
       <p:ext uri="{BB962C8B-B14F-4D97-AF65-F5344CB8AC3E}">
-        <p14:creationId xmlns:p14="http://schemas.microsoft.com/office/powerpoint/2010/main" val="1035262100"/>
+        <p14:creationId xmlns:p14="http://schemas.microsoft.com/office/powerpoint/2010/main" val="612148549"/>
       </p:ext>
     </p:extLst>
   </p:cSld>
@@ -14408,53 +15135,40 @@
           <a:chExt cx="0" cy="0"/>
         </a:xfrm>
       </p:grpSpPr>
-      <p:sp>
-        <p:nvSpPr>
-          <p:cNvPr id="4" name="텍스트 상자 3"/>
-          <p:cNvSpPr txBox="1"/>
-          <p:nvPr/>
-        </p:nvSpPr>
-        <p:spPr>
-          <a:xfrm>
-            <a:off x="1656391" y="2403684"/>
-            <a:ext cx="8806193" cy="2123658"/>
+      <p:pic>
+        <p:nvPicPr>
+          <p:cNvPr id="2" name="그림 1"/>
+          <p:cNvPicPr>
+            <a:picLocks noChangeAspect="1"/>
+          </p:cNvPicPr>
+          <p:nvPr/>
+        </p:nvPicPr>
+        <p:blipFill>
+          <a:blip r:embed="rId2">
+            <a:extLst>
+              <a:ext uri="{28A0092B-C50C-407E-A947-70E740481C1C}">
+                <a14:useLocalDpi xmlns:a14="http://schemas.microsoft.com/office/drawing/2010/main" val="0"/>
+              </a:ext>
+            </a:extLst>
+          </a:blip>
+          <a:stretch>
+            <a:fillRect/>
+          </a:stretch>
+        </p:blipFill>
+        <p:spPr>
+          <a:xfrm>
+            <a:off x="172994" y="0"/>
+            <a:ext cx="12344400" cy="6742627"/>
           </a:xfrm>
           <a:prstGeom prst="rect">
             <a:avLst/>
           </a:prstGeom>
-          <a:noFill/>
-        </p:spPr>
-        <p:txBody>
-          <a:bodyPr wrap="none" rtlCol="0">
-            <a:spAutoFit/>
-          </a:bodyPr>
-          <a:lstStyle/>
-          <a:p>
-            <a:pPr algn="ctr"/>
-            <a:r>
-              <a:rPr kumimoji="1" lang="ko-KR" altLang="en-US" sz="6600" smtClean="0"/>
-              <a:t>쿼터뷰에서 진행되는</a:t>
-            </a:r>
-            <a:endParaRPr kumimoji="1" lang="en-US" altLang="ko-KR" sz="6600" smtClean="0"/>
-          </a:p>
-          <a:p>
-            <a:pPr algn="ctr"/>
-            <a:r>
-              <a:rPr kumimoji="1" lang="ko-KR" altLang="en-US" sz="6600" smtClean="0"/>
-              <a:t>키보드 액션 </a:t>
-            </a:r>
-            <a:r>
-              <a:rPr kumimoji="1" lang="en-US" altLang="ko-KR" sz="6600" smtClean="0"/>
-              <a:t>MMORPG</a:t>
-            </a:r>
-            <a:endParaRPr kumimoji="1" lang="ko-KR" altLang="en-US" sz="6600"/>
-          </a:p>
-        </p:txBody>
-      </p:sp>
+        </p:spPr>
+      </p:pic>
     </p:spTree>
     <p:extLst>
       <p:ext uri="{BB962C8B-B14F-4D97-AF65-F5344CB8AC3E}">
-        <p14:creationId xmlns:p14="http://schemas.microsoft.com/office/powerpoint/2010/main" val="612148549"/>
+        <p14:creationId xmlns:p14="http://schemas.microsoft.com/office/powerpoint/2010/main" val="1035262100"/>
       </p:ext>
     </p:extLst>
   </p:cSld>
@@ -15312,15 +16026,7 @@
                   <a:schemeClr val="accent2"/>
                 </a:solidFill>
               </a:rPr>
-              <a:t>상세 시스템 기획서로 </a:t>
-            </a:r>
-            <a:r>
-              <a:rPr kumimoji="1" lang="ko-KR" altLang="en-US" sz="2800" b="1" dirty="0" smtClean="0">
-                <a:solidFill>
-                  <a:schemeClr val="accent2"/>
-                </a:solidFill>
-              </a:rPr>
-              <a:t>제외</a:t>
+              <a:t>상세 시스템 기획서로 제외</a:t>
             </a:r>
             <a:endParaRPr kumimoji="1" lang="en-US" altLang="ko-KR" sz="2800" b="1" dirty="0">
               <a:solidFill>
@@ -15512,47 +16218,7 @@
                   <a:schemeClr val="bg1"/>
                 </a:solidFill>
               </a:rPr>
-              <a:t>를 </a:t>
-            </a:r>
-            <a:r>
-              <a:rPr kumimoji="1" lang="ko-KR" altLang="en-US" sz="3600" b="1" dirty="0" smtClean="0">
-                <a:solidFill>
-                  <a:schemeClr val="bg1"/>
-                </a:solidFill>
-              </a:rPr>
-              <a:t>이용한</a:t>
-            </a:r>
-            <a:r>
-              <a:rPr kumimoji="1" lang="ko-KR" altLang="en-US" sz="3600" b="1" dirty="0" smtClean="0">
-                <a:solidFill>
-                  <a:schemeClr val="bg1"/>
-                </a:solidFill>
-              </a:rPr>
-              <a:t> </a:t>
-            </a:r>
-            <a:r>
-              <a:rPr kumimoji="1" lang="ko-KR" altLang="en-US" sz="3600" b="1" dirty="0" smtClean="0">
-                <a:solidFill>
-                  <a:schemeClr val="bg1"/>
-                </a:solidFill>
-              </a:rPr>
-              <a:t>프레임워크 </a:t>
-            </a:r>
-            <a:r>
-              <a:rPr kumimoji="1" lang="ko-KR" altLang="en-US" sz="3600" b="1" dirty="0" smtClean="0">
-                <a:solidFill>
-                  <a:schemeClr val="bg1"/>
-                </a:solidFill>
-              </a:rPr>
-              <a:t>자체 </a:t>
-            </a:r>
-            <a:r>
-              <a:rPr kumimoji="1" lang="ko-KR" altLang="en-US" sz="3600" b="1" dirty="0" smtClean="0">
-                <a:solidFill>
-                  <a:schemeClr val="bg1"/>
-                </a:solidFill>
-              </a:rPr>
-              <a:t>제작</a:t>
+              <a:t>를 이용한 프레임워크 자체 제작</a:t>
             </a:r>
             <a:endParaRPr kumimoji="1" lang="en-US" altLang="ko-KR" sz="3600" b="1" dirty="0" smtClean="0">
               <a:solidFill>

--- a/documents/[편돌이]졸업작품 제안서(짧은버전).pptx
+++ b/documents/[편돌이]졸업작품 제안서(짧은버전).pptx
@@ -235,7 +235,7 @@
           <a:p>
             <a:fld id="{C0784820-E37F-9245-812A-8C2941EBBF6C}" type="datetimeFigureOut">
               <a:rPr kumimoji="1" lang="ko-KR" altLang="en-US" smtClean="0"/>
-              <a:t>2016-11-14</a:t>
+              <a:t>2016. 11. 15.</a:t>
             </a:fld>
             <a:endParaRPr kumimoji="1" lang="ko-KR" altLang="en-US"/>
           </a:p>
@@ -400,7 +400,7 @@
           <a:p>
             <a:fld id="{ABD44343-005F-DA4E-8CE2-D84E76ABEFED}" type="datetimeFigureOut">
               <a:rPr kumimoji="1" lang="ko-KR" altLang="en-US" smtClean="0"/>
-              <a:t>2016-11-14</a:t>
+              <a:t>2016. 11. 15.</a:t>
             </a:fld>
             <a:endParaRPr kumimoji="1" lang="ko-KR" altLang="en-US"/>
           </a:p>
@@ -796,7 +796,7 @@
           <a:p>
             <a:fld id="{9A7BEA77-FCFD-E34F-8955-12C1E82451E3}" type="datetimeFigureOut">
               <a:rPr kumimoji="1" lang="ko-KR" altLang="en-US" smtClean="0"/>
-              <a:t>2016-11-14</a:t>
+              <a:t>2016. 11. 15.</a:t>
             </a:fld>
             <a:endParaRPr kumimoji="1" lang="ko-KR" altLang="en-US"/>
           </a:p>
@@ -964,7 +964,7 @@
           <a:p>
             <a:fld id="{9A7BEA77-FCFD-E34F-8955-12C1E82451E3}" type="datetimeFigureOut">
               <a:rPr kumimoji="1" lang="ko-KR" altLang="en-US" smtClean="0"/>
-              <a:t>2016-11-14</a:t>
+              <a:t>2016. 11. 15.</a:t>
             </a:fld>
             <a:endParaRPr kumimoji="1" lang="ko-KR" altLang="en-US"/>
           </a:p>
@@ -1142,7 +1142,7 @@
           <a:p>
             <a:fld id="{9A7BEA77-FCFD-E34F-8955-12C1E82451E3}" type="datetimeFigureOut">
               <a:rPr kumimoji="1" lang="ko-KR" altLang="en-US" smtClean="0"/>
-              <a:t>2016-11-14</a:t>
+              <a:t>2016. 11. 15.</a:t>
             </a:fld>
             <a:endParaRPr kumimoji="1" lang="ko-KR" altLang="en-US"/>
           </a:p>
@@ -1310,7 +1310,7 @@
           <a:p>
             <a:fld id="{9A7BEA77-FCFD-E34F-8955-12C1E82451E3}" type="datetimeFigureOut">
               <a:rPr kumimoji="1" lang="ko-KR" altLang="en-US" smtClean="0"/>
-              <a:t>2016-11-14</a:t>
+              <a:t>2016. 11. 15.</a:t>
             </a:fld>
             <a:endParaRPr kumimoji="1" lang="ko-KR" altLang="en-US"/>
           </a:p>
@@ -1555,7 +1555,7 @@
           <a:p>
             <a:fld id="{9A7BEA77-FCFD-E34F-8955-12C1E82451E3}" type="datetimeFigureOut">
               <a:rPr kumimoji="1" lang="ko-KR" altLang="en-US" smtClean="0"/>
-              <a:t>2016-11-14</a:t>
+              <a:t>2016. 11. 15.</a:t>
             </a:fld>
             <a:endParaRPr kumimoji="1" lang="ko-KR" altLang="en-US"/>
           </a:p>
@@ -1784,7 +1784,7 @@
           <a:p>
             <a:fld id="{9A7BEA77-FCFD-E34F-8955-12C1E82451E3}" type="datetimeFigureOut">
               <a:rPr kumimoji="1" lang="ko-KR" altLang="en-US" smtClean="0"/>
-              <a:t>2016-11-14</a:t>
+              <a:t>2016. 11. 15.</a:t>
             </a:fld>
             <a:endParaRPr kumimoji="1" lang="ko-KR" altLang="en-US"/>
           </a:p>
@@ -2148,7 +2148,7 @@
           <a:p>
             <a:fld id="{9A7BEA77-FCFD-E34F-8955-12C1E82451E3}" type="datetimeFigureOut">
               <a:rPr kumimoji="1" lang="ko-KR" altLang="en-US" smtClean="0"/>
-              <a:t>2016-11-14</a:t>
+              <a:t>2016. 11. 15.</a:t>
             </a:fld>
             <a:endParaRPr kumimoji="1" lang="ko-KR" altLang="en-US"/>
           </a:p>
@@ -2265,7 +2265,7 @@
           <a:p>
             <a:fld id="{9A7BEA77-FCFD-E34F-8955-12C1E82451E3}" type="datetimeFigureOut">
               <a:rPr kumimoji="1" lang="ko-KR" altLang="en-US" smtClean="0"/>
-              <a:t>2016-11-14</a:t>
+              <a:t>2016. 11. 15.</a:t>
             </a:fld>
             <a:endParaRPr kumimoji="1" lang="ko-KR" altLang="en-US"/>
           </a:p>
@@ -2360,7 +2360,7 @@
           <a:p>
             <a:fld id="{9A7BEA77-FCFD-E34F-8955-12C1E82451E3}" type="datetimeFigureOut">
               <a:rPr kumimoji="1" lang="ko-KR" altLang="en-US" smtClean="0"/>
-              <a:t>2016-11-14</a:t>
+              <a:t>2016. 11. 15.</a:t>
             </a:fld>
             <a:endParaRPr kumimoji="1" lang="ko-KR" altLang="en-US"/>
           </a:p>
@@ -2635,7 +2635,7 @@
           <a:p>
             <a:fld id="{9A7BEA77-FCFD-E34F-8955-12C1E82451E3}" type="datetimeFigureOut">
               <a:rPr kumimoji="1" lang="ko-KR" altLang="en-US" smtClean="0"/>
-              <a:t>2016-11-14</a:t>
+              <a:t>2016. 11. 15.</a:t>
             </a:fld>
             <a:endParaRPr kumimoji="1" lang="ko-KR" altLang="en-US"/>
           </a:p>
@@ -2887,7 +2887,7 @@
           <a:p>
             <a:fld id="{9A7BEA77-FCFD-E34F-8955-12C1E82451E3}" type="datetimeFigureOut">
               <a:rPr kumimoji="1" lang="ko-KR" altLang="en-US" smtClean="0"/>
-              <a:t>2016-11-14</a:t>
+              <a:t>2016. 11. 15.</a:t>
             </a:fld>
             <a:endParaRPr kumimoji="1" lang="ko-KR" altLang="en-US"/>
           </a:p>
@@ -3098,7 +3098,7 @@
           <a:p>
             <a:fld id="{9A7BEA77-FCFD-E34F-8955-12C1E82451E3}" type="datetimeFigureOut">
               <a:rPr kumimoji="1" lang="ko-KR" altLang="en-US" smtClean="0"/>
-              <a:t>2016-11-14</a:t>
+              <a:t>2016. 11. 15.</a:t>
             </a:fld>
             <a:endParaRPr kumimoji="1" lang="ko-KR" altLang="en-US"/>
           </a:p>
@@ -4620,6 +4620,13 @@
   <p:clrMapOvr>
     <a:masterClrMapping/>
   </p:clrMapOvr>
+  <p:timing>
+    <p:tnLst>
+      <p:par>
+        <p:cTn id="1" dur="indefinite" restart="never" nodeType="tmRoot"/>
+      </p:par>
+    </p:tnLst>
+  </p:timing>
 </p:sld>
 </file>
 
@@ -4918,7 +4925,7 @@
         </p:nvSpPr>
         <p:spPr>
           <a:xfrm>
-            <a:off x="5294120" y="732982"/>
+            <a:off x="5386511" y="732982"/>
             <a:ext cx="1418978" cy="2646878"/>
           </a:xfrm>
           <a:prstGeom prst="rect">
@@ -5098,12 +5105,12 @@
           <a:p>
             <a:pPr algn="ctr"/>
             <a:r>
-              <a:rPr kumimoji="1" lang="ko-KR" altLang="en-US" sz="3600" b="1" dirty="0">
+              <a:rPr kumimoji="1" lang="ko-KR" altLang="en-US" sz="3600" b="1" dirty="0" smtClean="0">
                 <a:solidFill>
                   <a:schemeClr val="bg1"/>
                 </a:solidFill>
               </a:rPr>
-              <a:t>게임 오브젝트의 스키닝 애니메이션</a:t>
+              <a:t>미정</a:t>
             </a:r>
             <a:endParaRPr kumimoji="1" lang="en-US" altLang="ko-KR" sz="3600" b="1" dirty="0">
               <a:solidFill>
@@ -5114,78 +5121,42 @@
           <a:p>
             <a:pPr algn="ctr"/>
             <a:r>
-              <a:rPr kumimoji="1" lang="en-US" altLang="ko-KR" sz="3200" b="1" dirty="0">
+              <a:rPr kumimoji="1" lang="ko-KR" altLang="en-US" sz="3200" b="1" dirty="0" smtClean="0">
                 <a:solidFill>
                   <a:schemeClr val="bg1">
                     <a:lumMod val="50000"/>
                   </a:schemeClr>
                 </a:solidFill>
               </a:rPr>
-              <a:t>Mesh</a:t>
-            </a:r>
-            <a:r>
-              <a:rPr kumimoji="1" lang="ko-KR" altLang="en-US" sz="3200" b="1" dirty="0">
+              <a:t>미정</a:t>
+            </a:r>
+            <a:endParaRPr kumimoji="1" lang="ko-KR" altLang="en-US" sz="3200" b="1" dirty="0">
+              <a:solidFill>
+                <a:schemeClr val="bg1">
+                  <a:lumMod val="50000"/>
+                </a:schemeClr>
+              </a:solidFill>
+            </a:endParaRPr>
+          </a:p>
+          <a:p>
+            <a:pPr algn="ctr"/>
+            <a:r>
+              <a:rPr kumimoji="1" lang="ko-KR" altLang="en-US" sz="3200" b="1" dirty="0" smtClean="0">
                 <a:solidFill>
                   <a:schemeClr val="bg1">
                     <a:lumMod val="50000"/>
                   </a:schemeClr>
                 </a:solidFill>
               </a:rPr>
-              <a:t>와 </a:t>
-            </a:r>
-            <a:r>
-              <a:rPr kumimoji="1" lang="en-US" altLang="ko-KR" sz="3200" b="1" dirty="0">
-                <a:solidFill>
-                  <a:schemeClr val="bg1">
-                    <a:lumMod val="50000"/>
-                  </a:schemeClr>
-                </a:solidFill>
-              </a:rPr>
-              <a:t>bone</a:t>
-            </a:r>
-            <a:r>
-              <a:rPr kumimoji="1" lang="ko-KR" altLang="en-US" sz="3200" b="1" dirty="0">
-                <a:solidFill>
-                  <a:schemeClr val="bg1">
-                    <a:lumMod val="50000"/>
-                  </a:schemeClr>
-                </a:solidFill>
-              </a:rPr>
-              <a:t>으로 이루어진 </a:t>
-            </a:r>
-            <a:r>
-              <a:rPr kumimoji="1" lang="en-US" altLang="ko-KR" sz="3200" b="1" dirty="0">
-                <a:solidFill>
-                  <a:schemeClr val="bg1">
-                    <a:lumMod val="50000"/>
-                  </a:schemeClr>
-                </a:solidFill>
-              </a:rPr>
-              <a:t>FBX </a:t>
-            </a:r>
-            <a:r>
-              <a:rPr kumimoji="1" lang="ko-KR" altLang="en-US" sz="3200" b="1" dirty="0">
-                <a:solidFill>
-                  <a:schemeClr val="bg1">
-                    <a:lumMod val="50000"/>
-                  </a:schemeClr>
-                </a:solidFill>
-              </a:rPr>
-              <a:t>파일을 활용하여</a:t>
-            </a:r>
-          </a:p>
-          <a:p>
-            <a:pPr algn="ctr"/>
-            <a:r>
-              <a:rPr kumimoji="1" lang="ko-KR" altLang="en-US" sz="3200" b="1" dirty="0">
-                <a:solidFill>
-                  <a:schemeClr val="bg1">
-                    <a:lumMod val="50000"/>
-                  </a:schemeClr>
-                </a:solidFill>
-              </a:rPr>
-              <a:t>움직일 때의 시간에 따른 보간을 하여 애니메이션 출력</a:t>
-            </a:r>
+              <a:t>미정</a:t>
+            </a:r>
+            <a:endParaRPr kumimoji="1" lang="ko-KR" altLang="en-US" sz="3200" b="1" dirty="0">
+              <a:solidFill>
+                <a:schemeClr val="bg1">
+                  <a:lumMod val="50000"/>
+                </a:schemeClr>
+              </a:solidFill>
+            </a:endParaRPr>
           </a:p>
         </p:txBody>
       </p:sp>
@@ -5252,7 +5223,7 @@
         </p:nvSpPr>
         <p:spPr>
           <a:xfrm>
-            <a:off x="5294120" y="732982"/>
+            <a:off x="5395040" y="732982"/>
             <a:ext cx="1418978" cy="2646878"/>
           </a:xfrm>
           <a:prstGeom prst="rect">
@@ -5432,12 +5403,12 @@
           <a:p>
             <a:pPr algn="ctr"/>
             <a:r>
-              <a:rPr kumimoji="1" lang="ko-KR" altLang="en-US" sz="3600" b="1" dirty="0">
+              <a:rPr kumimoji="1" lang="ko-KR" altLang="en-US" sz="3600" b="1" dirty="0" smtClean="0">
                 <a:solidFill>
                   <a:schemeClr val="bg1"/>
                 </a:solidFill>
               </a:rPr>
-              <a:t>게임 오브젝트의 스키닝 애니메이션</a:t>
+              <a:t>미정</a:t>
             </a:r>
             <a:endParaRPr kumimoji="1" lang="en-US" altLang="ko-KR" sz="3600" b="1" dirty="0">
               <a:solidFill>
@@ -5448,78 +5419,42 @@
           <a:p>
             <a:pPr algn="ctr"/>
             <a:r>
-              <a:rPr kumimoji="1" lang="en-US" altLang="ko-KR" sz="3200" b="1" dirty="0">
+              <a:rPr kumimoji="1" lang="ko-KR" altLang="en-US" sz="3200" b="1" dirty="0" smtClean="0">
                 <a:solidFill>
                   <a:schemeClr val="bg1">
                     <a:lumMod val="50000"/>
                   </a:schemeClr>
                 </a:solidFill>
               </a:rPr>
-              <a:t>Mesh</a:t>
-            </a:r>
-            <a:r>
-              <a:rPr kumimoji="1" lang="ko-KR" altLang="en-US" sz="3200" b="1" dirty="0">
+              <a:t>미정</a:t>
+            </a:r>
+            <a:endParaRPr kumimoji="1" lang="ko-KR" altLang="en-US" sz="3200" b="1" dirty="0">
+              <a:solidFill>
+                <a:schemeClr val="bg1">
+                  <a:lumMod val="50000"/>
+                </a:schemeClr>
+              </a:solidFill>
+            </a:endParaRPr>
+          </a:p>
+          <a:p>
+            <a:pPr algn="ctr"/>
+            <a:r>
+              <a:rPr kumimoji="1" lang="ko-KR" altLang="en-US" sz="3200" b="1" dirty="0" smtClean="0">
                 <a:solidFill>
                   <a:schemeClr val="bg1">
                     <a:lumMod val="50000"/>
                   </a:schemeClr>
                 </a:solidFill>
               </a:rPr>
-              <a:t>와 </a:t>
-            </a:r>
-            <a:r>
-              <a:rPr kumimoji="1" lang="en-US" altLang="ko-KR" sz="3200" b="1" dirty="0">
-                <a:solidFill>
-                  <a:schemeClr val="bg1">
-                    <a:lumMod val="50000"/>
-                  </a:schemeClr>
-                </a:solidFill>
-              </a:rPr>
-              <a:t>bone</a:t>
-            </a:r>
-            <a:r>
-              <a:rPr kumimoji="1" lang="ko-KR" altLang="en-US" sz="3200" b="1" dirty="0">
-                <a:solidFill>
-                  <a:schemeClr val="bg1">
-                    <a:lumMod val="50000"/>
-                  </a:schemeClr>
-                </a:solidFill>
-              </a:rPr>
-              <a:t>으로 이루어진 </a:t>
-            </a:r>
-            <a:r>
-              <a:rPr kumimoji="1" lang="en-US" altLang="ko-KR" sz="3200" b="1" dirty="0">
-                <a:solidFill>
-                  <a:schemeClr val="bg1">
-                    <a:lumMod val="50000"/>
-                  </a:schemeClr>
-                </a:solidFill>
-              </a:rPr>
-              <a:t>FBX </a:t>
-            </a:r>
-            <a:r>
-              <a:rPr kumimoji="1" lang="ko-KR" altLang="en-US" sz="3200" b="1" dirty="0">
-                <a:solidFill>
-                  <a:schemeClr val="bg1">
-                    <a:lumMod val="50000"/>
-                  </a:schemeClr>
-                </a:solidFill>
-              </a:rPr>
-              <a:t>파일을 활용하여</a:t>
-            </a:r>
-          </a:p>
-          <a:p>
-            <a:pPr algn="ctr"/>
-            <a:r>
-              <a:rPr kumimoji="1" lang="ko-KR" altLang="en-US" sz="3200" b="1" dirty="0">
-                <a:solidFill>
-                  <a:schemeClr val="bg1">
-                    <a:lumMod val="50000"/>
-                  </a:schemeClr>
-                </a:solidFill>
-              </a:rPr>
-              <a:t>움직일 때의 시간에 따른 보간을 하여 애니메이션 출력</a:t>
-            </a:r>
+              <a:t>미정</a:t>
+            </a:r>
+            <a:endParaRPr kumimoji="1" lang="ko-KR" altLang="en-US" sz="3200" b="1" dirty="0">
+              <a:solidFill>
+                <a:schemeClr val="bg1">
+                  <a:lumMod val="50000"/>
+                </a:schemeClr>
+              </a:solidFill>
+            </a:endParaRPr>
           </a:p>
         </p:txBody>
       </p:sp>
@@ -5586,7 +5521,7 @@
         </p:nvSpPr>
         <p:spPr>
           <a:xfrm>
-            <a:off x="5294120" y="732982"/>
+            <a:off x="5386511" y="732982"/>
             <a:ext cx="1418978" cy="2646878"/>
           </a:xfrm>
           <a:prstGeom prst="rect">
@@ -5766,12 +5701,12 @@
           <a:p>
             <a:pPr algn="ctr"/>
             <a:r>
-              <a:rPr kumimoji="1" lang="ko-KR" altLang="en-US" sz="3600" b="1" dirty="0">
+              <a:rPr kumimoji="1" lang="ko-KR" altLang="en-US" sz="3600" b="1" dirty="0" smtClean="0">
                 <a:solidFill>
                   <a:schemeClr val="bg1"/>
                 </a:solidFill>
               </a:rPr>
-              <a:t>게임 오브젝트의 스키닝 애니메이션</a:t>
+              <a:t>미정</a:t>
             </a:r>
             <a:endParaRPr kumimoji="1" lang="en-US" altLang="ko-KR" sz="3600" b="1" dirty="0">
               <a:solidFill>
@@ -5782,78 +5717,42 @@
           <a:p>
             <a:pPr algn="ctr"/>
             <a:r>
-              <a:rPr kumimoji="1" lang="en-US" altLang="ko-KR" sz="3200" b="1" dirty="0">
+              <a:rPr kumimoji="1" lang="ko-KR" altLang="en-US" sz="3200" b="1" dirty="0" smtClean="0">
                 <a:solidFill>
                   <a:schemeClr val="bg1">
                     <a:lumMod val="50000"/>
                   </a:schemeClr>
                 </a:solidFill>
               </a:rPr>
-              <a:t>Mesh</a:t>
-            </a:r>
-            <a:r>
-              <a:rPr kumimoji="1" lang="ko-KR" altLang="en-US" sz="3200" b="1" dirty="0">
+              <a:t>미정</a:t>
+            </a:r>
+            <a:endParaRPr kumimoji="1" lang="ko-KR" altLang="en-US" sz="3200" b="1" dirty="0">
+              <a:solidFill>
+                <a:schemeClr val="bg1">
+                  <a:lumMod val="50000"/>
+                </a:schemeClr>
+              </a:solidFill>
+            </a:endParaRPr>
+          </a:p>
+          <a:p>
+            <a:pPr algn="ctr"/>
+            <a:r>
+              <a:rPr kumimoji="1" lang="ko-KR" altLang="en-US" sz="3200" b="1" dirty="0" smtClean="0">
                 <a:solidFill>
                   <a:schemeClr val="bg1">
                     <a:lumMod val="50000"/>
                   </a:schemeClr>
                 </a:solidFill>
               </a:rPr>
-              <a:t>와 </a:t>
-            </a:r>
-            <a:r>
-              <a:rPr kumimoji="1" lang="en-US" altLang="ko-KR" sz="3200" b="1" dirty="0">
-                <a:solidFill>
-                  <a:schemeClr val="bg1">
-                    <a:lumMod val="50000"/>
-                  </a:schemeClr>
-                </a:solidFill>
-              </a:rPr>
-              <a:t>bone</a:t>
-            </a:r>
-            <a:r>
-              <a:rPr kumimoji="1" lang="ko-KR" altLang="en-US" sz="3200" b="1" dirty="0">
-                <a:solidFill>
-                  <a:schemeClr val="bg1">
-                    <a:lumMod val="50000"/>
-                  </a:schemeClr>
-                </a:solidFill>
-              </a:rPr>
-              <a:t>으로 이루어진 </a:t>
-            </a:r>
-            <a:r>
-              <a:rPr kumimoji="1" lang="en-US" altLang="ko-KR" sz="3200" b="1" dirty="0">
-                <a:solidFill>
-                  <a:schemeClr val="bg1">
-                    <a:lumMod val="50000"/>
-                  </a:schemeClr>
-                </a:solidFill>
-              </a:rPr>
-              <a:t>FBX </a:t>
-            </a:r>
-            <a:r>
-              <a:rPr kumimoji="1" lang="ko-KR" altLang="en-US" sz="3200" b="1" dirty="0">
-                <a:solidFill>
-                  <a:schemeClr val="bg1">
-                    <a:lumMod val="50000"/>
-                  </a:schemeClr>
-                </a:solidFill>
-              </a:rPr>
-              <a:t>파일을 활용하여</a:t>
-            </a:r>
-          </a:p>
-          <a:p>
-            <a:pPr algn="ctr"/>
-            <a:r>
-              <a:rPr kumimoji="1" lang="ko-KR" altLang="en-US" sz="3200" b="1" dirty="0">
-                <a:solidFill>
-                  <a:schemeClr val="bg1">
-                    <a:lumMod val="50000"/>
-                  </a:schemeClr>
-                </a:solidFill>
-              </a:rPr>
-              <a:t>움직일 때의 시간에 따른 보간을 하여 애니메이션 출력</a:t>
-            </a:r>
+              <a:t>미정</a:t>
+            </a:r>
+            <a:endParaRPr kumimoji="1" lang="ko-KR" altLang="en-US" sz="3200" b="1" dirty="0">
+              <a:solidFill>
+                <a:schemeClr val="bg1">
+                  <a:lumMod val="50000"/>
+                </a:schemeClr>
+              </a:solidFill>
+            </a:endParaRPr>
           </a:p>
         </p:txBody>
       </p:sp>
@@ -5920,7 +5819,7 @@
         </p:nvSpPr>
         <p:spPr>
           <a:xfrm>
-            <a:off x="5294120" y="732982"/>
+            <a:off x="5386511" y="732982"/>
             <a:ext cx="1418978" cy="2646878"/>
           </a:xfrm>
           <a:prstGeom prst="rect">
@@ -6322,7 +6221,7 @@
         </p:nvSpPr>
         <p:spPr>
           <a:xfrm>
-            <a:off x="5294120" y="732982"/>
+            <a:off x="5386511" y="732982"/>
             <a:ext cx="1418978" cy="2646878"/>
           </a:xfrm>
           <a:prstGeom prst="rect">
@@ -6690,7 +6589,7 @@
         </p:nvSpPr>
         <p:spPr>
           <a:xfrm>
-            <a:off x="5294120" y="732982"/>
+            <a:off x="5386511" y="732982"/>
             <a:ext cx="1418978" cy="2646878"/>
           </a:xfrm>
           <a:prstGeom prst="rect">
@@ -6981,7 +6880,7 @@
         </p:nvSpPr>
         <p:spPr>
           <a:xfrm>
-            <a:off x="5294120" y="732982"/>
+            <a:off x="5386511" y="732982"/>
             <a:ext cx="1418978" cy="2646878"/>
           </a:xfrm>
           <a:prstGeom prst="rect">
@@ -7332,7 +7231,7 @@
         </p:nvSpPr>
         <p:spPr>
           <a:xfrm>
-            <a:off x="5294120" y="732982"/>
+            <a:off x="5386511" y="732982"/>
             <a:ext cx="1418978" cy="2646878"/>
           </a:xfrm>
           <a:prstGeom prst="rect">
@@ -7630,7 +7529,7 @@
         </p:nvSpPr>
         <p:spPr>
           <a:xfrm>
-            <a:off x="5294120" y="732982"/>
+            <a:off x="5386511" y="732982"/>
             <a:ext cx="1418978" cy="2646878"/>
           </a:xfrm>
           <a:prstGeom prst="rect">
@@ -8339,6 +8238,13 @@
   <p:clrMapOvr>
     <a:masterClrMapping/>
   </p:clrMapOvr>
+  <p:timing>
+    <p:tnLst>
+      <p:par>
+        <p:cTn id="1" dur="indefinite" restart="never" nodeType="tmRoot"/>
+      </p:par>
+    </p:tnLst>
+  </p:timing>
 </p:sld>
 </file>
 
@@ -9392,7 +9298,7 @@
         </p:nvSpPr>
         <p:spPr>
           <a:xfrm>
-            <a:off x="1649208" y="3776205"/>
+            <a:off x="749331" y="4493957"/>
             <a:ext cx="1022274" cy="563163"/>
           </a:xfrm>
           <a:prstGeom prst="roundRect">
@@ -9452,7 +9358,7 @@
         </p:nvSpPr>
         <p:spPr>
           <a:xfrm>
-            <a:off x="1933783" y="4493961"/>
+            <a:off x="1629573" y="3776203"/>
             <a:ext cx="1096288" cy="563163"/>
           </a:xfrm>
           <a:prstGeom prst="roundRect">
@@ -15101,7 +15007,7 @@
         </p:nvSpPr>
         <p:spPr>
           <a:xfrm>
-            <a:off x="5294120" y="732982"/>
+            <a:off x="5395040" y="732982"/>
             <a:ext cx="1418978" cy="2646878"/>
           </a:xfrm>
           <a:prstGeom prst="rect">
@@ -15469,7 +15375,7 @@
         </p:nvSpPr>
         <p:spPr>
           <a:xfrm>
-            <a:off x="5294120" y="732982"/>
+            <a:off x="5395040" y="732982"/>
             <a:ext cx="1418978" cy="2646878"/>
           </a:xfrm>
           <a:prstGeom prst="rect">
